--- a/pokemon tokens.pptx
+++ b/pokemon tokens.pptx
@@ -6,7 +6,6 @@
   </p:sldMasterIdLst>
   <p:sldIdLst>
     <p:sldId id="256" r:id="rId2"/>
-    <p:sldId id="257" r:id="rId3"/>
   </p:sldIdLst>
   <p:sldSz cx="9144000" cy="6858000" type="screen4x3"/>
   <p:notesSz cx="6858000" cy="9144000"/>
@@ -289,7 +288,7 @@
           <a:p>
             <a:fld id="{4647F530-0AF0-4DEB-8CE8-B3A6387B3DF3}" type="datetimeFigureOut">
               <a:rPr lang="en-US" smtClean="0"/>
-              <a:t>5/8/2013</a:t>
+              <a:t>5/9/2013</a:t>
             </a:fld>
             <a:endParaRPr lang="en-US"/>
           </a:p>
@@ -459,7 +458,7 @@
           <a:p>
             <a:fld id="{4647F530-0AF0-4DEB-8CE8-B3A6387B3DF3}" type="datetimeFigureOut">
               <a:rPr lang="en-US" smtClean="0"/>
-              <a:t>5/8/2013</a:t>
+              <a:t>5/9/2013</a:t>
             </a:fld>
             <a:endParaRPr lang="en-US"/>
           </a:p>
@@ -639,7 +638,7 @@
           <a:p>
             <a:fld id="{4647F530-0AF0-4DEB-8CE8-B3A6387B3DF3}" type="datetimeFigureOut">
               <a:rPr lang="en-US" smtClean="0"/>
-              <a:t>5/8/2013</a:t>
+              <a:t>5/9/2013</a:t>
             </a:fld>
             <a:endParaRPr lang="en-US"/>
           </a:p>
@@ -809,7 +808,7 @@
           <a:p>
             <a:fld id="{4647F530-0AF0-4DEB-8CE8-B3A6387B3DF3}" type="datetimeFigureOut">
               <a:rPr lang="en-US" smtClean="0"/>
-              <a:t>5/8/2013</a:t>
+              <a:t>5/9/2013</a:t>
             </a:fld>
             <a:endParaRPr lang="en-US"/>
           </a:p>
@@ -1055,7 +1054,7 @@
           <a:p>
             <a:fld id="{4647F530-0AF0-4DEB-8CE8-B3A6387B3DF3}" type="datetimeFigureOut">
               <a:rPr lang="en-US" smtClean="0"/>
-              <a:t>5/8/2013</a:t>
+              <a:t>5/9/2013</a:t>
             </a:fld>
             <a:endParaRPr lang="en-US"/>
           </a:p>
@@ -1343,7 +1342,7 @@
           <a:p>
             <a:fld id="{4647F530-0AF0-4DEB-8CE8-B3A6387B3DF3}" type="datetimeFigureOut">
               <a:rPr lang="en-US" smtClean="0"/>
-              <a:t>5/8/2013</a:t>
+              <a:t>5/9/2013</a:t>
             </a:fld>
             <a:endParaRPr lang="en-US"/>
           </a:p>
@@ -1765,7 +1764,7 @@
           <a:p>
             <a:fld id="{4647F530-0AF0-4DEB-8CE8-B3A6387B3DF3}" type="datetimeFigureOut">
               <a:rPr lang="en-US" smtClean="0"/>
-              <a:t>5/8/2013</a:t>
+              <a:t>5/9/2013</a:t>
             </a:fld>
             <a:endParaRPr lang="en-US"/>
           </a:p>
@@ -1883,7 +1882,7 @@
           <a:p>
             <a:fld id="{4647F530-0AF0-4DEB-8CE8-B3A6387B3DF3}" type="datetimeFigureOut">
               <a:rPr lang="en-US" smtClean="0"/>
-              <a:t>5/8/2013</a:t>
+              <a:t>5/9/2013</a:t>
             </a:fld>
             <a:endParaRPr lang="en-US"/>
           </a:p>
@@ -1978,7 +1977,7 @@
           <a:p>
             <a:fld id="{4647F530-0AF0-4DEB-8CE8-B3A6387B3DF3}" type="datetimeFigureOut">
               <a:rPr lang="en-US" smtClean="0"/>
-              <a:t>5/8/2013</a:t>
+              <a:t>5/9/2013</a:t>
             </a:fld>
             <a:endParaRPr lang="en-US"/>
           </a:p>
@@ -2255,7 +2254,7 @@
           <a:p>
             <a:fld id="{4647F530-0AF0-4DEB-8CE8-B3A6387B3DF3}" type="datetimeFigureOut">
               <a:rPr lang="en-US" smtClean="0"/>
-              <a:t>5/8/2013</a:t>
+              <a:t>5/9/2013</a:t>
             </a:fld>
             <a:endParaRPr lang="en-US"/>
           </a:p>
@@ -2508,7 +2507,7 @@
           <a:p>
             <a:fld id="{4647F530-0AF0-4DEB-8CE8-B3A6387B3DF3}" type="datetimeFigureOut">
               <a:rPr lang="en-US" smtClean="0"/>
-              <a:t>5/8/2013</a:t>
+              <a:t>5/9/2013</a:t>
             </a:fld>
             <a:endParaRPr lang="en-US"/>
           </a:p>
@@ -2721,7 +2720,7 @@
           <a:p>
             <a:fld id="{4647F530-0AF0-4DEB-8CE8-B3A6387B3DF3}" type="datetimeFigureOut">
               <a:rPr lang="en-US" smtClean="0"/>
-              <a:t>5/8/2013</a:t>
+              <a:t>5/9/2013</a:t>
             </a:fld>
             <a:endParaRPr lang="en-US"/>
           </a:p>
@@ -3096,2643 +3095,16 @@
           <a:chExt cx="0" cy="0"/>
         </a:xfrm>
       </p:grpSpPr>
-      <p:grpSp>
-        <p:nvGrpSpPr>
-          <p:cNvPr id="31" name="Group 30"/>
-          <p:cNvGrpSpPr>
-            <a:grpSpLocks noChangeAspect="1"/>
-          </p:cNvGrpSpPr>
-          <p:nvPr/>
-        </p:nvGrpSpPr>
-        <p:grpSpPr>
-          <a:xfrm>
-            <a:off x="101476" y="98396"/>
-            <a:ext cx="8833738" cy="5011070"/>
-            <a:chOff x="75779" y="228600"/>
-            <a:chExt cx="9000027" cy="5105400"/>
-          </a:xfrm>
-        </p:grpSpPr>
-        <p:sp>
-          <p:nvSpPr>
-            <p:cNvPr id="88" name="Octagon 87"/>
-            <p:cNvSpPr/>
-            <p:nvPr/>
-          </p:nvSpPr>
-          <p:spPr>
-            <a:xfrm>
-              <a:off x="84206" y="1549550"/>
-              <a:ext cx="1143000" cy="1143000"/>
-            </a:xfrm>
-            <a:prstGeom prst="octagon">
-              <a:avLst/>
-            </a:prstGeom>
-            <a:ln w="9525"/>
-            <a:effectLst/>
-            <a:scene3d>
-              <a:camera prst="orthographicFront"/>
-              <a:lightRig rig="threePt" dir="t"/>
-            </a:scene3d>
-            <a:sp3d>
-              <a:bevelT prst="angle"/>
-            </a:sp3d>
-          </p:spPr>
-          <p:style>
-            <a:lnRef idx="1">
-              <a:schemeClr val="accent3"/>
-            </a:lnRef>
-            <a:fillRef idx="2">
-              <a:schemeClr val="accent3"/>
-            </a:fillRef>
-            <a:effectRef idx="1">
-              <a:schemeClr val="accent3"/>
-            </a:effectRef>
-            <a:fontRef idx="minor">
-              <a:schemeClr val="dk1"/>
-            </a:fontRef>
-          </p:style>
-          <p:txBody>
-            <a:bodyPr rtlCol="0" anchor="ctr"/>
-            <a:lstStyle/>
-            <a:p>
-              <a:pPr algn="ctr"/>
-              <a:endParaRPr lang="en-US"/>
-            </a:p>
-          </p:txBody>
-        </p:sp>
-        <p:sp>
-          <p:nvSpPr>
-            <p:cNvPr id="89" name="Octagon 88"/>
-            <p:cNvSpPr/>
-            <p:nvPr/>
-          </p:nvSpPr>
-          <p:spPr>
-            <a:xfrm>
-              <a:off x="1392306" y="1549550"/>
-              <a:ext cx="1143000" cy="1148737"/>
-            </a:xfrm>
-            <a:prstGeom prst="octagon">
-              <a:avLst/>
-            </a:prstGeom>
-            <a:gradFill>
-              <a:gsLst>
-                <a:gs pos="37000">
-                  <a:srgbClr val="41A575"/>
-                </a:gs>
-                <a:gs pos="0">
-                  <a:srgbClr val="3F9D73">
-                    <a:lumMod val="82000"/>
-                  </a:srgbClr>
-                </a:gs>
-                <a:gs pos="100000">
-                  <a:srgbClr val="71C5A3"/>
-                </a:gs>
-              </a:gsLst>
-            </a:gradFill>
-            <a:ln w="9525">
-              <a:solidFill>
-                <a:srgbClr val="357B6A"/>
-              </a:solidFill>
-            </a:ln>
-            <a:effectLst/>
-            <a:scene3d>
-              <a:camera prst="orthographicFront"/>
-              <a:lightRig rig="threePt" dir="t"/>
-            </a:scene3d>
-            <a:sp3d>
-              <a:bevelT prst="angle"/>
-            </a:sp3d>
-          </p:spPr>
-          <p:style>
-            <a:lnRef idx="1">
-              <a:schemeClr val="accent3"/>
-            </a:lnRef>
-            <a:fillRef idx="2">
-              <a:schemeClr val="accent3"/>
-            </a:fillRef>
-            <a:effectRef idx="1">
-              <a:schemeClr val="accent3"/>
-            </a:effectRef>
-            <a:fontRef idx="minor">
-              <a:schemeClr val="dk1"/>
-            </a:fontRef>
-          </p:style>
-          <p:txBody>
-            <a:bodyPr rtlCol="0" anchor="ctr"/>
-            <a:lstStyle/>
-            <a:p>
-              <a:pPr algn="ctr"/>
-              <a:endParaRPr lang="en-US"/>
-            </a:p>
-          </p:txBody>
-        </p:sp>
-        <p:sp>
-          <p:nvSpPr>
-            <p:cNvPr id="90" name="Octagon 89"/>
-            <p:cNvSpPr/>
-            <p:nvPr/>
-          </p:nvSpPr>
-          <p:spPr>
-            <a:xfrm>
-              <a:off x="2700406" y="1549550"/>
-              <a:ext cx="1143000" cy="1143000"/>
-            </a:xfrm>
-            <a:prstGeom prst="octagon">
-              <a:avLst/>
-            </a:prstGeom>
-            <a:gradFill>
-              <a:gsLst>
-                <a:gs pos="0">
-                  <a:srgbClr val="A1D7FF">
-                    <a:lumMod val="88000"/>
-                  </a:srgbClr>
-                </a:gs>
-                <a:gs pos="35000">
-                  <a:srgbClr val="A1D7FF"/>
-                </a:gs>
-                <a:gs pos="100000">
-                  <a:srgbClr val="A1D7FF">
-                    <a:lumMod val="38000"/>
-                    <a:lumOff val="62000"/>
-                  </a:srgbClr>
-                </a:gs>
-              </a:gsLst>
-            </a:gradFill>
-            <a:ln w="9525"/>
-            <a:effectLst/>
-            <a:scene3d>
-              <a:camera prst="orthographicFront"/>
-              <a:lightRig rig="threePt" dir="t"/>
-            </a:scene3d>
-            <a:sp3d>
-              <a:bevelT prst="angle"/>
-            </a:sp3d>
-          </p:spPr>
-          <p:style>
-            <a:lnRef idx="1">
-              <a:schemeClr val="accent5"/>
-            </a:lnRef>
-            <a:fillRef idx="2">
-              <a:schemeClr val="accent5"/>
-            </a:fillRef>
-            <a:effectRef idx="1">
-              <a:schemeClr val="accent5"/>
-            </a:effectRef>
-            <a:fontRef idx="minor">
-              <a:schemeClr val="dk1"/>
-            </a:fontRef>
-          </p:style>
-          <p:txBody>
-            <a:bodyPr rtlCol="0" anchor="ctr"/>
-            <a:lstStyle/>
-            <a:p>
-              <a:pPr algn="ctr"/>
-              <a:endParaRPr lang="en-US"/>
-            </a:p>
-          </p:txBody>
-        </p:sp>
-        <p:sp>
-          <p:nvSpPr>
-            <p:cNvPr id="91" name="Octagon 90"/>
-            <p:cNvSpPr/>
-            <p:nvPr/>
-          </p:nvSpPr>
-          <p:spPr>
-            <a:xfrm>
-              <a:off x="4008506" y="1549550"/>
-              <a:ext cx="1143000" cy="1143000"/>
-            </a:xfrm>
-            <a:prstGeom prst="octagon">
-              <a:avLst/>
-            </a:prstGeom>
-            <a:gradFill>
-              <a:gsLst>
-                <a:gs pos="0">
-                  <a:srgbClr val="F7E38D">
-                    <a:lumMod val="92000"/>
-                  </a:srgbClr>
-                </a:gs>
-                <a:gs pos="36000">
-                  <a:srgbClr val="F8E48F">
-                    <a:lumMod val="96000"/>
-                    <a:lumOff val="4000"/>
-                  </a:srgbClr>
-                </a:gs>
-                <a:gs pos="100000">
-                  <a:srgbClr val="F8E490">
-                    <a:lumMod val="66000"/>
-                    <a:lumOff val="34000"/>
-                  </a:srgbClr>
-                </a:gs>
-              </a:gsLst>
-            </a:gradFill>
-            <a:ln w="9525">
-              <a:solidFill>
-                <a:srgbClr val="F5DA67"/>
-              </a:solidFill>
-            </a:ln>
-            <a:effectLst/>
-            <a:scene3d>
-              <a:camera prst="orthographicFront"/>
-              <a:lightRig rig="threePt" dir="t"/>
-            </a:scene3d>
-            <a:sp3d>
-              <a:bevelT prst="angle"/>
-            </a:sp3d>
-          </p:spPr>
-          <p:style>
-            <a:lnRef idx="1">
-              <a:schemeClr val="accent6"/>
-            </a:lnRef>
-            <a:fillRef idx="2">
-              <a:schemeClr val="accent6"/>
-            </a:fillRef>
-            <a:effectRef idx="1">
-              <a:schemeClr val="accent6"/>
-            </a:effectRef>
-            <a:fontRef idx="minor">
-              <a:schemeClr val="dk1"/>
-            </a:fontRef>
-          </p:style>
-          <p:txBody>
-            <a:bodyPr rtlCol="0" anchor="ctr"/>
-            <a:lstStyle/>
-            <a:p>
-              <a:pPr algn="ctr"/>
-              <a:endParaRPr lang="en-US"/>
-            </a:p>
-          </p:txBody>
-        </p:sp>
-        <p:sp>
-          <p:nvSpPr>
-            <p:cNvPr id="92" name="Octagon 91"/>
-            <p:cNvSpPr/>
-            <p:nvPr/>
-          </p:nvSpPr>
-          <p:spPr>
-            <a:xfrm>
-              <a:off x="5316606" y="1555287"/>
-              <a:ext cx="1143000" cy="1143000"/>
-            </a:xfrm>
-            <a:prstGeom prst="octagon">
-              <a:avLst/>
-            </a:prstGeom>
-            <a:gradFill>
-              <a:gsLst>
-                <a:gs pos="0">
-                  <a:schemeClr val="accent1">
-                    <a:tint val="50000"/>
-                    <a:satMod val="300000"/>
-                    <a:lumMod val="86000"/>
-                  </a:schemeClr>
-                </a:gs>
-                <a:gs pos="35000">
-                  <a:schemeClr val="accent1">
-                    <a:tint val="37000"/>
-                    <a:satMod val="300000"/>
-                    <a:lumMod val="84000"/>
-                  </a:schemeClr>
-                </a:gs>
-                <a:gs pos="100000">
-                  <a:schemeClr val="accent1">
-                    <a:tint val="15000"/>
-                    <a:satMod val="350000"/>
-                    <a:lumMod val="92000"/>
-                  </a:schemeClr>
-                </a:gs>
-              </a:gsLst>
-            </a:gradFill>
-            <a:ln w="9525"/>
-            <a:effectLst/>
-            <a:scene3d>
-              <a:camera prst="orthographicFront"/>
-              <a:lightRig rig="threePt" dir="t"/>
-            </a:scene3d>
-            <a:sp3d>
-              <a:bevelT prst="angle"/>
-            </a:sp3d>
-          </p:spPr>
-          <p:style>
-            <a:lnRef idx="1">
-              <a:schemeClr val="accent1"/>
-            </a:lnRef>
-            <a:fillRef idx="2">
-              <a:schemeClr val="accent1"/>
-            </a:fillRef>
-            <a:effectRef idx="1">
-              <a:schemeClr val="accent1"/>
-            </a:effectRef>
-            <a:fontRef idx="minor">
-              <a:schemeClr val="dk1"/>
-            </a:fontRef>
-          </p:style>
-          <p:txBody>
-            <a:bodyPr rtlCol="0" anchor="ctr"/>
-            <a:lstStyle/>
-            <a:p>
-              <a:pPr algn="ctr"/>
-              <a:endParaRPr lang="en-US"/>
-            </a:p>
-          </p:txBody>
-        </p:sp>
-        <p:sp>
-          <p:nvSpPr>
-            <p:cNvPr id="93" name="Octagon 92"/>
-            <p:cNvSpPr/>
-            <p:nvPr/>
-          </p:nvSpPr>
-          <p:spPr>
-            <a:xfrm>
-              <a:off x="6624706" y="1549550"/>
-              <a:ext cx="1143000" cy="1143000"/>
-            </a:xfrm>
-            <a:prstGeom prst="octagon">
-              <a:avLst/>
-            </a:prstGeom>
-            <a:gradFill>
-              <a:gsLst>
-                <a:gs pos="0">
-                  <a:schemeClr val="accent6">
-                    <a:tint val="50000"/>
-                    <a:satMod val="300000"/>
-                    <a:lumMod val="85000"/>
-                  </a:schemeClr>
-                </a:gs>
-                <a:gs pos="35000">
-                  <a:schemeClr val="accent6">
-                    <a:tint val="37000"/>
-                    <a:satMod val="300000"/>
-                    <a:lumMod val="92000"/>
-                  </a:schemeClr>
-                </a:gs>
-                <a:gs pos="100000">
-                  <a:schemeClr val="accent6">
-                    <a:tint val="15000"/>
-                    <a:satMod val="350000"/>
-                    <a:lumMod val="92000"/>
-                  </a:schemeClr>
-                </a:gs>
-              </a:gsLst>
-            </a:gradFill>
-            <a:ln w="9525"/>
-            <a:effectLst/>
-            <a:scene3d>
-              <a:camera prst="orthographicFront"/>
-              <a:lightRig rig="threePt" dir="t"/>
-            </a:scene3d>
-            <a:sp3d>
-              <a:bevelT prst="angle"/>
-            </a:sp3d>
-          </p:spPr>
-          <p:style>
-            <a:lnRef idx="1">
-              <a:schemeClr val="accent6"/>
-            </a:lnRef>
-            <a:fillRef idx="2">
-              <a:schemeClr val="accent6"/>
-            </a:fillRef>
-            <a:effectRef idx="1">
-              <a:schemeClr val="accent6"/>
-            </a:effectRef>
-            <a:fontRef idx="minor">
-              <a:schemeClr val="dk1"/>
-            </a:fontRef>
-          </p:style>
-          <p:txBody>
-            <a:bodyPr rtlCol="0" anchor="ctr"/>
-            <a:lstStyle/>
-            <a:p>
-              <a:pPr algn="ctr"/>
-              <a:endParaRPr lang="en-US"/>
-            </a:p>
-          </p:txBody>
-        </p:sp>
-        <p:sp>
-          <p:nvSpPr>
-            <p:cNvPr id="94" name="Octagon 93"/>
-            <p:cNvSpPr/>
-            <p:nvPr/>
-          </p:nvSpPr>
-          <p:spPr>
-            <a:xfrm>
-              <a:off x="7932806" y="1549550"/>
-              <a:ext cx="1143000" cy="1143000"/>
-            </a:xfrm>
-            <a:prstGeom prst="octagon">
-              <a:avLst/>
-            </a:prstGeom>
-            <a:gradFill>
-              <a:gsLst>
-                <a:gs pos="0">
-                  <a:srgbClr val="FFFF00">
-                    <a:lumMod val="70000"/>
-                    <a:lumOff val="30000"/>
-                  </a:srgbClr>
-                </a:gs>
-                <a:gs pos="44000">
-                  <a:srgbClr val="FFFF00">
-                    <a:lumMod val="40000"/>
-                    <a:lumOff val="60000"/>
-                  </a:srgbClr>
-                </a:gs>
-                <a:gs pos="100000">
-                  <a:srgbClr val="FFFF00">
-                    <a:lumMod val="20000"/>
-                    <a:lumOff val="80000"/>
-                  </a:srgbClr>
-                </a:gs>
-              </a:gsLst>
-            </a:gradFill>
-            <a:ln w="9525">
-              <a:solidFill>
-                <a:srgbClr val="FFFF00"/>
-              </a:solidFill>
-            </a:ln>
-            <a:effectLst/>
-            <a:scene3d>
-              <a:camera prst="orthographicFront"/>
-              <a:lightRig rig="threePt" dir="t"/>
-            </a:scene3d>
-            <a:sp3d>
-              <a:bevelT prst="angle"/>
-            </a:sp3d>
-          </p:spPr>
-          <p:style>
-            <a:lnRef idx="1">
-              <a:schemeClr val="accent3"/>
-            </a:lnRef>
-            <a:fillRef idx="2">
-              <a:schemeClr val="accent3"/>
-            </a:fillRef>
-            <a:effectRef idx="1">
-              <a:schemeClr val="accent3"/>
-            </a:effectRef>
-            <a:fontRef idx="minor">
-              <a:schemeClr val="dk1"/>
-            </a:fontRef>
-          </p:style>
-          <p:txBody>
-            <a:bodyPr rtlCol="0" anchor="ctr"/>
-            <a:lstStyle/>
-            <a:p>
-              <a:pPr algn="ctr"/>
-              <a:endParaRPr lang="en-US"/>
-            </a:p>
-          </p:txBody>
-        </p:sp>
-        <p:sp>
-          <p:nvSpPr>
-            <p:cNvPr id="81" name="Sun 80"/>
-            <p:cNvSpPr/>
-            <p:nvPr/>
-          </p:nvSpPr>
-          <p:spPr>
-            <a:xfrm>
-              <a:off x="87675" y="2867156"/>
-              <a:ext cx="1143000" cy="1143000"/>
-            </a:xfrm>
-            <a:prstGeom prst="sun">
-              <a:avLst>
-                <a:gd name="adj" fmla="val 12500"/>
-              </a:avLst>
-            </a:prstGeom>
-            <a:gradFill flip="none" rotWithShape="1">
-              <a:gsLst>
-                <a:gs pos="75000">
-                  <a:srgbClr val="98D358">
-                    <a:lumMod val="55000"/>
-                    <a:lumOff val="45000"/>
-                  </a:srgbClr>
-                </a:gs>
-                <a:gs pos="100000">
-                  <a:srgbClr val="92D050">
-                    <a:lumMod val="70000"/>
-                  </a:srgbClr>
-                </a:gs>
-                <a:gs pos="0">
-                  <a:schemeClr val="accent3">
-                    <a:tint val="37000"/>
-                    <a:satMod val="300000"/>
-                    <a:lumMod val="34000"/>
-                    <a:lumOff val="66000"/>
-                  </a:schemeClr>
-                </a:gs>
-              </a:gsLst>
-              <a:path path="circle">
-                <a:fillToRect l="50000" t="50000" r="50000" b="50000"/>
-              </a:path>
-              <a:tileRect/>
-            </a:gradFill>
-            <a:ln w="9525"/>
-            <a:effectLst/>
-            <a:scene3d>
-              <a:camera prst="orthographicFront"/>
-              <a:lightRig rig="threePt" dir="t"/>
-            </a:scene3d>
-            <a:sp3d>
-              <a:bevelT w="38100" h="38100" prst="angle"/>
-            </a:sp3d>
-          </p:spPr>
-          <p:style>
-            <a:lnRef idx="1">
-              <a:schemeClr val="accent3"/>
-            </a:lnRef>
-            <a:fillRef idx="2">
-              <a:schemeClr val="accent3"/>
-            </a:fillRef>
-            <a:effectRef idx="1">
-              <a:schemeClr val="accent3"/>
-            </a:effectRef>
-            <a:fontRef idx="minor">
-              <a:schemeClr val="dk1"/>
-            </a:fontRef>
-          </p:style>
-          <p:txBody>
-            <a:bodyPr rtlCol="0" anchor="ctr"/>
-            <a:lstStyle/>
-            <a:p>
-              <a:pPr algn="ctr"/>
-              <a:endParaRPr lang="en-US"/>
-            </a:p>
-          </p:txBody>
-        </p:sp>
-        <p:sp>
-          <p:nvSpPr>
-            <p:cNvPr id="82" name="Sun 81"/>
-            <p:cNvSpPr/>
-            <p:nvPr/>
-          </p:nvSpPr>
-          <p:spPr>
-            <a:xfrm>
-              <a:off x="1384300" y="2867156"/>
-              <a:ext cx="1143000" cy="1143000"/>
-            </a:xfrm>
-            <a:prstGeom prst="sun">
-              <a:avLst>
-                <a:gd name="adj" fmla="val 12500"/>
-              </a:avLst>
-            </a:prstGeom>
-            <a:gradFill flip="none" rotWithShape="1">
-              <a:gsLst>
-                <a:gs pos="0">
-                  <a:srgbClr val="41A575">
-                    <a:lumMod val="40000"/>
-                    <a:lumOff val="60000"/>
-                  </a:srgbClr>
-                </a:gs>
-                <a:gs pos="100000">
-                  <a:srgbClr val="3F9D73">
-                    <a:lumMod val="56000"/>
-                  </a:srgbClr>
-                </a:gs>
-                <a:gs pos="66000">
-                  <a:srgbClr val="71C5A3">
-                    <a:lumMod val="72000"/>
-                  </a:srgbClr>
-                </a:gs>
-              </a:gsLst>
-              <a:path path="circle">
-                <a:fillToRect l="50000" t="50000" r="50000" b="50000"/>
-              </a:path>
-              <a:tileRect/>
-            </a:gradFill>
-            <a:ln w="9525">
-              <a:solidFill>
-                <a:srgbClr val="357B6A"/>
-              </a:solidFill>
-            </a:ln>
-            <a:effectLst/>
-            <a:scene3d>
-              <a:camera prst="orthographicFront"/>
-              <a:lightRig rig="threePt" dir="t"/>
-            </a:scene3d>
-            <a:sp3d>
-              <a:bevelT w="38100" h="38100" prst="angle"/>
-            </a:sp3d>
-          </p:spPr>
-          <p:style>
-            <a:lnRef idx="1">
-              <a:schemeClr val="accent3"/>
-            </a:lnRef>
-            <a:fillRef idx="2">
-              <a:schemeClr val="accent3"/>
-            </a:fillRef>
-            <a:effectRef idx="1">
-              <a:schemeClr val="accent3"/>
-            </a:effectRef>
-            <a:fontRef idx="minor">
-              <a:schemeClr val="dk1"/>
-            </a:fontRef>
-          </p:style>
-          <p:txBody>
-            <a:bodyPr rtlCol="0" anchor="ctr"/>
-            <a:lstStyle/>
-            <a:p>
-              <a:pPr algn="ctr"/>
-              <a:endParaRPr lang="en-US"/>
-            </a:p>
-          </p:txBody>
-        </p:sp>
-        <p:sp>
-          <p:nvSpPr>
-            <p:cNvPr id="83" name="Sun 82"/>
-            <p:cNvSpPr/>
-            <p:nvPr/>
-          </p:nvSpPr>
-          <p:spPr>
-            <a:xfrm>
-              <a:off x="2692400" y="2864307"/>
-              <a:ext cx="1143000" cy="1143000"/>
-            </a:xfrm>
-            <a:prstGeom prst="sun">
-              <a:avLst>
-                <a:gd name="adj" fmla="val 12500"/>
-              </a:avLst>
-            </a:prstGeom>
-            <a:gradFill flip="none" rotWithShape="1">
-              <a:gsLst>
-                <a:gs pos="100000">
-                  <a:srgbClr val="A1D7FF">
-                    <a:lumMod val="58000"/>
-                  </a:srgbClr>
-                </a:gs>
-                <a:gs pos="73000">
-                  <a:srgbClr val="A1D7FF">
-                    <a:lumMod val="90000"/>
-                  </a:srgbClr>
-                </a:gs>
-                <a:gs pos="0">
-                  <a:srgbClr val="A1D7FF">
-                    <a:lumMod val="38000"/>
-                    <a:lumOff val="62000"/>
-                  </a:srgbClr>
-                </a:gs>
-              </a:gsLst>
-              <a:path path="circle">
-                <a:fillToRect l="50000" t="50000" r="50000" b="50000"/>
-              </a:path>
-              <a:tileRect/>
-            </a:gradFill>
-            <a:ln w="9525"/>
-            <a:effectLst/>
-            <a:scene3d>
-              <a:camera prst="orthographicFront"/>
-              <a:lightRig rig="threePt" dir="t"/>
-            </a:scene3d>
-            <a:sp3d>
-              <a:bevelT w="38100" h="38100" prst="angle"/>
-            </a:sp3d>
-          </p:spPr>
-          <p:style>
-            <a:lnRef idx="1">
-              <a:schemeClr val="accent5"/>
-            </a:lnRef>
-            <a:fillRef idx="2">
-              <a:schemeClr val="accent5"/>
-            </a:fillRef>
-            <a:effectRef idx="1">
-              <a:schemeClr val="accent5"/>
-            </a:effectRef>
-            <a:fontRef idx="minor">
-              <a:schemeClr val="dk1"/>
-            </a:fontRef>
-          </p:style>
-          <p:txBody>
-            <a:bodyPr rtlCol="0" anchor="ctr"/>
-            <a:lstStyle/>
-            <a:p>
-              <a:pPr algn="ctr"/>
-              <a:endParaRPr lang="en-US"/>
-            </a:p>
-          </p:txBody>
-        </p:sp>
-        <p:sp>
-          <p:nvSpPr>
-            <p:cNvPr id="84" name="Sun 83"/>
-            <p:cNvSpPr/>
-            <p:nvPr/>
-          </p:nvSpPr>
-          <p:spPr>
-            <a:xfrm>
-              <a:off x="4000500" y="2864307"/>
-              <a:ext cx="1143000" cy="1143000"/>
-            </a:xfrm>
-            <a:prstGeom prst="sun">
-              <a:avLst>
-                <a:gd name="adj" fmla="val 12500"/>
-              </a:avLst>
-            </a:prstGeom>
-            <a:gradFill flip="none" rotWithShape="1">
-              <a:gsLst>
-                <a:gs pos="100000">
-                  <a:srgbClr val="F7E38D">
-                    <a:lumMod val="68000"/>
-                  </a:srgbClr>
-                </a:gs>
-                <a:gs pos="69000">
-                  <a:srgbClr val="F8E48F">
-                    <a:lumMod val="84000"/>
-                  </a:srgbClr>
-                </a:gs>
-                <a:gs pos="0">
-                  <a:srgbClr val="F8E490">
-                    <a:lumMod val="26000"/>
-                    <a:lumOff val="74000"/>
-                  </a:srgbClr>
-                </a:gs>
-              </a:gsLst>
-              <a:path path="circle">
-                <a:fillToRect l="50000" t="50000" r="50000" b="50000"/>
-              </a:path>
-              <a:tileRect/>
-            </a:gradFill>
-            <a:ln w="9525">
-              <a:solidFill>
-                <a:srgbClr val="F5DA67"/>
-              </a:solidFill>
-            </a:ln>
-            <a:effectLst/>
-            <a:scene3d>
-              <a:camera prst="orthographicFront"/>
-              <a:lightRig rig="threePt" dir="t"/>
-            </a:scene3d>
-            <a:sp3d>
-              <a:bevelT w="38100" h="38100" prst="angle"/>
-            </a:sp3d>
-          </p:spPr>
-          <p:style>
-            <a:lnRef idx="1">
-              <a:schemeClr val="accent6"/>
-            </a:lnRef>
-            <a:fillRef idx="2">
-              <a:schemeClr val="accent6"/>
-            </a:fillRef>
-            <a:effectRef idx="1">
-              <a:schemeClr val="accent6"/>
-            </a:effectRef>
-            <a:fontRef idx="minor">
-              <a:schemeClr val="dk1"/>
-            </a:fontRef>
-          </p:style>
-          <p:txBody>
-            <a:bodyPr rtlCol="0" anchor="ctr"/>
-            <a:lstStyle/>
-            <a:p>
-              <a:pPr algn="ctr"/>
-              <a:endParaRPr lang="en-US"/>
-            </a:p>
-          </p:txBody>
-        </p:sp>
-        <p:sp>
-          <p:nvSpPr>
-            <p:cNvPr id="85" name="Sun 84"/>
-            <p:cNvSpPr/>
-            <p:nvPr/>
-          </p:nvSpPr>
-          <p:spPr>
-            <a:xfrm>
-              <a:off x="5308600" y="2867156"/>
-              <a:ext cx="1143000" cy="1143000"/>
-            </a:xfrm>
-            <a:prstGeom prst="sun">
-              <a:avLst>
-                <a:gd name="adj" fmla="val 12500"/>
-              </a:avLst>
-            </a:prstGeom>
-            <a:gradFill flip="none" rotWithShape="1">
-              <a:gsLst>
-                <a:gs pos="100000">
-                  <a:schemeClr val="accent1">
-                    <a:tint val="50000"/>
-                    <a:satMod val="300000"/>
-                    <a:lumMod val="64000"/>
-                  </a:schemeClr>
-                </a:gs>
-                <a:gs pos="75000">
-                  <a:schemeClr val="accent1">
-                    <a:tint val="37000"/>
-                    <a:satMod val="300000"/>
-                    <a:lumMod val="74000"/>
-                  </a:schemeClr>
-                </a:gs>
-                <a:gs pos="0">
-                  <a:schemeClr val="accent1">
-                    <a:tint val="15000"/>
-                    <a:satMod val="350000"/>
-                    <a:lumMod val="40000"/>
-                    <a:lumOff val="60000"/>
-                  </a:schemeClr>
-                </a:gs>
-              </a:gsLst>
-              <a:path path="circle">
-                <a:fillToRect l="50000" t="50000" r="50000" b="50000"/>
-              </a:path>
-              <a:tileRect/>
-            </a:gradFill>
-            <a:ln w="9525"/>
-            <a:effectLst/>
-            <a:scene3d>
-              <a:camera prst="orthographicFront"/>
-              <a:lightRig rig="threePt" dir="t"/>
-            </a:scene3d>
-            <a:sp3d>
-              <a:bevelT w="38100" h="38100" prst="angle"/>
-            </a:sp3d>
-          </p:spPr>
-          <p:style>
-            <a:lnRef idx="1">
-              <a:schemeClr val="accent1"/>
-            </a:lnRef>
-            <a:fillRef idx="2">
-              <a:schemeClr val="accent1"/>
-            </a:fillRef>
-            <a:effectRef idx="1">
-              <a:schemeClr val="accent1"/>
-            </a:effectRef>
-            <a:fontRef idx="minor">
-              <a:schemeClr val="dk1"/>
-            </a:fontRef>
-          </p:style>
-          <p:txBody>
-            <a:bodyPr rtlCol="0" anchor="ctr"/>
-            <a:lstStyle/>
-            <a:p>
-              <a:pPr algn="ctr"/>
-              <a:endParaRPr lang="en-US"/>
-            </a:p>
-          </p:txBody>
-        </p:sp>
-        <p:sp>
-          <p:nvSpPr>
-            <p:cNvPr id="86" name="Sun 85"/>
-            <p:cNvSpPr/>
-            <p:nvPr/>
-          </p:nvSpPr>
-          <p:spPr>
-            <a:xfrm>
-              <a:off x="6616700" y="2864307"/>
-              <a:ext cx="1143000" cy="1143000"/>
-            </a:xfrm>
-            <a:prstGeom prst="sun">
-              <a:avLst>
-                <a:gd name="adj" fmla="val 12500"/>
-              </a:avLst>
-            </a:prstGeom>
-            <a:gradFill flip="none" rotWithShape="1">
-              <a:gsLst>
-                <a:gs pos="100000">
-                  <a:schemeClr val="accent6">
-                    <a:tint val="50000"/>
-                    <a:satMod val="300000"/>
-                    <a:lumMod val="43000"/>
-                  </a:schemeClr>
-                </a:gs>
-                <a:gs pos="75000">
-                  <a:schemeClr val="accent6">
-                    <a:tint val="37000"/>
-                    <a:satMod val="300000"/>
-                    <a:lumMod val="72000"/>
-                  </a:schemeClr>
-                </a:gs>
-                <a:gs pos="0">
-                  <a:schemeClr val="accent6">
-                    <a:tint val="15000"/>
-                    <a:satMod val="350000"/>
-                    <a:lumMod val="86000"/>
-                    <a:lumOff val="14000"/>
-                  </a:schemeClr>
-                </a:gs>
-              </a:gsLst>
-              <a:path path="circle">
-                <a:fillToRect l="50000" t="50000" r="50000" b="50000"/>
-              </a:path>
-              <a:tileRect/>
-            </a:gradFill>
-            <a:ln w="9525"/>
-            <a:effectLst/>
-            <a:scene3d>
-              <a:camera prst="orthographicFront"/>
-              <a:lightRig rig="threePt" dir="t"/>
-            </a:scene3d>
-            <a:sp3d>
-              <a:bevelT w="38100" h="38100" prst="angle"/>
-            </a:sp3d>
-          </p:spPr>
-          <p:style>
-            <a:lnRef idx="1">
-              <a:schemeClr val="accent6"/>
-            </a:lnRef>
-            <a:fillRef idx="2">
-              <a:schemeClr val="accent6"/>
-            </a:fillRef>
-            <a:effectRef idx="1">
-              <a:schemeClr val="accent6"/>
-            </a:effectRef>
-            <a:fontRef idx="minor">
-              <a:schemeClr val="dk1"/>
-            </a:fontRef>
-          </p:style>
-          <p:txBody>
-            <a:bodyPr rtlCol="0" anchor="ctr"/>
-            <a:lstStyle/>
-            <a:p>
-              <a:pPr algn="ctr"/>
-              <a:endParaRPr lang="en-US"/>
-            </a:p>
-          </p:txBody>
-        </p:sp>
-        <p:sp>
-          <p:nvSpPr>
-            <p:cNvPr id="87" name="Sun 86"/>
-            <p:cNvSpPr/>
-            <p:nvPr/>
-          </p:nvSpPr>
-          <p:spPr>
-            <a:xfrm>
-              <a:off x="7924800" y="2864307"/>
-              <a:ext cx="1143000" cy="1143000"/>
-            </a:xfrm>
-            <a:prstGeom prst="sun">
-              <a:avLst>
-                <a:gd name="adj" fmla="val 12500"/>
-              </a:avLst>
-            </a:prstGeom>
-            <a:gradFill flip="none" rotWithShape="1">
-              <a:gsLst>
-                <a:gs pos="100000">
-                  <a:srgbClr val="FFFF00">
-                    <a:lumMod val="96000"/>
-                  </a:srgbClr>
-                </a:gs>
-                <a:gs pos="75000">
-                  <a:srgbClr val="FFFF00">
-                    <a:lumMod val="84000"/>
-                    <a:lumOff val="16000"/>
-                  </a:srgbClr>
-                </a:gs>
-                <a:gs pos="0">
-                  <a:srgbClr val="FFFF00">
-                    <a:lumMod val="14000"/>
-                    <a:lumOff val="86000"/>
-                  </a:srgbClr>
-                </a:gs>
-              </a:gsLst>
-              <a:path path="circle">
-                <a:fillToRect l="50000" t="50000" r="50000" b="50000"/>
-              </a:path>
-              <a:tileRect/>
-            </a:gradFill>
-            <a:ln w="9525">
-              <a:solidFill>
-                <a:srgbClr val="FFFF00"/>
-              </a:solidFill>
-            </a:ln>
-            <a:effectLst/>
-            <a:scene3d>
-              <a:camera prst="orthographicFront"/>
-              <a:lightRig rig="threePt" dir="t"/>
-            </a:scene3d>
-            <a:sp3d>
-              <a:bevelT w="38100" h="38100" prst="angle"/>
-            </a:sp3d>
-          </p:spPr>
-          <p:style>
-            <a:lnRef idx="1">
-              <a:schemeClr val="accent3"/>
-            </a:lnRef>
-            <a:fillRef idx="2">
-              <a:schemeClr val="accent3"/>
-            </a:fillRef>
-            <a:effectRef idx="1">
-              <a:schemeClr val="accent3"/>
-            </a:effectRef>
-            <a:fontRef idx="minor">
-              <a:schemeClr val="dk1"/>
-            </a:fontRef>
-          </p:style>
-          <p:txBody>
-            <a:bodyPr rtlCol="0" anchor="ctr"/>
-            <a:lstStyle/>
-            <a:p>
-              <a:pPr algn="ctr"/>
-              <a:endParaRPr lang="en-US"/>
-            </a:p>
-          </p:txBody>
-        </p:sp>
-        <p:sp>
-          <p:nvSpPr>
-            <p:cNvPr id="4" name="Rounded Rectangle 3"/>
-            <p:cNvSpPr/>
-            <p:nvPr/>
-          </p:nvSpPr>
-          <p:spPr>
-            <a:xfrm>
-              <a:off x="76200" y="228600"/>
-              <a:ext cx="1143000" cy="1143000"/>
-            </a:xfrm>
-            <a:prstGeom prst="roundRect">
-              <a:avLst>
-                <a:gd name="adj" fmla="val 37467"/>
-              </a:avLst>
-            </a:prstGeom>
-            <a:ln w="9525"/>
-            <a:effectLst/>
-            <a:scene3d>
-              <a:camera prst="orthographicFront"/>
-              <a:lightRig rig="threePt" dir="t"/>
-            </a:scene3d>
-            <a:sp3d>
-              <a:bevelT prst="angle"/>
-            </a:sp3d>
-          </p:spPr>
-          <p:style>
-            <a:lnRef idx="1">
-              <a:schemeClr val="accent3"/>
-            </a:lnRef>
-            <a:fillRef idx="2">
-              <a:schemeClr val="accent3"/>
-            </a:fillRef>
-            <a:effectRef idx="1">
-              <a:schemeClr val="accent3"/>
-            </a:effectRef>
-            <a:fontRef idx="minor">
-              <a:schemeClr val="dk1"/>
-            </a:fontRef>
-          </p:style>
-          <p:txBody>
-            <a:bodyPr rtlCol="0" anchor="ctr"/>
-            <a:lstStyle/>
-            <a:p>
-              <a:pPr algn="ctr"/>
-              <a:endParaRPr lang="en-US"/>
-            </a:p>
-          </p:txBody>
-        </p:sp>
-        <p:sp>
-          <p:nvSpPr>
-            <p:cNvPr id="5" name="Rounded Rectangle 4"/>
-            <p:cNvSpPr/>
-            <p:nvPr/>
-          </p:nvSpPr>
-          <p:spPr>
-            <a:xfrm>
-              <a:off x="1384300" y="228600"/>
-              <a:ext cx="1143000" cy="1148737"/>
-            </a:xfrm>
-            <a:prstGeom prst="roundRect">
-              <a:avLst>
-                <a:gd name="adj" fmla="val 36933"/>
-              </a:avLst>
-            </a:prstGeom>
-            <a:gradFill>
-              <a:gsLst>
-                <a:gs pos="37000">
-                  <a:srgbClr val="41A575"/>
-                </a:gs>
-                <a:gs pos="0">
-                  <a:srgbClr val="3F9D73">
-                    <a:lumMod val="82000"/>
-                  </a:srgbClr>
-                </a:gs>
-                <a:gs pos="100000">
-                  <a:srgbClr val="71C5A3"/>
-                </a:gs>
-              </a:gsLst>
-            </a:gradFill>
-            <a:ln w="9525">
-              <a:solidFill>
-                <a:srgbClr val="357B6A"/>
-              </a:solidFill>
-            </a:ln>
-            <a:effectLst/>
-            <a:scene3d>
-              <a:camera prst="orthographicFront"/>
-              <a:lightRig rig="threePt" dir="t"/>
-            </a:scene3d>
-            <a:sp3d>
-              <a:bevelT prst="angle"/>
-            </a:sp3d>
-          </p:spPr>
-          <p:style>
-            <a:lnRef idx="1">
-              <a:schemeClr val="accent3"/>
-            </a:lnRef>
-            <a:fillRef idx="2">
-              <a:schemeClr val="accent3"/>
-            </a:fillRef>
-            <a:effectRef idx="1">
-              <a:schemeClr val="accent3"/>
-            </a:effectRef>
-            <a:fontRef idx="minor">
-              <a:schemeClr val="dk1"/>
-            </a:fontRef>
-          </p:style>
-          <p:txBody>
-            <a:bodyPr rtlCol="0" anchor="ctr"/>
-            <a:lstStyle/>
-            <a:p>
-              <a:pPr algn="ctr"/>
-              <a:endParaRPr lang="en-US"/>
-            </a:p>
-          </p:txBody>
-        </p:sp>
-        <p:sp>
-          <p:nvSpPr>
-            <p:cNvPr id="6" name="Rounded Rectangle 5"/>
-            <p:cNvSpPr/>
-            <p:nvPr/>
-          </p:nvSpPr>
-          <p:spPr>
-            <a:xfrm>
-              <a:off x="2692400" y="228600"/>
-              <a:ext cx="1143000" cy="1143000"/>
-            </a:xfrm>
-            <a:prstGeom prst="roundRect">
-              <a:avLst>
-                <a:gd name="adj" fmla="val 38534"/>
-              </a:avLst>
-            </a:prstGeom>
-            <a:gradFill>
-              <a:gsLst>
-                <a:gs pos="0">
-                  <a:srgbClr val="A1D7FF">
-                    <a:lumMod val="88000"/>
-                  </a:srgbClr>
-                </a:gs>
-                <a:gs pos="35000">
-                  <a:srgbClr val="A1D7FF"/>
-                </a:gs>
-                <a:gs pos="100000">
-                  <a:srgbClr val="A1D7FF">
-                    <a:lumMod val="38000"/>
-                    <a:lumOff val="62000"/>
-                  </a:srgbClr>
-                </a:gs>
-              </a:gsLst>
-            </a:gradFill>
-            <a:ln w="9525"/>
-            <a:effectLst/>
-            <a:scene3d>
-              <a:camera prst="orthographicFront"/>
-              <a:lightRig rig="threePt" dir="t"/>
-            </a:scene3d>
-            <a:sp3d>
-              <a:bevelT prst="angle"/>
-            </a:sp3d>
-          </p:spPr>
-          <p:style>
-            <a:lnRef idx="1">
-              <a:schemeClr val="accent5"/>
-            </a:lnRef>
-            <a:fillRef idx="2">
-              <a:schemeClr val="accent5"/>
-            </a:fillRef>
-            <a:effectRef idx="1">
-              <a:schemeClr val="accent5"/>
-            </a:effectRef>
-            <a:fontRef idx="minor">
-              <a:schemeClr val="dk1"/>
-            </a:fontRef>
-          </p:style>
-          <p:txBody>
-            <a:bodyPr rtlCol="0" anchor="ctr"/>
-            <a:lstStyle/>
-            <a:p>
-              <a:pPr algn="ctr"/>
-              <a:endParaRPr lang="en-US"/>
-            </a:p>
-          </p:txBody>
-        </p:sp>
-        <p:sp>
-          <p:nvSpPr>
-            <p:cNvPr id="7" name="Rounded Rectangle 6"/>
-            <p:cNvSpPr/>
-            <p:nvPr/>
-          </p:nvSpPr>
-          <p:spPr>
-            <a:xfrm>
-              <a:off x="4000500" y="228600"/>
-              <a:ext cx="1143000" cy="1143000"/>
-            </a:xfrm>
-            <a:prstGeom prst="roundRect">
-              <a:avLst>
-                <a:gd name="adj" fmla="val 39599"/>
-              </a:avLst>
-            </a:prstGeom>
-            <a:gradFill>
-              <a:gsLst>
-                <a:gs pos="0">
-                  <a:srgbClr val="F7E38D">
-                    <a:lumMod val="92000"/>
-                  </a:srgbClr>
-                </a:gs>
-                <a:gs pos="36000">
-                  <a:srgbClr val="F8E48F">
-                    <a:lumMod val="96000"/>
-                    <a:lumOff val="4000"/>
-                  </a:srgbClr>
-                </a:gs>
-                <a:gs pos="100000">
-                  <a:srgbClr val="F8E490">
-                    <a:lumMod val="66000"/>
-                    <a:lumOff val="34000"/>
-                  </a:srgbClr>
-                </a:gs>
-              </a:gsLst>
-            </a:gradFill>
-            <a:ln w="9525">
-              <a:solidFill>
-                <a:srgbClr val="F5DA67"/>
-              </a:solidFill>
-            </a:ln>
-            <a:effectLst/>
-            <a:scene3d>
-              <a:camera prst="orthographicFront"/>
-              <a:lightRig rig="threePt" dir="t"/>
-            </a:scene3d>
-            <a:sp3d>
-              <a:bevelT prst="angle"/>
-            </a:sp3d>
-          </p:spPr>
-          <p:style>
-            <a:lnRef idx="1">
-              <a:schemeClr val="accent6"/>
-            </a:lnRef>
-            <a:fillRef idx="2">
-              <a:schemeClr val="accent6"/>
-            </a:fillRef>
-            <a:effectRef idx="1">
-              <a:schemeClr val="accent6"/>
-            </a:effectRef>
-            <a:fontRef idx="minor">
-              <a:schemeClr val="dk1"/>
-            </a:fontRef>
-          </p:style>
-          <p:txBody>
-            <a:bodyPr rtlCol="0" anchor="ctr"/>
-            <a:lstStyle/>
-            <a:p>
-              <a:pPr algn="ctr"/>
-              <a:endParaRPr lang="en-US"/>
-            </a:p>
-          </p:txBody>
-        </p:sp>
-        <p:sp>
-          <p:nvSpPr>
-            <p:cNvPr id="8" name="Rounded Rectangle 7"/>
-            <p:cNvSpPr/>
-            <p:nvPr/>
-          </p:nvSpPr>
-          <p:spPr>
-            <a:xfrm>
-              <a:off x="5308600" y="234337"/>
-              <a:ext cx="1143000" cy="1143000"/>
-            </a:xfrm>
-            <a:prstGeom prst="roundRect">
-              <a:avLst>
-                <a:gd name="adj" fmla="val 38534"/>
-              </a:avLst>
-            </a:prstGeom>
-            <a:gradFill>
-              <a:gsLst>
-                <a:gs pos="0">
-                  <a:schemeClr val="accent1">
-                    <a:tint val="50000"/>
-                    <a:satMod val="300000"/>
-                    <a:lumMod val="86000"/>
-                  </a:schemeClr>
-                </a:gs>
-                <a:gs pos="35000">
-                  <a:schemeClr val="accent1">
-                    <a:tint val="37000"/>
-                    <a:satMod val="300000"/>
-                    <a:lumMod val="84000"/>
-                  </a:schemeClr>
-                </a:gs>
-                <a:gs pos="100000">
-                  <a:schemeClr val="accent1">
-                    <a:tint val="15000"/>
-                    <a:satMod val="350000"/>
-                    <a:lumMod val="92000"/>
-                  </a:schemeClr>
-                </a:gs>
-              </a:gsLst>
-            </a:gradFill>
-            <a:ln w="9525"/>
-            <a:effectLst/>
-            <a:scene3d>
-              <a:camera prst="orthographicFront"/>
-              <a:lightRig rig="threePt" dir="t"/>
-            </a:scene3d>
-            <a:sp3d>
-              <a:bevelT prst="angle"/>
-            </a:sp3d>
-          </p:spPr>
-          <p:style>
-            <a:lnRef idx="1">
-              <a:schemeClr val="accent1"/>
-            </a:lnRef>
-            <a:fillRef idx="2">
-              <a:schemeClr val="accent1"/>
-            </a:fillRef>
-            <a:effectRef idx="1">
-              <a:schemeClr val="accent1"/>
-            </a:effectRef>
-            <a:fontRef idx="minor">
-              <a:schemeClr val="dk1"/>
-            </a:fontRef>
-          </p:style>
-          <p:txBody>
-            <a:bodyPr rtlCol="0" anchor="ctr"/>
-            <a:lstStyle/>
-            <a:p>
-              <a:pPr algn="ctr"/>
-              <a:endParaRPr lang="en-US"/>
-            </a:p>
-          </p:txBody>
-        </p:sp>
-        <p:sp>
-          <p:nvSpPr>
-            <p:cNvPr id="9" name="Rounded Rectangle 8"/>
-            <p:cNvSpPr/>
-            <p:nvPr/>
-          </p:nvSpPr>
-          <p:spPr>
-            <a:xfrm>
-              <a:off x="6616700" y="228600"/>
-              <a:ext cx="1143000" cy="1143000"/>
-            </a:xfrm>
-            <a:prstGeom prst="roundRect">
-              <a:avLst>
-                <a:gd name="adj" fmla="val 39600"/>
-              </a:avLst>
-            </a:prstGeom>
-            <a:gradFill>
-              <a:gsLst>
-                <a:gs pos="0">
-                  <a:schemeClr val="accent6">
-                    <a:tint val="50000"/>
-                    <a:satMod val="300000"/>
-                    <a:lumMod val="85000"/>
-                  </a:schemeClr>
-                </a:gs>
-                <a:gs pos="35000">
-                  <a:schemeClr val="accent6">
-                    <a:tint val="37000"/>
-                    <a:satMod val="300000"/>
-                    <a:lumMod val="92000"/>
-                  </a:schemeClr>
-                </a:gs>
-                <a:gs pos="100000">
-                  <a:schemeClr val="accent6">
-                    <a:tint val="15000"/>
-                    <a:satMod val="350000"/>
-                    <a:lumMod val="92000"/>
-                  </a:schemeClr>
-                </a:gs>
-              </a:gsLst>
-            </a:gradFill>
-            <a:ln w="9525"/>
-            <a:effectLst/>
-            <a:scene3d>
-              <a:camera prst="orthographicFront"/>
-              <a:lightRig rig="threePt" dir="t"/>
-            </a:scene3d>
-            <a:sp3d>
-              <a:bevelT prst="angle"/>
-            </a:sp3d>
-          </p:spPr>
-          <p:style>
-            <a:lnRef idx="1">
-              <a:schemeClr val="accent6"/>
-            </a:lnRef>
-            <a:fillRef idx="2">
-              <a:schemeClr val="accent6"/>
-            </a:fillRef>
-            <a:effectRef idx="1">
-              <a:schemeClr val="accent6"/>
-            </a:effectRef>
-            <a:fontRef idx="minor">
-              <a:schemeClr val="dk1"/>
-            </a:fontRef>
-          </p:style>
-          <p:txBody>
-            <a:bodyPr rtlCol="0" anchor="ctr"/>
-            <a:lstStyle/>
-            <a:p>
-              <a:pPr algn="ctr"/>
-              <a:endParaRPr lang="en-US"/>
-            </a:p>
-          </p:txBody>
-        </p:sp>
-        <p:sp>
-          <p:nvSpPr>
-            <p:cNvPr id="10" name="Rounded Rectangle 9"/>
-            <p:cNvSpPr/>
-            <p:nvPr/>
-          </p:nvSpPr>
-          <p:spPr>
-            <a:xfrm>
-              <a:off x="7924800" y="228600"/>
-              <a:ext cx="1143000" cy="1143000"/>
-            </a:xfrm>
-            <a:prstGeom prst="roundRect">
-              <a:avLst>
-                <a:gd name="adj" fmla="val 39601"/>
-              </a:avLst>
-            </a:prstGeom>
-            <a:gradFill>
-              <a:gsLst>
-                <a:gs pos="0">
-                  <a:srgbClr val="FFFF00">
-                    <a:lumMod val="70000"/>
-                    <a:lumOff val="30000"/>
-                  </a:srgbClr>
-                </a:gs>
-                <a:gs pos="44000">
-                  <a:srgbClr val="FFFF00">
-                    <a:lumMod val="40000"/>
-                    <a:lumOff val="60000"/>
-                  </a:srgbClr>
-                </a:gs>
-                <a:gs pos="100000">
-                  <a:srgbClr val="FFFF00">
-                    <a:lumMod val="20000"/>
-                    <a:lumOff val="80000"/>
-                  </a:srgbClr>
-                </a:gs>
-              </a:gsLst>
-            </a:gradFill>
-            <a:ln w="9525">
-              <a:solidFill>
-                <a:srgbClr val="FFFF00"/>
-              </a:solidFill>
-            </a:ln>
-            <a:effectLst/>
-            <a:scene3d>
-              <a:camera prst="orthographicFront"/>
-              <a:lightRig rig="threePt" dir="t"/>
-            </a:scene3d>
-            <a:sp3d>
-              <a:bevelT prst="angle"/>
-            </a:sp3d>
-          </p:spPr>
-          <p:style>
-            <a:lnRef idx="1">
-              <a:schemeClr val="accent3"/>
-            </a:lnRef>
-            <a:fillRef idx="2">
-              <a:schemeClr val="accent3"/>
-            </a:fillRef>
-            <a:effectRef idx="1">
-              <a:schemeClr val="accent3"/>
-            </a:effectRef>
-            <a:fontRef idx="minor">
-              <a:schemeClr val="dk1"/>
-            </a:fontRef>
-          </p:style>
-          <p:txBody>
-            <a:bodyPr rtlCol="0" anchor="ctr"/>
-            <a:lstStyle/>
-            <a:p>
-              <a:pPr algn="ctr"/>
-              <a:endParaRPr lang="en-US"/>
-            </a:p>
-          </p:txBody>
-        </p:sp>
-        <p:pic>
-          <p:nvPicPr>
-            <p:cNvPr id="1026" name="Picture 2" descr="File:001Bulbasaur.png"/>
-            <p:cNvPicPr>
-              <a:picLocks noChangeAspect="1" noChangeArrowheads="1"/>
-            </p:cNvPicPr>
-            <p:nvPr/>
-          </p:nvPicPr>
-          <p:blipFill rotWithShape="1">
-            <a:blip r:embed="rId2" cstate="print">
-              <a:extLst>
-                <a:ext uri="{28A0092B-C50C-407E-A947-70E740481C1C}">
-                  <a14:useLocalDpi xmlns:a14="http://schemas.microsoft.com/office/drawing/2010/main" val="0"/>
-                </a:ext>
-              </a:extLst>
-            </a:blip>
-            <a:srcRect t="-80"/>
-            <a:stretch/>
-          </p:blipFill>
-          <p:spPr bwMode="auto">
-            <a:xfrm>
-              <a:off x="1568259" y="410019"/>
-              <a:ext cx="780163" cy="780162"/>
-            </a:xfrm>
-            <a:prstGeom prst="rect">
-              <a:avLst/>
-            </a:prstGeom>
-            <a:noFill/>
-            <a:effectLst/>
-            <a:extLst>
-              <a:ext uri="{909E8E84-426E-40DD-AFC4-6F175D3DCCD1}">
-                <a14:hiddenFill xmlns:a14="http://schemas.microsoft.com/office/drawing/2010/main">
-                  <a:solidFill>
-                    <a:srgbClr val="FFFFFF"/>
-                  </a:solidFill>
-                </a14:hiddenFill>
-              </a:ext>
-            </a:extLst>
-          </p:spPr>
-        </p:pic>
-        <p:pic>
-          <p:nvPicPr>
-            <p:cNvPr id="1028" name="Picture 4" descr="http://archives.bulbagarden.net/media/upload/archive/a/ae/20101021130744%21003Venusaur.png"/>
-            <p:cNvPicPr>
-              <a:picLocks noChangeAspect="1" noChangeArrowheads="1"/>
-            </p:cNvPicPr>
-            <p:nvPr/>
-          </p:nvPicPr>
-          <p:blipFill>
-            <a:blip r:embed="rId3" cstate="print">
-              <a:extLst>
-                <a:ext uri="{28A0092B-C50C-407E-A947-70E740481C1C}">
-                  <a14:useLocalDpi xmlns:a14="http://schemas.microsoft.com/office/drawing/2010/main" val="0"/>
-                </a:ext>
-              </a:extLst>
-            </a:blip>
-            <a:srcRect/>
-            <a:stretch>
-              <a:fillRect/>
-            </a:stretch>
-          </p:blipFill>
-          <p:spPr bwMode="auto">
-            <a:xfrm>
-              <a:off x="1580238" y="3073698"/>
-              <a:ext cx="749722" cy="742109"/>
-            </a:xfrm>
-            <a:prstGeom prst="rect">
-              <a:avLst/>
-            </a:prstGeom>
-            <a:noFill/>
-            <a:effectLst/>
-            <a:extLst>
-              <a:ext uri="{909E8E84-426E-40DD-AFC4-6F175D3DCCD1}">
-                <a14:hiddenFill xmlns:a14="http://schemas.microsoft.com/office/drawing/2010/main">
-                  <a:solidFill>
-                    <a:srgbClr val="FFFFFF"/>
-                  </a:solidFill>
-                </a14:hiddenFill>
-              </a:ext>
-            </a:extLst>
-          </p:spPr>
-        </p:pic>
-        <p:pic>
-          <p:nvPicPr>
-            <p:cNvPr id="1030" name="Picture 6" descr="File:002Ivysaur.png"/>
-            <p:cNvPicPr>
-              <a:picLocks noChangeAspect="1" noChangeArrowheads="1"/>
-            </p:cNvPicPr>
-            <p:nvPr/>
-          </p:nvPicPr>
-          <p:blipFill>
-            <a:blip r:embed="rId4" cstate="print">
-              <a:extLst>
-                <a:ext uri="{28A0092B-C50C-407E-A947-70E740481C1C}">
-                  <a14:useLocalDpi xmlns:a14="http://schemas.microsoft.com/office/drawing/2010/main" val="0"/>
-                </a:ext>
-              </a:extLst>
-            </a:blip>
-            <a:srcRect/>
-            <a:stretch>
-              <a:fillRect/>
-            </a:stretch>
-          </p:blipFill>
-          <p:spPr bwMode="auto">
-            <a:xfrm>
-              <a:off x="1505645" y="1672409"/>
-              <a:ext cx="861786" cy="854673"/>
-            </a:xfrm>
-            <a:prstGeom prst="rect">
-              <a:avLst/>
-            </a:prstGeom>
-            <a:noFill/>
-            <a:effectLst/>
-            <a:extLst>
-              <a:ext uri="{909E8E84-426E-40DD-AFC4-6F175D3DCCD1}">
-                <a14:hiddenFill xmlns:a14="http://schemas.microsoft.com/office/drawing/2010/main">
-                  <a:solidFill>
-                    <a:srgbClr val="FFFFFF"/>
-                  </a:solidFill>
-                </a14:hiddenFill>
-              </a:ext>
-            </a:extLst>
-          </p:spPr>
-        </p:pic>
-        <p:pic>
-          <p:nvPicPr>
-            <p:cNvPr id="1034" name="Picture 10" descr="File:159Croconaw.png"/>
-            <p:cNvPicPr>
-              <a:picLocks noChangeAspect="1" noChangeArrowheads="1"/>
-            </p:cNvPicPr>
-            <p:nvPr/>
-          </p:nvPicPr>
-          <p:blipFill>
-            <a:blip r:embed="rId5" cstate="print">
-              <a:extLst>
-                <a:ext uri="{28A0092B-C50C-407E-A947-70E740481C1C}">
-                  <a14:useLocalDpi xmlns:a14="http://schemas.microsoft.com/office/drawing/2010/main" val="0"/>
-                </a:ext>
-              </a:extLst>
-            </a:blip>
-            <a:srcRect/>
-            <a:stretch>
-              <a:fillRect/>
-            </a:stretch>
-          </p:blipFill>
-          <p:spPr bwMode="auto">
-            <a:xfrm>
-              <a:off x="2873242" y="1686423"/>
-              <a:ext cx="851706" cy="863220"/>
-            </a:xfrm>
-            <a:prstGeom prst="rect">
-              <a:avLst/>
-            </a:prstGeom>
-            <a:noFill/>
-            <a:effectLst/>
-            <a:extLst>
-              <a:ext uri="{909E8E84-426E-40DD-AFC4-6F175D3DCCD1}">
-                <a14:hiddenFill xmlns:a14="http://schemas.microsoft.com/office/drawing/2010/main">
-                  <a:solidFill>
-                    <a:srgbClr val="FFFFFF"/>
-                  </a:solidFill>
-                </a14:hiddenFill>
-              </a:ext>
-            </a:extLst>
-          </p:spPr>
-        </p:pic>
-        <p:pic>
-          <p:nvPicPr>
-            <p:cNvPr id="1036" name="Picture 12" descr="File:160Feraligatr.png"/>
-            <p:cNvPicPr>
-              <a:picLocks noChangeAspect="1" noChangeArrowheads="1"/>
-            </p:cNvPicPr>
-            <p:nvPr/>
-          </p:nvPicPr>
-          <p:blipFill>
-            <a:blip r:embed="rId6" cstate="print">
-              <a:extLst>
-                <a:ext uri="{28A0092B-C50C-407E-A947-70E740481C1C}">
-                  <a14:useLocalDpi xmlns:a14="http://schemas.microsoft.com/office/drawing/2010/main" val="0"/>
-                </a:ext>
-              </a:extLst>
-            </a:blip>
-            <a:srcRect/>
-            <a:stretch>
-              <a:fillRect/>
-            </a:stretch>
-          </p:blipFill>
-          <p:spPr bwMode="auto">
-            <a:xfrm>
-              <a:off x="2881933" y="3049035"/>
-              <a:ext cx="698010" cy="706090"/>
-            </a:xfrm>
-            <a:prstGeom prst="rect">
-              <a:avLst/>
-            </a:prstGeom>
-            <a:noFill/>
-            <a:effectLst/>
-            <a:extLst>
-              <a:ext uri="{909E8E84-426E-40DD-AFC4-6F175D3DCCD1}">
-                <a14:hiddenFill xmlns:a14="http://schemas.microsoft.com/office/drawing/2010/main">
-                  <a:solidFill>
-                    <a:srgbClr val="FFFFFF"/>
-                  </a:solidFill>
-                </a14:hiddenFill>
-              </a:ext>
-            </a:extLst>
-          </p:spPr>
-        </p:pic>
-        <p:pic>
-          <p:nvPicPr>
-            <p:cNvPr id="1038" name="Picture 14" descr="157Typhlosion.png"/>
-            <p:cNvPicPr>
-              <a:picLocks noChangeAspect="1" noChangeArrowheads="1"/>
-            </p:cNvPicPr>
-            <p:nvPr/>
-          </p:nvPicPr>
-          <p:blipFill>
-            <a:blip r:embed="rId7" cstate="print">
-              <a:extLst>
-                <a:ext uri="{28A0092B-C50C-407E-A947-70E740481C1C}">
-                  <a14:useLocalDpi xmlns:a14="http://schemas.microsoft.com/office/drawing/2010/main" val="0"/>
-                </a:ext>
-              </a:extLst>
-            </a:blip>
-            <a:srcRect/>
-            <a:stretch>
-              <a:fillRect/>
-            </a:stretch>
-          </p:blipFill>
-          <p:spPr bwMode="auto">
-            <a:xfrm>
-              <a:off x="4304566" y="3090554"/>
-              <a:ext cx="559622" cy="671821"/>
-            </a:xfrm>
-            <a:prstGeom prst="rect">
-              <a:avLst/>
-            </a:prstGeom>
-            <a:noFill/>
-            <a:effectLst/>
-            <a:extLst>
-              <a:ext uri="{909E8E84-426E-40DD-AFC4-6F175D3DCCD1}">
-                <a14:hiddenFill xmlns:a14="http://schemas.microsoft.com/office/drawing/2010/main">
-                  <a:solidFill>
-                    <a:srgbClr val="FFFFFF"/>
-                  </a:solidFill>
-                </a14:hiddenFill>
-              </a:ext>
-            </a:extLst>
-          </p:spPr>
-        </p:pic>
-        <p:pic>
-          <p:nvPicPr>
-            <p:cNvPr id="1040" name="Picture 16" descr="156Quilava.png"/>
-            <p:cNvPicPr>
-              <a:picLocks noChangeAspect="1" noChangeArrowheads="1"/>
-            </p:cNvPicPr>
-            <p:nvPr/>
-          </p:nvPicPr>
-          <p:blipFill>
-            <a:blip r:embed="rId8">
-              <a:extLst>
-                <a:ext uri="{28A0092B-C50C-407E-A947-70E740481C1C}">
-                  <a14:useLocalDpi xmlns:a14="http://schemas.microsoft.com/office/drawing/2010/main" val="0"/>
-                </a:ext>
-              </a:extLst>
-            </a:blip>
-            <a:srcRect/>
-            <a:stretch>
-              <a:fillRect/>
-            </a:stretch>
-          </p:blipFill>
-          <p:spPr bwMode="auto">
-            <a:xfrm>
-              <a:off x="4276725" y="1630673"/>
-              <a:ext cx="739425" cy="889377"/>
-            </a:xfrm>
-            <a:prstGeom prst="rect">
-              <a:avLst/>
-            </a:prstGeom>
-            <a:noFill/>
-            <a:effectLst/>
-            <a:extLst>
-              <a:ext uri="{909E8E84-426E-40DD-AFC4-6F175D3DCCD1}">
-                <a14:hiddenFill xmlns:a14="http://schemas.microsoft.com/office/drawing/2010/main">
-                  <a:solidFill>
-                    <a:srgbClr val="FFFFFF"/>
-                  </a:solidFill>
-                </a14:hiddenFill>
-              </a:ext>
-            </a:extLst>
-          </p:spPr>
-        </p:pic>
-        <p:pic>
-          <p:nvPicPr>
-            <p:cNvPr id="1042" name="Picture 18" descr="155Cyndaquil.png"/>
-            <p:cNvPicPr>
-              <a:picLocks noChangeAspect="1" noChangeArrowheads="1"/>
-            </p:cNvPicPr>
-            <p:nvPr/>
-          </p:nvPicPr>
-          <p:blipFill>
-            <a:blip r:embed="rId9">
-              <a:extLst>
-                <a:ext uri="{28A0092B-C50C-407E-A947-70E740481C1C}">
-                  <a14:useLocalDpi xmlns:a14="http://schemas.microsoft.com/office/drawing/2010/main" val="0"/>
-                </a:ext>
-              </a:extLst>
-            </a:blip>
-            <a:srcRect/>
-            <a:stretch>
-              <a:fillRect/>
-            </a:stretch>
-          </p:blipFill>
-          <p:spPr bwMode="auto">
-            <a:xfrm>
-              <a:off x="4135989" y="395879"/>
-              <a:ext cx="871476" cy="808443"/>
-            </a:xfrm>
-            <a:prstGeom prst="rect">
-              <a:avLst/>
-            </a:prstGeom>
-            <a:noFill/>
-            <a:effectLst/>
-            <a:extLst>
-              <a:ext uri="{909E8E84-426E-40DD-AFC4-6F175D3DCCD1}">
-                <a14:hiddenFill xmlns:a14="http://schemas.microsoft.com/office/drawing/2010/main">
-                  <a:solidFill>
-                    <a:srgbClr val="FFFFFF"/>
-                  </a:solidFill>
-                </a14:hiddenFill>
-              </a:ext>
-            </a:extLst>
-          </p:spPr>
-        </p:pic>
-        <p:pic>
-          <p:nvPicPr>
-            <p:cNvPr id="1044" name="Picture 20" descr="154Meganium.png"/>
-            <p:cNvPicPr>
-              <a:picLocks noChangeAspect="1" noChangeArrowheads="1"/>
-            </p:cNvPicPr>
-            <p:nvPr/>
-          </p:nvPicPr>
-          <p:blipFill>
-            <a:blip r:embed="rId10" cstate="print">
-              <a:extLst>
-                <a:ext uri="{28A0092B-C50C-407E-A947-70E740481C1C}">
-                  <a14:useLocalDpi xmlns:a14="http://schemas.microsoft.com/office/drawing/2010/main" val="0"/>
-                </a:ext>
-              </a:extLst>
-            </a:blip>
-            <a:srcRect/>
-            <a:stretch>
-              <a:fillRect/>
-            </a:stretch>
-          </p:blipFill>
-          <p:spPr bwMode="auto">
-            <a:xfrm>
-              <a:off x="394288" y="3051744"/>
-              <a:ext cx="527017" cy="748953"/>
-            </a:xfrm>
-            <a:prstGeom prst="rect">
-              <a:avLst/>
-            </a:prstGeom>
-            <a:noFill/>
-            <a:effectLst/>
-            <a:extLst>
-              <a:ext uri="{909E8E84-426E-40DD-AFC4-6F175D3DCCD1}">
-                <a14:hiddenFill xmlns:a14="http://schemas.microsoft.com/office/drawing/2010/main">
-                  <a:solidFill>
-                    <a:srgbClr val="FFFFFF"/>
-                  </a:solidFill>
-                </a14:hiddenFill>
-              </a:ext>
-            </a:extLst>
-          </p:spPr>
-        </p:pic>
-        <p:pic>
-          <p:nvPicPr>
-            <p:cNvPr id="1046" name="Picture 22" descr="153Bayleef.png"/>
-            <p:cNvPicPr>
-              <a:picLocks noChangeAspect="1" noChangeArrowheads="1"/>
-            </p:cNvPicPr>
-            <p:nvPr/>
-          </p:nvPicPr>
-          <p:blipFill>
-            <a:blip r:embed="rId11">
-              <a:extLst>
-                <a:ext uri="{28A0092B-C50C-407E-A947-70E740481C1C}">
-                  <a14:useLocalDpi xmlns:a14="http://schemas.microsoft.com/office/drawing/2010/main" val="0"/>
-                </a:ext>
-              </a:extLst>
-            </a:blip>
-            <a:srcRect/>
-            <a:stretch>
-              <a:fillRect/>
-            </a:stretch>
-          </p:blipFill>
-          <p:spPr bwMode="auto">
-            <a:xfrm>
-              <a:off x="303615" y="1658977"/>
-              <a:ext cx="664421" cy="919907"/>
-            </a:xfrm>
-            <a:prstGeom prst="rect">
-              <a:avLst/>
-            </a:prstGeom>
-            <a:noFill/>
-            <a:effectLst/>
-            <a:extLst>
-              <a:ext uri="{909E8E84-426E-40DD-AFC4-6F175D3DCCD1}">
-                <a14:hiddenFill xmlns:a14="http://schemas.microsoft.com/office/drawing/2010/main">
-                  <a:solidFill>
-                    <a:srgbClr val="FFFFFF"/>
-                  </a:solidFill>
-                </a14:hiddenFill>
-              </a:ext>
-            </a:extLst>
-          </p:spPr>
-        </p:pic>
-        <p:pic>
-          <p:nvPicPr>
-            <p:cNvPr id="1054" name="Picture 30" descr="007Squirtle.png"/>
-            <p:cNvPicPr>
-              <a:picLocks noChangeAspect="1" noChangeArrowheads="1"/>
-            </p:cNvPicPr>
-            <p:nvPr/>
-          </p:nvPicPr>
-          <p:blipFill>
-            <a:blip r:embed="rId12">
-              <a:extLst>
-                <a:ext uri="{28A0092B-C50C-407E-A947-70E740481C1C}">
-                  <a14:useLocalDpi xmlns:a14="http://schemas.microsoft.com/office/drawing/2010/main" val="0"/>
-                </a:ext>
-              </a:extLst>
-            </a:blip>
-            <a:srcRect/>
-            <a:stretch>
-              <a:fillRect/>
-            </a:stretch>
-          </p:blipFill>
-          <p:spPr bwMode="auto">
-            <a:xfrm>
-              <a:off x="5493389" y="398199"/>
-              <a:ext cx="781525" cy="803802"/>
-            </a:xfrm>
-            <a:prstGeom prst="rect">
-              <a:avLst/>
-            </a:prstGeom>
-            <a:noFill/>
-            <a:effectLst/>
-            <a:extLst>
-              <a:ext uri="{909E8E84-426E-40DD-AFC4-6F175D3DCCD1}">
-                <a14:hiddenFill xmlns:a14="http://schemas.microsoft.com/office/drawing/2010/main">
-                  <a:solidFill>
-                    <a:srgbClr val="FFFFFF"/>
-                  </a:solidFill>
-                </a14:hiddenFill>
-              </a:ext>
-            </a:extLst>
-          </p:spPr>
-        </p:pic>
-        <p:pic>
-          <p:nvPicPr>
-            <p:cNvPr id="1056" name="Picture 32" descr="008Wartortle.png"/>
-            <p:cNvPicPr>
-              <a:picLocks noChangeAspect="1" noChangeArrowheads="1"/>
-            </p:cNvPicPr>
-            <p:nvPr/>
-          </p:nvPicPr>
-          <p:blipFill>
-            <a:blip r:embed="rId13">
-              <a:extLst>
-                <a:ext uri="{28A0092B-C50C-407E-A947-70E740481C1C}">
-                  <a14:useLocalDpi xmlns:a14="http://schemas.microsoft.com/office/drawing/2010/main" val="0"/>
-                </a:ext>
-              </a:extLst>
-            </a:blip>
-            <a:srcRect/>
-            <a:stretch>
-              <a:fillRect/>
-            </a:stretch>
-          </p:blipFill>
-          <p:spPr bwMode="auto">
-            <a:xfrm>
-              <a:off x="5477411" y="1717405"/>
-              <a:ext cx="821390" cy="837833"/>
-            </a:xfrm>
-            <a:prstGeom prst="rect">
-              <a:avLst/>
-            </a:prstGeom>
-            <a:noFill/>
-            <a:effectLst/>
-            <a:extLst>
-              <a:ext uri="{909E8E84-426E-40DD-AFC4-6F175D3DCCD1}">
-                <a14:hiddenFill xmlns:a14="http://schemas.microsoft.com/office/drawing/2010/main">
-                  <a:solidFill>
-                    <a:srgbClr val="FFFFFF"/>
-                  </a:solidFill>
-                </a14:hiddenFill>
-              </a:ext>
-            </a:extLst>
-          </p:spPr>
-        </p:pic>
-        <p:pic>
-          <p:nvPicPr>
-            <p:cNvPr id="1058" name="Picture 34" descr="009Blastoise.png"/>
-            <p:cNvPicPr>
-              <a:picLocks noChangeAspect="1" noChangeArrowheads="1"/>
-            </p:cNvPicPr>
-            <p:nvPr/>
-          </p:nvPicPr>
-          <p:blipFill>
-            <a:blip r:embed="rId14" cstate="print">
-              <a:extLst>
-                <a:ext uri="{28A0092B-C50C-407E-A947-70E740481C1C}">
-                  <a14:useLocalDpi xmlns:a14="http://schemas.microsoft.com/office/drawing/2010/main" val="0"/>
-                </a:ext>
-              </a:extLst>
-            </a:blip>
-            <a:srcRect/>
-            <a:stretch>
-              <a:fillRect/>
-            </a:stretch>
-          </p:blipFill>
-          <p:spPr bwMode="auto">
-            <a:xfrm>
-              <a:off x="5607752" y="3097173"/>
-              <a:ext cx="646900" cy="658583"/>
-            </a:xfrm>
-            <a:prstGeom prst="rect">
-              <a:avLst/>
-            </a:prstGeom>
-            <a:noFill/>
-            <a:effectLst/>
-            <a:extLst>
-              <a:ext uri="{909E8E84-426E-40DD-AFC4-6F175D3DCCD1}">
-                <a14:hiddenFill xmlns:a14="http://schemas.microsoft.com/office/drawing/2010/main">
-                  <a:solidFill>
-                    <a:srgbClr val="FFFFFF"/>
-                  </a:solidFill>
-                </a14:hiddenFill>
-              </a:ext>
-            </a:extLst>
-          </p:spPr>
-        </p:pic>
-        <p:pic>
-          <p:nvPicPr>
-            <p:cNvPr id="1060" name="Picture 36" descr="File:004Charmander.png"/>
-            <p:cNvPicPr>
-              <a:picLocks noChangeAspect="1" noChangeArrowheads="1"/>
-            </p:cNvPicPr>
-            <p:nvPr/>
-          </p:nvPicPr>
-          <p:blipFill rotWithShape="1">
-            <a:blip r:embed="rId15" cstate="print">
-              <a:extLst>
-                <a:ext uri="{28A0092B-C50C-407E-A947-70E740481C1C}">
-                  <a14:useLocalDpi xmlns:a14="http://schemas.microsoft.com/office/drawing/2010/main" val="0"/>
-                </a:ext>
-              </a:extLst>
-            </a:blip>
-            <a:srcRect l="15317" t="6759" r="11291"/>
-            <a:stretch/>
-          </p:blipFill>
-          <p:spPr bwMode="auto">
-            <a:xfrm>
-              <a:off x="6847921" y="390121"/>
-              <a:ext cx="713152" cy="819958"/>
-            </a:xfrm>
-            <a:prstGeom prst="rect">
-              <a:avLst/>
-            </a:prstGeom>
-            <a:noFill/>
-            <a:effectLst/>
-            <a:extLst>
-              <a:ext uri="{909E8E84-426E-40DD-AFC4-6F175D3DCCD1}">
-                <a14:hiddenFill xmlns:a14="http://schemas.microsoft.com/office/drawing/2010/main">
-                  <a:solidFill>
-                    <a:srgbClr val="FFFFFF"/>
-                  </a:solidFill>
-                </a14:hiddenFill>
-              </a:ext>
-            </a:extLst>
-          </p:spPr>
-        </p:pic>
-        <p:pic>
-          <p:nvPicPr>
-            <p:cNvPr id="1062" name="Picture 38" descr="File:005Charmeleon.png"/>
-            <p:cNvPicPr>
-              <a:picLocks noChangeAspect="1" noChangeArrowheads="1"/>
-            </p:cNvPicPr>
-            <p:nvPr/>
-          </p:nvPicPr>
-          <p:blipFill rotWithShape="1">
-            <a:blip r:embed="rId16">
-              <a:extLst>
-                <a:ext uri="{28A0092B-C50C-407E-A947-70E740481C1C}">
-                  <a14:useLocalDpi xmlns:a14="http://schemas.microsoft.com/office/drawing/2010/main" val="0"/>
-                </a:ext>
-              </a:extLst>
-            </a:blip>
-            <a:srcRect l="12235" r="11294"/>
-            <a:stretch/>
-          </p:blipFill>
-          <p:spPr bwMode="auto">
-            <a:xfrm>
-              <a:off x="6807245" y="1668135"/>
-              <a:ext cx="870405" cy="863220"/>
-            </a:xfrm>
-            <a:prstGeom prst="rect">
-              <a:avLst/>
-            </a:prstGeom>
-            <a:noFill/>
-            <a:effectLst/>
-            <a:extLst>
-              <a:ext uri="{909E8E84-426E-40DD-AFC4-6F175D3DCCD1}">
-                <a14:hiddenFill xmlns:a14="http://schemas.microsoft.com/office/drawing/2010/main">
-                  <a:solidFill>
-                    <a:srgbClr val="FFFFFF"/>
-                  </a:solidFill>
-                </a14:hiddenFill>
-              </a:ext>
-            </a:extLst>
-          </p:spPr>
-        </p:pic>
-        <p:pic>
-          <p:nvPicPr>
-            <p:cNvPr id="1064" name="Picture 40" descr="File:006Charizard.png"/>
-            <p:cNvPicPr>
-              <a:picLocks noChangeAspect="1" noChangeArrowheads="1"/>
-            </p:cNvPicPr>
-            <p:nvPr/>
-          </p:nvPicPr>
-          <p:blipFill>
-            <a:blip r:embed="rId17" cstate="print">
-              <a:extLst>
-                <a:ext uri="{28A0092B-C50C-407E-A947-70E740481C1C}">
-                  <a14:useLocalDpi xmlns:a14="http://schemas.microsoft.com/office/drawing/2010/main" val="0"/>
-                </a:ext>
-              </a:extLst>
-            </a:blip>
-            <a:srcRect/>
-            <a:stretch>
-              <a:fillRect/>
-            </a:stretch>
-          </p:blipFill>
-          <p:spPr bwMode="auto">
-            <a:xfrm>
-              <a:off x="6815563" y="3092568"/>
-              <a:ext cx="753121" cy="692177"/>
-            </a:xfrm>
-            <a:prstGeom prst="rect">
-              <a:avLst/>
-            </a:prstGeom>
-            <a:noFill/>
-            <a:effectLst/>
-            <a:extLst>
-              <a:ext uri="{909E8E84-426E-40DD-AFC4-6F175D3DCCD1}">
-                <a14:hiddenFill xmlns:a14="http://schemas.microsoft.com/office/drawing/2010/main">
-                  <a:solidFill>
-                    <a:srgbClr val="FFFFFF"/>
-                  </a:solidFill>
-                </a14:hiddenFill>
-              </a:ext>
-            </a:extLst>
-          </p:spPr>
-        </p:pic>
-        <p:pic>
-          <p:nvPicPr>
-            <p:cNvPr id="1066" name="Picture 42" descr="File:025Pikachu.png"/>
-            <p:cNvPicPr>
-              <a:picLocks noChangeAspect="1" noChangeArrowheads="1"/>
-            </p:cNvPicPr>
-            <p:nvPr/>
-          </p:nvPicPr>
-          <p:blipFill>
-            <a:blip r:embed="rId18" cstate="print">
-              <a:extLst>
-                <a:ext uri="{28A0092B-C50C-407E-A947-70E740481C1C}">
-                  <a14:useLocalDpi xmlns:a14="http://schemas.microsoft.com/office/drawing/2010/main" val="0"/>
-                </a:ext>
-              </a:extLst>
-            </a:blip>
-            <a:srcRect/>
-            <a:stretch>
-              <a:fillRect/>
-            </a:stretch>
-          </p:blipFill>
-          <p:spPr bwMode="auto">
-            <a:xfrm>
-              <a:off x="8065986" y="1735191"/>
-              <a:ext cx="845296" cy="863220"/>
-            </a:xfrm>
-            <a:prstGeom prst="rect">
-              <a:avLst/>
-            </a:prstGeom>
-            <a:noFill/>
-            <a:effectLst/>
-            <a:extLst>
-              <a:ext uri="{909E8E84-426E-40DD-AFC4-6F175D3DCCD1}">
-                <a14:hiddenFill xmlns:a14="http://schemas.microsoft.com/office/drawing/2010/main">
-                  <a:solidFill>
-                    <a:srgbClr val="FFFFFF"/>
-                  </a:solidFill>
-                </a14:hiddenFill>
-              </a:ext>
-            </a:extLst>
-          </p:spPr>
-        </p:pic>
-        <p:pic>
-          <p:nvPicPr>
-            <p:cNvPr id="1070" name="Picture 46" descr="File:172Pichu.png"/>
-            <p:cNvPicPr>
-              <a:picLocks noChangeAspect="1" noChangeArrowheads="1"/>
-            </p:cNvPicPr>
-            <p:nvPr/>
-          </p:nvPicPr>
-          <p:blipFill>
-            <a:blip r:embed="rId19" cstate="print">
-              <a:extLst>
-                <a:ext uri="{28A0092B-C50C-407E-A947-70E740481C1C}">
-                  <a14:useLocalDpi xmlns:a14="http://schemas.microsoft.com/office/drawing/2010/main" val="0"/>
-                </a:ext>
-              </a:extLst>
-            </a:blip>
-            <a:srcRect/>
-            <a:stretch>
-              <a:fillRect/>
-            </a:stretch>
-          </p:blipFill>
-          <p:spPr bwMode="auto">
-            <a:xfrm>
-              <a:off x="8189129" y="418197"/>
-              <a:ext cx="674511" cy="786367"/>
-            </a:xfrm>
-            <a:prstGeom prst="rect">
-              <a:avLst/>
-            </a:prstGeom>
-            <a:noFill/>
-            <a:effectLst/>
-            <a:extLst>
-              <a:ext uri="{909E8E84-426E-40DD-AFC4-6F175D3DCCD1}">
-                <a14:hiddenFill xmlns:a14="http://schemas.microsoft.com/office/drawing/2010/main">
-                  <a:solidFill>
-                    <a:srgbClr val="FFFFFF"/>
-                  </a:solidFill>
-                </a14:hiddenFill>
-              </a:ext>
-            </a:extLst>
-          </p:spPr>
-        </p:pic>
-        <p:pic>
-          <p:nvPicPr>
-            <p:cNvPr id="1074" name="Picture 50"/>
-            <p:cNvPicPr>
-              <a:picLocks noChangeAspect="1" noChangeArrowheads="1"/>
-            </p:cNvPicPr>
-            <p:nvPr/>
-          </p:nvPicPr>
-          <p:blipFill>
-            <a:blip r:embed="rId20" cstate="print">
-              <a:clrChange>
-                <a:clrFrom>
-                  <a:srgbClr val="FFFFFF"/>
-                </a:clrFrom>
-                <a:clrTo>
-                  <a:srgbClr val="FFFFFF">
-                    <a:alpha val="0"/>
-                  </a:srgbClr>
-                </a:clrTo>
-              </a:clrChange>
-              <a:extLst>
-                <a:ext uri="{28A0092B-C50C-407E-A947-70E740481C1C}">
-                  <a14:useLocalDpi xmlns:a14="http://schemas.microsoft.com/office/drawing/2010/main" val="0"/>
-                </a:ext>
-              </a:extLst>
-            </a:blip>
-            <a:srcRect/>
-            <a:stretch>
-              <a:fillRect/>
-            </a:stretch>
-          </p:blipFill>
-          <p:spPr bwMode="auto">
-            <a:xfrm>
-              <a:off x="8184063" y="3142648"/>
-              <a:ext cx="700676" cy="665169"/>
-            </a:xfrm>
-            <a:prstGeom prst="rect">
-              <a:avLst/>
-            </a:prstGeom>
-            <a:noFill/>
-            <a:ln>
-              <a:noFill/>
-            </a:ln>
-            <a:effectLst/>
-            <a:extLst>
-              <a:ext uri="{909E8E84-426E-40DD-AFC4-6F175D3DCCD1}">
-                <a14:hiddenFill xmlns:a14="http://schemas.microsoft.com/office/drawing/2010/main">
-                  <a:solidFill>
-                    <a:schemeClr val="accent1"/>
-                  </a:solidFill>
-                </a14:hiddenFill>
-              </a:ext>
-              <a:ext uri="{91240B29-F687-4F45-9708-019B960494DF}">
-                <a14:hiddenLine xmlns:a14="http://schemas.microsoft.com/office/drawing/2010/main" w="9525">
-                  <a:solidFill>
-                    <a:schemeClr val="tx1"/>
-                  </a:solidFill>
-                  <a:miter lim="800000"/>
-                  <a:headEnd/>
-                  <a:tailEnd/>
-                </a14:hiddenLine>
-              </a:ext>
-            </a:extLst>
-          </p:spPr>
-        </p:pic>
-        <p:pic>
-          <p:nvPicPr>
-            <p:cNvPr id="1076" name="Picture 52" descr="158Totodile.png"/>
-            <p:cNvPicPr>
-              <a:picLocks noChangeAspect="1" noChangeArrowheads="1"/>
-            </p:cNvPicPr>
-            <p:nvPr/>
-          </p:nvPicPr>
-          <p:blipFill>
-            <a:blip r:embed="rId21">
-              <a:extLst>
-                <a:ext uri="{28A0092B-C50C-407E-A947-70E740481C1C}">
-                  <a14:useLocalDpi xmlns:a14="http://schemas.microsoft.com/office/drawing/2010/main" val="0"/>
-                </a:ext>
-              </a:extLst>
-            </a:blip>
-            <a:srcRect/>
-            <a:stretch>
-              <a:fillRect/>
-            </a:stretch>
-          </p:blipFill>
-          <p:spPr bwMode="auto">
-            <a:xfrm>
-              <a:off x="2964737" y="394179"/>
-              <a:ext cx="674081" cy="811841"/>
-            </a:xfrm>
-            <a:prstGeom prst="rect">
-              <a:avLst/>
-            </a:prstGeom>
-            <a:noFill/>
-            <a:effectLst/>
-            <a:extLst>
-              <a:ext uri="{909E8E84-426E-40DD-AFC4-6F175D3DCCD1}">
-                <a14:hiddenFill xmlns:a14="http://schemas.microsoft.com/office/drawing/2010/main">
-                  <a:solidFill>
-                    <a:srgbClr val="FFFFFF"/>
-                  </a:solidFill>
-                </a14:hiddenFill>
-              </a:ext>
-            </a:extLst>
-          </p:spPr>
-        </p:pic>
-        <p:pic>
-          <p:nvPicPr>
-            <p:cNvPr id="1081" name="Picture 57"/>
-            <p:cNvPicPr>
-              <a:picLocks noChangeAspect="1" noChangeArrowheads="1"/>
-            </p:cNvPicPr>
-            <p:nvPr/>
-          </p:nvPicPr>
-          <p:blipFill rotWithShape="1">
-            <a:blip r:embed="rId22" cstate="print">
-              <a:extLst>
-                <a:ext uri="{28A0092B-C50C-407E-A947-70E740481C1C}">
-                  <a14:useLocalDpi xmlns:a14="http://schemas.microsoft.com/office/drawing/2010/main" val="0"/>
-                </a:ext>
-              </a:extLst>
-            </a:blip>
-            <a:srcRect r="17546"/>
-            <a:stretch/>
-          </p:blipFill>
-          <p:spPr bwMode="auto">
-            <a:xfrm>
-              <a:off x="333963" y="398199"/>
-              <a:ext cx="669451" cy="803802"/>
-            </a:xfrm>
-            <a:prstGeom prst="rect">
-              <a:avLst/>
-            </a:prstGeom>
-            <a:noFill/>
-            <a:ln>
-              <a:noFill/>
-            </a:ln>
-            <a:effectLst/>
-            <a:extLst>
-              <a:ext uri="{909E8E84-426E-40DD-AFC4-6F175D3DCCD1}">
-                <a14:hiddenFill xmlns:a14="http://schemas.microsoft.com/office/drawing/2010/main">
-                  <a:solidFill>
-                    <a:schemeClr val="accent1"/>
-                  </a:solidFill>
-                </a14:hiddenFill>
-              </a:ext>
-              <a:ext uri="{91240B29-F687-4F45-9708-019B960494DF}">
-                <a14:hiddenLine xmlns:a14="http://schemas.microsoft.com/office/drawing/2010/main" w="9525">
-                  <a:solidFill>
-                    <a:schemeClr val="tx1"/>
-                  </a:solidFill>
-                  <a:miter lim="800000"/>
-                  <a:headEnd/>
-                  <a:tailEnd/>
-                </a14:hiddenLine>
-              </a:ext>
-            </a:extLst>
-          </p:spPr>
-        </p:pic>
-        <p:sp>
-          <p:nvSpPr>
-            <p:cNvPr id="67" name="Oval 66"/>
-            <p:cNvSpPr/>
-            <p:nvPr/>
-          </p:nvSpPr>
-          <p:spPr>
-            <a:xfrm>
-              <a:off x="75779" y="4191000"/>
-              <a:ext cx="1143000" cy="1143000"/>
-            </a:xfrm>
-            <a:prstGeom prst="ellipse">
-              <a:avLst/>
-            </a:prstGeom>
-            <a:gradFill>
-              <a:gsLst>
-                <a:gs pos="22000">
-                  <a:srgbClr val="FFA8B4"/>
-                </a:gs>
-                <a:gs pos="100000">
-                  <a:srgbClr val="FFA1AF">
-                    <a:lumMod val="66000"/>
-                    <a:lumOff val="34000"/>
-                  </a:srgbClr>
-                </a:gs>
-                <a:gs pos="0">
-                  <a:srgbClr val="FFA2AF"/>
-                </a:gs>
-              </a:gsLst>
-            </a:gradFill>
-            <a:ln w="9525">
-              <a:solidFill>
-                <a:srgbClr val="FF99A3"/>
-              </a:solidFill>
-            </a:ln>
-            <a:effectLst/>
-            <a:scene3d>
-              <a:camera prst="orthographicFront"/>
-              <a:lightRig rig="threePt" dir="t"/>
-            </a:scene3d>
-            <a:sp3d>
-              <a:bevelT prst="angle"/>
-            </a:sp3d>
-          </p:spPr>
-          <p:style>
-            <a:lnRef idx="1">
-              <a:schemeClr val="accent3"/>
-            </a:lnRef>
-            <a:fillRef idx="2">
-              <a:schemeClr val="accent3"/>
-            </a:fillRef>
-            <a:effectRef idx="1">
-              <a:schemeClr val="accent3"/>
-            </a:effectRef>
-            <a:fontRef idx="minor">
-              <a:schemeClr val="dk1"/>
-            </a:fontRef>
-          </p:style>
-          <p:txBody>
-            <a:bodyPr rtlCol="0" anchor="ctr"/>
-            <a:lstStyle/>
-            <a:p>
-              <a:pPr algn="ctr"/>
-              <a:endParaRPr lang="en-US"/>
-            </a:p>
-          </p:txBody>
-        </p:sp>
-        <p:pic>
-          <p:nvPicPr>
-            <p:cNvPr id="68" name="Picture 60" descr="File:132Ditto.png"/>
-            <p:cNvPicPr>
-              <a:picLocks noChangeAspect="1" noChangeArrowheads="1"/>
-            </p:cNvPicPr>
-            <p:nvPr/>
-          </p:nvPicPr>
-          <p:blipFill>
-            <a:blip r:embed="rId23">
-              <a:duotone>
-                <a:prstClr val="black"/>
-                <a:schemeClr val="accent2">
-                  <a:tint val="45000"/>
-                  <a:satMod val="400000"/>
-                </a:schemeClr>
-              </a:duotone>
-              <a:extLst>
-                <a:ext uri="{BEBA8EAE-BF5A-486C-A8C5-ECC9F3942E4B}">
-                  <a14:imgProps xmlns:a14="http://schemas.microsoft.com/office/drawing/2010/main">
-                    <a14:imgLayer r:embed="rId24">
-                      <a14:imgEffect>
-                        <a14:colorTemperature colorTemp="1500"/>
-                      </a14:imgEffect>
-                      <a14:imgEffect>
-                        <a14:saturation sat="400000"/>
-                      </a14:imgEffect>
-                      <a14:imgEffect>
-                        <a14:brightnessContrast bright="4000" contrast="83000"/>
-                      </a14:imgEffect>
-                    </a14:imgLayer>
-                  </a14:imgProps>
-                </a:ext>
-                <a:ext uri="{28A0092B-C50C-407E-A947-70E740481C1C}">
-                  <a14:useLocalDpi xmlns:a14="http://schemas.microsoft.com/office/drawing/2010/main" val="0"/>
-                </a:ext>
-              </a:extLst>
-            </a:blip>
-            <a:srcRect/>
-            <a:stretch>
-              <a:fillRect/>
-            </a:stretch>
-          </p:blipFill>
-          <p:spPr bwMode="auto">
-            <a:xfrm>
-              <a:off x="209374" y="4297426"/>
-              <a:ext cx="865095" cy="844804"/>
-            </a:xfrm>
-            <a:prstGeom prst="rect">
-              <a:avLst/>
-            </a:prstGeom>
-            <a:noFill/>
-            <a:effectLst/>
-            <a:extLst>
-              <a:ext uri="{909E8E84-426E-40DD-AFC4-6F175D3DCCD1}">
-                <a14:hiddenFill xmlns:a14="http://schemas.microsoft.com/office/drawing/2010/main">
-                  <a:solidFill>
-                    <a:srgbClr val="FFFFFF"/>
-                  </a:solidFill>
-                </a14:hiddenFill>
-              </a:ext>
-            </a:extLst>
-          </p:spPr>
-        </p:pic>
-      </p:grpSp>
-    </p:spTree>
-    <p:extLst>
-      <p:ext uri="{BB962C8B-B14F-4D97-AF65-F5344CB8AC3E}">
-        <p14:creationId xmlns:p14="http://schemas.microsoft.com/office/powerpoint/2010/main" val="2347144634"/>
-      </p:ext>
-    </p:extLst>
-  </p:cSld>
-  <p:clrMapOvr>
-    <a:masterClrMapping/>
-  </p:clrMapOvr>
-</p:sld>
-</file>
-
-<file path=ppt/slides/slide2.xml><?xml version="1.0" encoding="utf-8"?>
-<p:sld xmlns:a="http://schemas.openxmlformats.org/drawingml/2006/main" xmlns:r="http://schemas.openxmlformats.org/officeDocument/2006/relationships" xmlns:p="http://schemas.openxmlformats.org/presentationml/2006/main">
-  <p:cSld>
-    <p:spTree>
-      <p:nvGrpSpPr>
-        <p:cNvPr id="1" name=""/>
-        <p:cNvGrpSpPr/>
-        <p:nvPr/>
-      </p:nvGrpSpPr>
-      <p:grpSpPr>
-        <a:xfrm>
-          <a:off x="0" y="0"/>
-          <a:ext cx="0" cy="0"/>
-          <a:chOff x="0" y="0"/>
-          <a:chExt cx="0" cy="0"/>
-        </a:xfrm>
-      </p:grpSpPr>
-      <p:pic>
-        <p:nvPicPr>
-          <p:cNvPr id="29" name="Picture 4"/>
-          <p:cNvPicPr>
-            <a:picLocks noChangeAspect="1" noChangeArrowheads="1"/>
-          </p:cNvPicPr>
-          <p:nvPr/>
-        </p:nvPicPr>
-        <p:blipFill rotWithShape="1">
-          <a:blip r:embed="rId2" cstate="print">
-            <a:extLst>
-              <a:ext uri="{28A0092B-C50C-407E-A947-70E740481C1C}">
-                <a14:useLocalDpi xmlns:a14="http://schemas.microsoft.com/office/drawing/2010/main" val="0"/>
-              </a:ext>
-            </a:extLst>
-          </a:blip>
-          <a:srcRect l="-90" t="-147" r="2593" b="1692"/>
-          <a:stretch/>
-        </p:blipFill>
-        <p:spPr bwMode="auto">
-          <a:xfrm>
-            <a:off x="0" y="22860"/>
-            <a:ext cx="8915400" cy="5120640"/>
-          </a:xfrm>
-          <a:prstGeom prst="rect">
-            <a:avLst/>
-          </a:prstGeom>
-          <a:noFill/>
-          <a:ln>
-            <a:noFill/>
-          </a:ln>
-          <a:extLst>
-            <a:ext uri="{909E8E84-426E-40DD-AFC4-6F175D3DCCD1}">
-              <a14:hiddenFill xmlns:a14="http://schemas.microsoft.com/office/drawing/2010/main">
-                <a:solidFill>
-                  <a:schemeClr val="accent1"/>
-                </a:solidFill>
-              </a14:hiddenFill>
-            </a:ext>
-            <a:ext uri="{91240B29-F687-4F45-9708-019B960494DF}">
-              <a14:hiddenLine xmlns:a14="http://schemas.microsoft.com/office/drawing/2010/main" w="9525">
-                <a:solidFill>
-                  <a:schemeClr val="tx1"/>
-                </a:solidFill>
-                <a:miter lim="800000"/>
-                <a:headEnd/>
-                <a:tailEnd/>
-              </a14:hiddenLine>
-            </a:ext>
-          </a:extLst>
-        </p:spPr>
-      </p:pic>
       <p:graphicFrame>
         <p:nvGraphicFramePr>
-          <p:cNvPr id="4" name="Table 3"/>
+          <p:cNvPr id="47" name="Table 46"/>
           <p:cNvGraphicFramePr>
             <a:graphicFrameLocks noGrp="1"/>
           </p:cNvGraphicFramePr>
           <p:nvPr>
             <p:extLst>
               <p:ext uri="{D42A27DB-BD31-4B8C-83A1-F6EECF244321}">
-                <p14:modId xmlns:p14="http://schemas.microsoft.com/office/powerpoint/2010/main" val="4020385971"/>
+                <p14:modId xmlns:p14="http://schemas.microsoft.com/office/powerpoint/2010/main" val="3382010420"/>
               </p:ext>
             </p:extLst>
           </p:nvPr>
@@ -5802,6 +3174,9 @@
                       <a:headEnd type="none" w="med" len="med"/>
                       <a:tailEnd type="none" w="med" len="med"/>
                     </a:lnB>
+                    <a:solidFill>
+                      <a:schemeClr val="tx1"/>
+                    </a:solidFill>
                   </a:tcPr>
                 </a:tc>
                 <a:tc>
@@ -5849,6 +3224,59 @@
                       <a:headEnd type="none" w="med" len="med"/>
                       <a:tailEnd type="none" w="med" len="med"/>
                     </a:lnB>
+                    <a:solidFill>
+                      <a:schemeClr val="tx1"/>
+                    </a:solidFill>
+                  </a:tcPr>
+                </a:tc>
+                <a:tc>
+                  <a:txBody>
+                    <a:bodyPr/>
+                    <a:lstStyle/>
+                    <a:p>
+                      <a:endParaRPr lang="en-US" dirty="0"/>
+                    </a:p>
+                  </a:txBody>
+                  <a:tcPr>
+                    <a:lnL w="57150" cap="flat" cmpd="sng" algn="ctr">
+                      <a:solidFill>
+                        <a:schemeClr val="bg1"/>
+                      </a:solidFill>
+                      <a:prstDash val="solid"/>
+                      <a:round/>
+                      <a:headEnd type="none" w="med" len="med"/>
+                      <a:tailEnd type="none" w="med" len="med"/>
+                    </a:lnL>
+                    <a:lnR w="57150" cap="flat" cmpd="sng" algn="ctr">
+                      <a:solidFill>
+                        <a:schemeClr val="bg1"/>
+                      </a:solidFill>
+                      <a:prstDash val="solid"/>
+                      <a:round/>
+                      <a:headEnd type="none" w="med" len="med"/>
+                      <a:tailEnd type="none" w="med" len="med"/>
+                    </a:lnR>
+                    <a:lnT w="57150" cap="flat" cmpd="sng" algn="ctr">
+                      <a:solidFill>
+                        <a:schemeClr val="bg1"/>
+                      </a:solidFill>
+                      <a:prstDash val="solid"/>
+                      <a:round/>
+                      <a:headEnd type="none" w="med" len="med"/>
+                      <a:tailEnd type="none" w="med" len="med"/>
+                    </a:lnT>
+                    <a:lnB w="57150" cap="flat" cmpd="sng" algn="ctr">
+                      <a:solidFill>
+                        <a:schemeClr val="bg1"/>
+                      </a:solidFill>
+                      <a:prstDash val="solid"/>
+                      <a:round/>
+                      <a:headEnd type="none" w="med" len="med"/>
+                      <a:tailEnd type="none" w="med" len="med"/>
+                    </a:lnB>
+                    <a:solidFill>
+                      <a:schemeClr val="tx1"/>
+                    </a:solidFill>
                   </a:tcPr>
                 </a:tc>
                 <a:tc>
@@ -5896,6 +3324,9 @@
                       <a:headEnd type="none" w="med" len="med"/>
                       <a:tailEnd type="none" w="med" len="med"/>
                     </a:lnB>
+                    <a:solidFill>
+                      <a:schemeClr val="tx1"/>
+                    </a:solidFill>
                   </a:tcPr>
                 </a:tc>
                 <a:tc>
@@ -5943,6 +3374,9 @@
                       <a:headEnd type="none" w="med" len="med"/>
                       <a:tailEnd type="none" w="med" len="med"/>
                     </a:lnB>
+                    <a:solidFill>
+                      <a:schemeClr val="tx1"/>
+                    </a:solidFill>
                   </a:tcPr>
                 </a:tc>
                 <a:tc>
@@ -5990,6 +3424,9 @@
                       <a:headEnd type="none" w="med" len="med"/>
                       <a:tailEnd type="none" w="med" len="med"/>
                     </a:lnB>
+                    <a:solidFill>
+                      <a:schemeClr val="tx1"/>
+                    </a:solidFill>
                   </a:tcPr>
                 </a:tc>
                 <a:tc>
@@ -6037,53 +3474,9 @@
                       <a:headEnd type="none" w="med" len="med"/>
                       <a:tailEnd type="none" w="med" len="med"/>
                     </a:lnB>
-                  </a:tcPr>
-                </a:tc>
-                <a:tc>
-                  <a:txBody>
-                    <a:bodyPr/>
-                    <a:lstStyle/>
-                    <a:p>
-                      <a:endParaRPr lang="en-US"/>
-                    </a:p>
-                  </a:txBody>
-                  <a:tcPr>
-                    <a:lnL w="57150" cap="flat" cmpd="sng" algn="ctr">
-                      <a:solidFill>
-                        <a:schemeClr val="bg1"/>
-                      </a:solidFill>
-                      <a:prstDash val="solid"/>
-                      <a:round/>
-                      <a:headEnd type="none" w="med" len="med"/>
-                      <a:tailEnd type="none" w="med" len="med"/>
-                    </a:lnL>
-                    <a:lnR w="57150" cap="flat" cmpd="sng" algn="ctr">
-                      <a:solidFill>
-                        <a:schemeClr val="bg1"/>
-                      </a:solidFill>
-                      <a:prstDash val="solid"/>
-                      <a:round/>
-                      <a:headEnd type="none" w="med" len="med"/>
-                      <a:tailEnd type="none" w="med" len="med"/>
-                    </a:lnR>
-                    <a:lnT w="57150" cap="flat" cmpd="sng" algn="ctr">
-                      <a:solidFill>
-                        <a:schemeClr val="bg1"/>
-                      </a:solidFill>
-                      <a:prstDash val="solid"/>
-                      <a:round/>
-                      <a:headEnd type="none" w="med" len="med"/>
-                      <a:tailEnd type="none" w="med" len="med"/>
-                    </a:lnT>
-                    <a:lnB w="57150" cap="flat" cmpd="sng" algn="ctr">
-                      <a:solidFill>
-                        <a:schemeClr val="bg1"/>
-                      </a:solidFill>
-                      <a:prstDash val="solid"/>
-                      <a:round/>
-                      <a:headEnd type="none" w="med" len="med"/>
-                      <a:tailEnd type="none" w="med" len="med"/>
-                    </a:lnB>
+                    <a:solidFill>
+                      <a:schemeClr val="tx1"/>
+                    </a:solidFill>
                   </a:tcPr>
                 </a:tc>
               </a:tr>
@@ -6133,6 +3526,9 @@
                       <a:headEnd type="none" w="med" len="med"/>
                       <a:tailEnd type="none" w="med" len="med"/>
                     </a:lnB>
+                    <a:solidFill>
+                      <a:schemeClr val="tx1"/>
+                    </a:solidFill>
                   </a:tcPr>
                 </a:tc>
                 <a:tc>
@@ -6180,6 +3576,9 @@
                       <a:headEnd type="none" w="med" len="med"/>
                       <a:tailEnd type="none" w="med" len="med"/>
                     </a:lnB>
+                    <a:solidFill>
+                      <a:schemeClr val="tx1"/>
+                    </a:solidFill>
                   </a:tcPr>
                 </a:tc>
                 <a:tc>
@@ -6227,6 +3626,9 @@
                       <a:headEnd type="none" w="med" len="med"/>
                       <a:tailEnd type="none" w="med" len="med"/>
                     </a:lnB>
+                    <a:solidFill>
+                      <a:schemeClr val="tx1"/>
+                    </a:solidFill>
                   </a:tcPr>
                 </a:tc>
                 <a:tc>
@@ -6274,6 +3676,9 @@
                       <a:headEnd type="none" w="med" len="med"/>
                       <a:tailEnd type="none" w="med" len="med"/>
                     </a:lnB>
+                    <a:solidFill>
+                      <a:schemeClr val="tx1"/>
+                    </a:solidFill>
                   </a:tcPr>
                 </a:tc>
                 <a:tc>
@@ -6321,6 +3726,9 @@
                       <a:headEnd type="none" w="med" len="med"/>
                       <a:tailEnd type="none" w="med" len="med"/>
                     </a:lnB>
+                    <a:solidFill>
+                      <a:schemeClr val="tx1"/>
+                    </a:solidFill>
                   </a:tcPr>
                 </a:tc>
                 <a:tc>
@@ -6368,6 +3776,9 @@
                       <a:headEnd type="none" w="med" len="med"/>
                       <a:tailEnd type="none" w="med" len="med"/>
                     </a:lnB>
+                    <a:solidFill>
+                      <a:schemeClr val="tx1"/>
+                    </a:solidFill>
                   </a:tcPr>
                 </a:tc>
                 <a:tc>
@@ -6415,6 +3826,9 @@
                       <a:headEnd type="none" w="med" len="med"/>
                       <a:tailEnd type="none" w="med" len="med"/>
                     </a:lnB>
+                    <a:solidFill>
+                      <a:schemeClr val="tx1"/>
+                    </a:solidFill>
                   </a:tcPr>
                 </a:tc>
               </a:tr>
@@ -6464,6 +3878,9 @@
                       <a:headEnd type="none" w="med" len="med"/>
                       <a:tailEnd type="none" w="med" len="med"/>
                     </a:lnB>
+                    <a:solidFill>
+                      <a:schemeClr val="tx1"/>
+                    </a:solidFill>
                   </a:tcPr>
                 </a:tc>
                 <a:tc>
@@ -6511,6 +3928,9 @@
                       <a:headEnd type="none" w="med" len="med"/>
                       <a:tailEnd type="none" w="med" len="med"/>
                     </a:lnB>
+                    <a:solidFill>
+                      <a:schemeClr val="tx1"/>
+                    </a:solidFill>
                   </a:tcPr>
                 </a:tc>
                 <a:tc>
@@ -6558,6 +3978,59 @@
                       <a:headEnd type="none" w="med" len="med"/>
                       <a:tailEnd type="none" w="med" len="med"/>
                     </a:lnB>
+                    <a:solidFill>
+                      <a:schemeClr val="tx1"/>
+                    </a:solidFill>
+                  </a:tcPr>
+                </a:tc>
+                <a:tc>
+                  <a:txBody>
+                    <a:bodyPr/>
+                    <a:lstStyle/>
+                    <a:p>
+                      <a:endParaRPr lang="en-US" dirty="0"/>
+                    </a:p>
+                  </a:txBody>
+                  <a:tcPr>
+                    <a:lnL w="57150" cap="flat" cmpd="sng" algn="ctr">
+                      <a:solidFill>
+                        <a:schemeClr val="bg1"/>
+                      </a:solidFill>
+                      <a:prstDash val="solid"/>
+                      <a:round/>
+                      <a:headEnd type="none" w="med" len="med"/>
+                      <a:tailEnd type="none" w="med" len="med"/>
+                    </a:lnL>
+                    <a:lnR w="57150" cap="flat" cmpd="sng" algn="ctr">
+                      <a:solidFill>
+                        <a:schemeClr val="bg1"/>
+                      </a:solidFill>
+                      <a:prstDash val="solid"/>
+                      <a:round/>
+                      <a:headEnd type="none" w="med" len="med"/>
+                      <a:tailEnd type="none" w="med" len="med"/>
+                    </a:lnR>
+                    <a:lnT w="57150" cap="flat" cmpd="sng" algn="ctr">
+                      <a:solidFill>
+                        <a:schemeClr val="bg1"/>
+                      </a:solidFill>
+                      <a:prstDash val="solid"/>
+                      <a:round/>
+                      <a:headEnd type="none" w="med" len="med"/>
+                      <a:tailEnd type="none" w="med" len="med"/>
+                    </a:lnT>
+                    <a:lnB w="57150" cap="flat" cmpd="sng" algn="ctr">
+                      <a:solidFill>
+                        <a:schemeClr val="bg1"/>
+                      </a:solidFill>
+                      <a:prstDash val="solid"/>
+                      <a:round/>
+                      <a:headEnd type="none" w="med" len="med"/>
+                      <a:tailEnd type="none" w="med" len="med"/>
+                    </a:lnB>
+                    <a:solidFill>
+                      <a:schemeClr val="tx1"/>
+                    </a:solidFill>
                   </a:tcPr>
                 </a:tc>
                 <a:tc>
@@ -6605,6 +4078,9 @@
                       <a:headEnd type="none" w="med" len="med"/>
                       <a:tailEnd type="none" w="med" len="med"/>
                     </a:lnB>
+                    <a:solidFill>
+                      <a:schemeClr val="tx1"/>
+                    </a:solidFill>
                   </a:tcPr>
                 </a:tc>
                 <a:tc>
@@ -6652,6 +4128,9 @@
                       <a:headEnd type="none" w="med" len="med"/>
                       <a:tailEnd type="none" w="med" len="med"/>
                     </a:lnB>
+                    <a:solidFill>
+                      <a:schemeClr val="tx1"/>
+                    </a:solidFill>
                   </a:tcPr>
                 </a:tc>
                 <a:tc>
@@ -6699,53 +4178,9 @@
                       <a:headEnd type="none" w="med" len="med"/>
                       <a:tailEnd type="none" w="med" len="med"/>
                     </a:lnB>
-                  </a:tcPr>
-                </a:tc>
-                <a:tc>
-                  <a:txBody>
-                    <a:bodyPr/>
-                    <a:lstStyle/>
-                    <a:p>
-                      <a:endParaRPr lang="en-US"/>
-                    </a:p>
-                  </a:txBody>
-                  <a:tcPr>
-                    <a:lnL w="57150" cap="flat" cmpd="sng" algn="ctr">
-                      <a:solidFill>
-                        <a:schemeClr val="bg1"/>
-                      </a:solidFill>
-                      <a:prstDash val="solid"/>
-                      <a:round/>
-                      <a:headEnd type="none" w="med" len="med"/>
-                      <a:tailEnd type="none" w="med" len="med"/>
-                    </a:lnL>
-                    <a:lnR w="57150" cap="flat" cmpd="sng" algn="ctr">
-                      <a:solidFill>
-                        <a:schemeClr val="bg1"/>
-                      </a:solidFill>
-                      <a:prstDash val="solid"/>
-                      <a:round/>
-                      <a:headEnd type="none" w="med" len="med"/>
-                      <a:tailEnd type="none" w="med" len="med"/>
-                    </a:lnR>
-                    <a:lnT w="57150" cap="flat" cmpd="sng" algn="ctr">
-                      <a:solidFill>
-                        <a:schemeClr val="bg1"/>
-                      </a:solidFill>
-                      <a:prstDash val="solid"/>
-                      <a:round/>
-                      <a:headEnd type="none" w="med" len="med"/>
-                      <a:tailEnd type="none" w="med" len="med"/>
-                    </a:lnT>
-                    <a:lnB w="57150" cap="flat" cmpd="sng" algn="ctr">
-                      <a:solidFill>
-                        <a:schemeClr val="bg1"/>
-                      </a:solidFill>
-                      <a:prstDash val="solid"/>
-                      <a:round/>
-                      <a:headEnd type="none" w="med" len="med"/>
-                      <a:tailEnd type="none" w="med" len="med"/>
-                    </a:lnB>
+                    <a:solidFill>
+                      <a:schemeClr val="tx1"/>
+                    </a:solidFill>
                   </a:tcPr>
                 </a:tc>
               </a:tr>
@@ -6795,6 +4230,9 @@
                       <a:headEnd type="none" w="med" len="med"/>
                       <a:tailEnd type="none" w="med" len="med"/>
                     </a:lnB>
+                    <a:solidFill>
+                      <a:schemeClr val="tx1"/>
+                    </a:solidFill>
                   </a:tcPr>
                 </a:tc>
                 <a:tc>
@@ -6842,6 +4280,159 @@
                       <a:headEnd type="none" w="med" len="med"/>
                       <a:tailEnd type="none" w="med" len="med"/>
                     </a:lnB>
+                    <a:solidFill>
+                      <a:schemeClr val="tx1"/>
+                    </a:solidFill>
+                  </a:tcPr>
+                </a:tc>
+                <a:tc>
+                  <a:txBody>
+                    <a:bodyPr/>
+                    <a:lstStyle/>
+                    <a:p>
+                      <a:endParaRPr lang="en-US" dirty="0"/>
+                    </a:p>
+                  </a:txBody>
+                  <a:tcPr>
+                    <a:lnL w="57150" cap="flat" cmpd="sng" algn="ctr">
+                      <a:solidFill>
+                        <a:schemeClr val="bg1"/>
+                      </a:solidFill>
+                      <a:prstDash val="solid"/>
+                      <a:round/>
+                      <a:headEnd type="none" w="med" len="med"/>
+                      <a:tailEnd type="none" w="med" len="med"/>
+                    </a:lnL>
+                    <a:lnR w="57150" cap="flat" cmpd="sng" algn="ctr">
+                      <a:solidFill>
+                        <a:schemeClr val="bg1"/>
+                      </a:solidFill>
+                      <a:prstDash val="solid"/>
+                      <a:round/>
+                      <a:headEnd type="none" w="med" len="med"/>
+                      <a:tailEnd type="none" w="med" len="med"/>
+                    </a:lnR>
+                    <a:lnT w="57150" cap="flat" cmpd="sng" algn="ctr">
+                      <a:solidFill>
+                        <a:schemeClr val="bg1"/>
+                      </a:solidFill>
+                      <a:prstDash val="solid"/>
+                      <a:round/>
+                      <a:headEnd type="none" w="med" len="med"/>
+                      <a:tailEnd type="none" w="med" len="med"/>
+                    </a:lnT>
+                    <a:lnB w="57150" cap="flat" cmpd="sng" algn="ctr">
+                      <a:solidFill>
+                        <a:schemeClr val="bg1"/>
+                      </a:solidFill>
+                      <a:prstDash val="solid"/>
+                      <a:round/>
+                      <a:headEnd type="none" w="med" len="med"/>
+                      <a:tailEnd type="none" w="med" len="med"/>
+                    </a:lnB>
+                    <a:solidFill>
+                      <a:schemeClr val="tx1"/>
+                    </a:solidFill>
+                  </a:tcPr>
+                </a:tc>
+                <a:tc>
+                  <a:txBody>
+                    <a:bodyPr/>
+                    <a:lstStyle/>
+                    <a:p>
+                      <a:endParaRPr lang="en-US" dirty="0"/>
+                    </a:p>
+                  </a:txBody>
+                  <a:tcPr>
+                    <a:lnL w="57150" cap="flat" cmpd="sng" algn="ctr">
+                      <a:solidFill>
+                        <a:schemeClr val="bg1"/>
+                      </a:solidFill>
+                      <a:prstDash val="solid"/>
+                      <a:round/>
+                      <a:headEnd type="none" w="med" len="med"/>
+                      <a:tailEnd type="none" w="med" len="med"/>
+                    </a:lnL>
+                    <a:lnR w="57150" cap="flat" cmpd="sng" algn="ctr">
+                      <a:solidFill>
+                        <a:schemeClr val="bg1"/>
+                      </a:solidFill>
+                      <a:prstDash val="solid"/>
+                      <a:round/>
+                      <a:headEnd type="none" w="med" len="med"/>
+                      <a:tailEnd type="none" w="med" len="med"/>
+                    </a:lnR>
+                    <a:lnT w="57150" cap="flat" cmpd="sng" algn="ctr">
+                      <a:solidFill>
+                        <a:schemeClr val="bg1"/>
+                      </a:solidFill>
+                      <a:prstDash val="solid"/>
+                      <a:round/>
+                      <a:headEnd type="none" w="med" len="med"/>
+                      <a:tailEnd type="none" w="med" len="med"/>
+                    </a:lnT>
+                    <a:lnB w="57150" cap="flat" cmpd="sng" algn="ctr">
+                      <a:solidFill>
+                        <a:schemeClr val="bg1"/>
+                      </a:solidFill>
+                      <a:prstDash val="solid"/>
+                      <a:round/>
+                      <a:headEnd type="none" w="med" len="med"/>
+                      <a:tailEnd type="none" w="med" len="med"/>
+                    </a:lnB>
+                    <a:solidFill>
+                      <a:schemeClr val="tx1"/>
+                    </a:solidFill>
+                  </a:tcPr>
+                </a:tc>
+                <a:tc>
+                  <a:txBody>
+                    <a:bodyPr/>
+                    <a:lstStyle/>
+                    <a:p>
+                      <a:endParaRPr lang="en-US" dirty="0"/>
+                    </a:p>
+                  </a:txBody>
+                  <a:tcPr>
+                    <a:lnL w="57150" cap="flat" cmpd="sng" algn="ctr">
+                      <a:solidFill>
+                        <a:schemeClr val="bg1"/>
+                      </a:solidFill>
+                      <a:prstDash val="solid"/>
+                      <a:round/>
+                      <a:headEnd type="none" w="med" len="med"/>
+                      <a:tailEnd type="none" w="med" len="med"/>
+                    </a:lnL>
+                    <a:lnR w="57150" cap="flat" cmpd="sng" algn="ctr">
+                      <a:solidFill>
+                        <a:schemeClr val="bg1"/>
+                      </a:solidFill>
+                      <a:prstDash val="solid"/>
+                      <a:round/>
+                      <a:headEnd type="none" w="med" len="med"/>
+                      <a:tailEnd type="none" w="med" len="med"/>
+                    </a:lnR>
+                    <a:lnT w="57150" cap="flat" cmpd="sng" algn="ctr">
+                      <a:solidFill>
+                        <a:schemeClr val="bg1"/>
+                      </a:solidFill>
+                      <a:prstDash val="solid"/>
+                      <a:round/>
+                      <a:headEnd type="none" w="med" len="med"/>
+                      <a:tailEnd type="none" w="med" len="med"/>
+                    </a:lnT>
+                    <a:lnB w="57150" cap="flat" cmpd="sng" algn="ctr">
+                      <a:solidFill>
+                        <a:schemeClr val="bg1"/>
+                      </a:solidFill>
+                      <a:prstDash val="solid"/>
+                      <a:round/>
+                      <a:headEnd type="none" w="med" len="med"/>
+                      <a:tailEnd type="none" w="med" len="med"/>
+                    </a:lnB>
+                    <a:solidFill>
+                      <a:schemeClr val="tx1"/>
+                    </a:solidFill>
                   </a:tcPr>
                 </a:tc>
                 <a:tc>
@@ -6889,147 +4480,9 @@
                       <a:headEnd type="none" w="med" len="med"/>
                       <a:tailEnd type="none" w="med" len="med"/>
                     </a:lnB>
-                  </a:tcPr>
-                </a:tc>
-                <a:tc>
-                  <a:txBody>
-                    <a:bodyPr/>
-                    <a:lstStyle/>
-                    <a:p>
-                      <a:endParaRPr lang="en-US"/>
-                    </a:p>
-                  </a:txBody>
-                  <a:tcPr>
-                    <a:lnL w="57150" cap="flat" cmpd="sng" algn="ctr">
-                      <a:solidFill>
-                        <a:schemeClr val="bg1"/>
-                      </a:solidFill>
-                      <a:prstDash val="solid"/>
-                      <a:round/>
-                      <a:headEnd type="none" w="med" len="med"/>
-                      <a:tailEnd type="none" w="med" len="med"/>
-                    </a:lnL>
-                    <a:lnR w="57150" cap="flat" cmpd="sng" algn="ctr">
-                      <a:solidFill>
-                        <a:schemeClr val="bg1"/>
-                      </a:solidFill>
-                      <a:prstDash val="solid"/>
-                      <a:round/>
-                      <a:headEnd type="none" w="med" len="med"/>
-                      <a:tailEnd type="none" w="med" len="med"/>
-                    </a:lnR>
-                    <a:lnT w="57150" cap="flat" cmpd="sng" algn="ctr">
-                      <a:solidFill>
-                        <a:schemeClr val="bg1"/>
-                      </a:solidFill>
-                      <a:prstDash val="solid"/>
-                      <a:round/>
-                      <a:headEnd type="none" w="med" len="med"/>
-                      <a:tailEnd type="none" w="med" len="med"/>
-                    </a:lnT>
-                    <a:lnB w="57150" cap="flat" cmpd="sng" algn="ctr">
-                      <a:solidFill>
-                        <a:schemeClr val="bg1"/>
-                      </a:solidFill>
-                      <a:prstDash val="solid"/>
-                      <a:round/>
-                      <a:headEnd type="none" w="med" len="med"/>
-                      <a:tailEnd type="none" w="med" len="med"/>
-                    </a:lnB>
-                  </a:tcPr>
-                </a:tc>
-                <a:tc>
-                  <a:txBody>
-                    <a:bodyPr/>
-                    <a:lstStyle/>
-                    <a:p>
-                      <a:endParaRPr lang="en-US"/>
-                    </a:p>
-                  </a:txBody>
-                  <a:tcPr>
-                    <a:lnL w="57150" cap="flat" cmpd="sng" algn="ctr">
-                      <a:solidFill>
-                        <a:schemeClr val="bg1"/>
-                      </a:solidFill>
-                      <a:prstDash val="solid"/>
-                      <a:round/>
-                      <a:headEnd type="none" w="med" len="med"/>
-                      <a:tailEnd type="none" w="med" len="med"/>
-                    </a:lnL>
-                    <a:lnR w="57150" cap="flat" cmpd="sng" algn="ctr">
-                      <a:solidFill>
-                        <a:schemeClr val="bg1"/>
-                      </a:solidFill>
-                      <a:prstDash val="solid"/>
-                      <a:round/>
-                      <a:headEnd type="none" w="med" len="med"/>
-                      <a:tailEnd type="none" w="med" len="med"/>
-                    </a:lnR>
-                    <a:lnT w="57150" cap="flat" cmpd="sng" algn="ctr">
-                      <a:solidFill>
-                        <a:schemeClr val="bg1"/>
-                      </a:solidFill>
-                      <a:prstDash val="solid"/>
-                      <a:round/>
-                      <a:headEnd type="none" w="med" len="med"/>
-                      <a:tailEnd type="none" w="med" len="med"/>
-                    </a:lnT>
-                    <a:lnB w="57150" cap="flat" cmpd="sng" algn="ctr">
-                      <a:solidFill>
-                        <a:schemeClr val="bg1"/>
-                      </a:solidFill>
-                      <a:prstDash val="solid"/>
-                      <a:round/>
-                      <a:headEnd type="none" w="med" len="med"/>
-                      <a:tailEnd type="none" w="med" len="med"/>
-                    </a:lnB>
-                  </a:tcPr>
-                </a:tc>
-                <a:tc>
-                  <a:txBody>
-                    <a:bodyPr/>
-                    <a:lstStyle/>
-                    <a:p>
-                      <a:endParaRPr lang="en-US"/>
-                    </a:p>
-                  </a:txBody>
-                  <a:tcPr>
-                    <a:lnL w="57150" cap="flat" cmpd="sng" algn="ctr">
-                      <a:solidFill>
-                        <a:schemeClr val="bg1"/>
-                      </a:solidFill>
-                      <a:prstDash val="solid"/>
-                      <a:round/>
-                      <a:headEnd type="none" w="med" len="med"/>
-                      <a:tailEnd type="none" w="med" len="med"/>
-                    </a:lnL>
-                    <a:lnR w="57150" cap="flat" cmpd="sng" algn="ctr">
-                      <a:solidFill>
-                        <a:schemeClr val="bg1"/>
-                      </a:solidFill>
-                      <a:prstDash val="solid"/>
-                      <a:round/>
-                      <a:headEnd type="none" w="med" len="med"/>
-                      <a:tailEnd type="none" w="med" len="med"/>
-                    </a:lnR>
-                    <a:lnT w="57150" cap="flat" cmpd="sng" algn="ctr">
-                      <a:solidFill>
-                        <a:schemeClr val="bg1"/>
-                      </a:solidFill>
-                      <a:prstDash val="solid"/>
-                      <a:round/>
-                      <a:headEnd type="none" w="med" len="med"/>
-                      <a:tailEnd type="none" w="med" len="med"/>
-                    </a:lnT>
-                    <a:lnB w="57150" cap="flat" cmpd="sng" algn="ctr">
-                      <a:solidFill>
-                        <a:schemeClr val="bg1"/>
-                      </a:solidFill>
-                      <a:prstDash val="solid"/>
-                      <a:round/>
-                      <a:headEnd type="none" w="med" len="med"/>
-                      <a:tailEnd type="none" w="med" len="med"/>
-                    </a:lnB>
+                    <a:solidFill>
+                      <a:schemeClr val="tx1"/>
+                    </a:solidFill>
                   </a:tcPr>
                 </a:tc>
                 <a:tc>
@@ -7077,6 +4530,9 @@
                       <a:headEnd type="none" w="med" len="med"/>
                       <a:tailEnd type="none" w="med" len="med"/>
                     </a:lnB>
+                    <a:solidFill>
+                      <a:schemeClr val="tx1"/>
+                    </a:solidFill>
                   </a:tcPr>
                 </a:tc>
               </a:tr>
@@ -7084,16 +4540,2544 @@
           </a:graphicData>
         </a:graphic>
       </p:graphicFrame>
+      <p:sp>
+        <p:nvSpPr>
+          <p:cNvPr id="88" name="Octagon 87"/>
+          <p:cNvSpPr/>
+          <p:nvPr/>
+        </p:nvSpPr>
+        <p:spPr>
+          <a:xfrm>
+            <a:off x="109747" y="1379699"/>
+            <a:ext cx="1121882" cy="1121881"/>
+          </a:xfrm>
+          <a:prstGeom prst="octagon">
+            <a:avLst/>
+          </a:prstGeom>
+          <a:ln w="9525"/>
+          <a:effectLst/>
+          <a:scene3d>
+            <a:camera prst="orthographicFront"/>
+            <a:lightRig rig="threePt" dir="t"/>
+          </a:scene3d>
+          <a:sp3d>
+            <a:bevelT prst="angle"/>
+          </a:sp3d>
+        </p:spPr>
+        <p:style>
+          <a:lnRef idx="1">
+            <a:schemeClr val="accent3"/>
+          </a:lnRef>
+          <a:fillRef idx="2">
+            <a:schemeClr val="accent3"/>
+          </a:fillRef>
+          <a:effectRef idx="1">
+            <a:schemeClr val="accent3"/>
+          </a:effectRef>
+          <a:fontRef idx="minor">
+            <a:schemeClr val="dk1"/>
+          </a:fontRef>
+        </p:style>
+        <p:txBody>
+          <a:bodyPr rtlCol="0" anchor="ctr"/>
+          <a:lstStyle/>
+          <a:p>
+            <a:pPr algn="ctr"/>
+            <a:endParaRPr lang="en-US"/>
+          </a:p>
+        </p:txBody>
+      </p:sp>
+      <p:sp>
+        <p:nvSpPr>
+          <p:cNvPr id="89" name="Octagon 88"/>
+          <p:cNvSpPr/>
+          <p:nvPr/>
+        </p:nvSpPr>
+        <p:spPr>
+          <a:xfrm>
+            <a:off x="1379276" y="1379699"/>
+            <a:ext cx="1121882" cy="1127512"/>
+          </a:xfrm>
+          <a:prstGeom prst="octagon">
+            <a:avLst/>
+          </a:prstGeom>
+          <a:gradFill>
+            <a:gsLst>
+              <a:gs pos="37000">
+                <a:srgbClr val="41A575"/>
+              </a:gs>
+              <a:gs pos="0">
+                <a:srgbClr val="3F9D73">
+                  <a:lumMod val="82000"/>
+                </a:srgbClr>
+              </a:gs>
+              <a:gs pos="100000">
+                <a:srgbClr val="71C5A3"/>
+              </a:gs>
+            </a:gsLst>
+          </a:gradFill>
+          <a:ln w="9525">
+            <a:solidFill>
+              <a:srgbClr val="357B6A"/>
+            </a:solidFill>
+          </a:ln>
+          <a:effectLst/>
+          <a:scene3d>
+            <a:camera prst="orthographicFront"/>
+            <a:lightRig rig="threePt" dir="t"/>
+          </a:scene3d>
+          <a:sp3d>
+            <a:bevelT prst="angle"/>
+          </a:sp3d>
+        </p:spPr>
+        <p:style>
+          <a:lnRef idx="1">
+            <a:schemeClr val="accent3"/>
+          </a:lnRef>
+          <a:fillRef idx="2">
+            <a:schemeClr val="accent3"/>
+          </a:fillRef>
+          <a:effectRef idx="1">
+            <a:schemeClr val="accent3"/>
+          </a:effectRef>
+          <a:fontRef idx="minor">
+            <a:schemeClr val="dk1"/>
+          </a:fontRef>
+        </p:style>
+        <p:txBody>
+          <a:bodyPr rtlCol="0" anchor="ctr"/>
+          <a:lstStyle/>
+          <a:p>
+            <a:pPr algn="ctr"/>
+            <a:endParaRPr lang="en-US"/>
+          </a:p>
+        </p:txBody>
+      </p:sp>
+      <p:sp>
+        <p:nvSpPr>
+          <p:cNvPr id="90" name="Octagon 89"/>
+          <p:cNvSpPr/>
+          <p:nvPr/>
+        </p:nvSpPr>
+        <p:spPr>
+          <a:xfrm>
+            <a:off x="2648805" y="1379699"/>
+            <a:ext cx="1121882" cy="1121881"/>
+          </a:xfrm>
+          <a:prstGeom prst="octagon">
+            <a:avLst/>
+          </a:prstGeom>
+          <a:gradFill>
+            <a:gsLst>
+              <a:gs pos="0">
+                <a:srgbClr val="A1D7FF">
+                  <a:lumMod val="88000"/>
+                </a:srgbClr>
+              </a:gs>
+              <a:gs pos="35000">
+                <a:srgbClr val="A1D7FF"/>
+              </a:gs>
+              <a:gs pos="100000">
+                <a:srgbClr val="A1D7FF">
+                  <a:lumMod val="38000"/>
+                  <a:lumOff val="62000"/>
+                </a:srgbClr>
+              </a:gs>
+            </a:gsLst>
+          </a:gradFill>
+          <a:ln w="9525"/>
+          <a:effectLst/>
+          <a:scene3d>
+            <a:camera prst="orthographicFront"/>
+            <a:lightRig rig="threePt" dir="t"/>
+          </a:scene3d>
+          <a:sp3d>
+            <a:bevelT prst="angle"/>
+          </a:sp3d>
+        </p:spPr>
+        <p:style>
+          <a:lnRef idx="1">
+            <a:schemeClr val="accent5"/>
+          </a:lnRef>
+          <a:fillRef idx="2">
+            <a:schemeClr val="accent5"/>
+          </a:fillRef>
+          <a:effectRef idx="1">
+            <a:schemeClr val="accent5"/>
+          </a:effectRef>
+          <a:fontRef idx="minor">
+            <a:schemeClr val="dk1"/>
+          </a:fontRef>
+        </p:style>
+        <p:txBody>
+          <a:bodyPr rtlCol="0" anchor="ctr"/>
+          <a:lstStyle/>
+          <a:p>
+            <a:pPr algn="ctr"/>
+            <a:endParaRPr lang="en-US"/>
+          </a:p>
+        </p:txBody>
+      </p:sp>
+      <p:sp>
+        <p:nvSpPr>
+          <p:cNvPr id="91" name="Octagon 90"/>
+          <p:cNvSpPr/>
+          <p:nvPr/>
+        </p:nvSpPr>
+        <p:spPr>
+          <a:xfrm>
+            <a:off x="3918334" y="1379699"/>
+            <a:ext cx="1121882" cy="1121881"/>
+          </a:xfrm>
+          <a:prstGeom prst="octagon">
+            <a:avLst/>
+          </a:prstGeom>
+          <a:gradFill>
+            <a:gsLst>
+              <a:gs pos="0">
+                <a:srgbClr val="F7E38D">
+                  <a:lumMod val="92000"/>
+                </a:srgbClr>
+              </a:gs>
+              <a:gs pos="36000">
+                <a:srgbClr val="F8E48F">
+                  <a:lumMod val="96000"/>
+                  <a:lumOff val="4000"/>
+                </a:srgbClr>
+              </a:gs>
+              <a:gs pos="100000">
+                <a:srgbClr val="F8E490">
+                  <a:lumMod val="66000"/>
+                  <a:lumOff val="34000"/>
+                </a:srgbClr>
+              </a:gs>
+            </a:gsLst>
+          </a:gradFill>
+          <a:ln w="9525">
+            <a:solidFill>
+              <a:srgbClr val="F5DA67"/>
+            </a:solidFill>
+          </a:ln>
+          <a:effectLst/>
+          <a:scene3d>
+            <a:camera prst="orthographicFront"/>
+            <a:lightRig rig="threePt" dir="t"/>
+          </a:scene3d>
+          <a:sp3d>
+            <a:bevelT prst="angle"/>
+          </a:sp3d>
+        </p:spPr>
+        <p:style>
+          <a:lnRef idx="1">
+            <a:schemeClr val="accent6"/>
+          </a:lnRef>
+          <a:fillRef idx="2">
+            <a:schemeClr val="accent6"/>
+          </a:fillRef>
+          <a:effectRef idx="1">
+            <a:schemeClr val="accent6"/>
+          </a:effectRef>
+          <a:fontRef idx="minor">
+            <a:schemeClr val="dk1"/>
+          </a:fontRef>
+        </p:style>
+        <p:txBody>
+          <a:bodyPr rtlCol="0" anchor="ctr"/>
+          <a:lstStyle/>
+          <a:p>
+            <a:pPr algn="ctr"/>
+            <a:endParaRPr lang="en-US"/>
+          </a:p>
+        </p:txBody>
+      </p:sp>
+      <p:sp>
+        <p:nvSpPr>
+          <p:cNvPr id="92" name="Octagon 91"/>
+          <p:cNvSpPr/>
+          <p:nvPr/>
+        </p:nvSpPr>
+        <p:spPr>
+          <a:xfrm>
+            <a:off x="5187863" y="1385330"/>
+            <a:ext cx="1121882" cy="1121881"/>
+          </a:xfrm>
+          <a:prstGeom prst="octagon">
+            <a:avLst/>
+          </a:prstGeom>
+          <a:gradFill>
+            <a:gsLst>
+              <a:gs pos="0">
+                <a:schemeClr val="accent1">
+                  <a:tint val="50000"/>
+                  <a:satMod val="300000"/>
+                  <a:lumMod val="86000"/>
+                </a:schemeClr>
+              </a:gs>
+              <a:gs pos="35000">
+                <a:schemeClr val="accent1">
+                  <a:tint val="37000"/>
+                  <a:satMod val="300000"/>
+                  <a:lumMod val="84000"/>
+                </a:schemeClr>
+              </a:gs>
+              <a:gs pos="100000">
+                <a:schemeClr val="accent1">
+                  <a:tint val="15000"/>
+                  <a:satMod val="350000"/>
+                  <a:lumMod val="92000"/>
+                </a:schemeClr>
+              </a:gs>
+            </a:gsLst>
+          </a:gradFill>
+          <a:ln w="9525"/>
+          <a:effectLst/>
+          <a:scene3d>
+            <a:camera prst="orthographicFront"/>
+            <a:lightRig rig="threePt" dir="t"/>
+          </a:scene3d>
+          <a:sp3d>
+            <a:bevelT prst="angle"/>
+          </a:sp3d>
+        </p:spPr>
+        <p:style>
+          <a:lnRef idx="1">
+            <a:schemeClr val="accent1"/>
+          </a:lnRef>
+          <a:fillRef idx="2">
+            <a:schemeClr val="accent1"/>
+          </a:fillRef>
+          <a:effectRef idx="1">
+            <a:schemeClr val="accent1"/>
+          </a:effectRef>
+          <a:fontRef idx="minor">
+            <a:schemeClr val="dk1"/>
+          </a:fontRef>
+        </p:style>
+        <p:txBody>
+          <a:bodyPr rtlCol="0" anchor="ctr"/>
+          <a:lstStyle/>
+          <a:p>
+            <a:pPr algn="ctr"/>
+            <a:endParaRPr lang="en-US"/>
+          </a:p>
+        </p:txBody>
+      </p:sp>
+      <p:sp>
+        <p:nvSpPr>
+          <p:cNvPr id="93" name="Octagon 92"/>
+          <p:cNvSpPr/>
+          <p:nvPr/>
+        </p:nvSpPr>
+        <p:spPr>
+          <a:xfrm>
+            <a:off x="6457392" y="1379699"/>
+            <a:ext cx="1121882" cy="1121881"/>
+          </a:xfrm>
+          <a:prstGeom prst="octagon">
+            <a:avLst/>
+          </a:prstGeom>
+          <a:gradFill>
+            <a:gsLst>
+              <a:gs pos="0">
+                <a:schemeClr val="accent6">
+                  <a:tint val="50000"/>
+                  <a:satMod val="300000"/>
+                  <a:lumMod val="85000"/>
+                </a:schemeClr>
+              </a:gs>
+              <a:gs pos="35000">
+                <a:schemeClr val="accent6">
+                  <a:tint val="37000"/>
+                  <a:satMod val="300000"/>
+                  <a:lumMod val="92000"/>
+                </a:schemeClr>
+              </a:gs>
+              <a:gs pos="100000">
+                <a:schemeClr val="accent6">
+                  <a:tint val="15000"/>
+                  <a:satMod val="350000"/>
+                  <a:lumMod val="92000"/>
+                </a:schemeClr>
+              </a:gs>
+            </a:gsLst>
+          </a:gradFill>
+          <a:ln w="9525"/>
+          <a:effectLst/>
+          <a:scene3d>
+            <a:camera prst="orthographicFront"/>
+            <a:lightRig rig="threePt" dir="t"/>
+          </a:scene3d>
+          <a:sp3d>
+            <a:bevelT prst="angle"/>
+          </a:sp3d>
+        </p:spPr>
+        <p:style>
+          <a:lnRef idx="1">
+            <a:schemeClr val="accent6"/>
+          </a:lnRef>
+          <a:fillRef idx="2">
+            <a:schemeClr val="accent6"/>
+          </a:fillRef>
+          <a:effectRef idx="1">
+            <a:schemeClr val="accent6"/>
+          </a:effectRef>
+          <a:fontRef idx="minor">
+            <a:schemeClr val="dk1"/>
+          </a:fontRef>
+        </p:style>
+        <p:txBody>
+          <a:bodyPr rtlCol="0" anchor="ctr"/>
+          <a:lstStyle/>
+          <a:p>
+            <a:pPr algn="ctr"/>
+            <a:endParaRPr lang="en-US"/>
+          </a:p>
+        </p:txBody>
+      </p:sp>
+      <p:sp>
+        <p:nvSpPr>
+          <p:cNvPr id="94" name="Octagon 93"/>
+          <p:cNvSpPr/>
+          <p:nvPr/>
+        </p:nvSpPr>
+        <p:spPr>
+          <a:xfrm>
+            <a:off x="7726920" y="1379699"/>
+            <a:ext cx="1121882" cy="1121881"/>
+          </a:xfrm>
+          <a:prstGeom prst="octagon">
+            <a:avLst/>
+          </a:prstGeom>
+          <a:gradFill>
+            <a:gsLst>
+              <a:gs pos="0">
+                <a:srgbClr val="FFFF00">
+                  <a:lumMod val="70000"/>
+                  <a:lumOff val="30000"/>
+                </a:srgbClr>
+              </a:gs>
+              <a:gs pos="44000">
+                <a:srgbClr val="FFFF00">
+                  <a:lumMod val="40000"/>
+                  <a:lumOff val="60000"/>
+                </a:srgbClr>
+              </a:gs>
+              <a:gs pos="100000">
+                <a:srgbClr val="FFFF00">
+                  <a:lumMod val="20000"/>
+                  <a:lumOff val="80000"/>
+                </a:srgbClr>
+              </a:gs>
+            </a:gsLst>
+          </a:gradFill>
+          <a:ln w="9525">
+            <a:solidFill>
+              <a:srgbClr val="FFFF00"/>
+            </a:solidFill>
+          </a:ln>
+          <a:effectLst/>
+          <a:scene3d>
+            <a:camera prst="orthographicFront"/>
+            <a:lightRig rig="threePt" dir="t"/>
+          </a:scene3d>
+          <a:sp3d>
+            <a:bevelT prst="angle"/>
+          </a:sp3d>
+        </p:spPr>
+        <p:style>
+          <a:lnRef idx="1">
+            <a:schemeClr val="accent3"/>
+          </a:lnRef>
+          <a:fillRef idx="2">
+            <a:schemeClr val="accent3"/>
+          </a:fillRef>
+          <a:effectRef idx="1">
+            <a:schemeClr val="accent3"/>
+          </a:effectRef>
+          <a:fontRef idx="minor">
+            <a:schemeClr val="dk1"/>
+          </a:fontRef>
+        </p:style>
+        <p:txBody>
+          <a:bodyPr rtlCol="0" anchor="ctr"/>
+          <a:lstStyle/>
+          <a:p>
+            <a:pPr algn="ctr"/>
+            <a:endParaRPr lang="en-US"/>
+          </a:p>
+        </p:txBody>
+      </p:sp>
+      <p:sp>
+        <p:nvSpPr>
+          <p:cNvPr id="81" name="Sun 80"/>
+          <p:cNvSpPr/>
+          <p:nvPr/>
+        </p:nvSpPr>
+        <p:spPr>
+          <a:xfrm>
+            <a:off x="113152" y="2665341"/>
+            <a:ext cx="1121882" cy="1121881"/>
+          </a:xfrm>
+          <a:prstGeom prst="sun">
+            <a:avLst>
+              <a:gd name="adj" fmla="val 12500"/>
+            </a:avLst>
+          </a:prstGeom>
+          <a:gradFill flip="none" rotWithShape="1">
+            <a:gsLst>
+              <a:gs pos="75000">
+                <a:srgbClr val="98D358">
+                  <a:lumMod val="55000"/>
+                  <a:lumOff val="45000"/>
+                </a:srgbClr>
+              </a:gs>
+              <a:gs pos="100000">
+                <a:srgbClr val="92D050">
+                  <a:lumMod val="70000"/>
+                </a:srgbClr>
+              </a:gs>
+              <a:gs pos="0">
+                <a:schemeClr val="accent3">
+                  <a:tint val="37000"/>
+                  <a:satMod val="300000"/>
+                  <a:lumMod val="34000"/>
+                  <a:lumOff val="66000"/>
+                </a:schemeClr>
+              </a:gs>
+            </a:gsLst>
+            <a:path path="circle">
+              <a:fillToRect l="50000" t="50000" r="50000" b="50000"/>
+            </a:path>
+            <a:tileRect/>
+          </a:gradFill>
+          <a:ln w="9525"/>
+          <a:effectLst/>
+          <a:scene3d>
+            <a:camera prst="orthographicFront"/>
+            <a:lightRig rig="threePt" dir="t"/>
+          </a:scene3d>
+          <a:sp3d>
+            <a:bevelT w="38100" h="38100" prst="angle"/>
+          </a:sp3d>
+        </p:spPr>
+        <p:style>
+          <a:lnRef idx="1">
+            <a:schemeClr val="accent3"/>
+          </a:lnRef>
+          <a:fillRef idx="2">
+            <a:schemeClr val="accent3"/>
+          </a:fillRef>
+          <a:effectRef idx="1">
+            <a:schemeClr val="accent3"/>
+          </a:effectRef>
+          <a:fontRef idx="minor">
+            <a:schemeClr val="dk1"/>
+          </a:fontRef>
+        </p:style>
+        <p:txBody>
+          <a:bodyPr rtlCol="0" anchor="ctr"/>
+          <a:lstStyle/>
+          <a:p>
+            <a:pPr algn="ctr"/>
+            <a:endParaRPr lang="en-US"/>
+          </a:p>
+        </p:txBody>
+      </p:sp>
+      <p:sp>
+        <p:nvSpPr>
+          <p:cNvPr id="82" name="Sun 81"/>
+          <p:cNvSpPr/>
+          <p:nvPr/>
+        </p:nvSpPr>
+        <p:spPr>
+          <a:xfrm>
+            <a:off x="1380803" y="2665341"/>
+            <a:ext cx="1121882" cy="1121881"/>
+          </a:xfrm>
+          <a:prstGeom prst="sun">
+            <a:avLst>
+              <a:gd name="adj" fmla="val 12500"/>
+            </a:avLst>
+          </a:prstGeom>
+          <a:gradFill flip="none" rotWithShape="1">
+            <a:gsLst>
+              <a:gs pos="0">
+                <a:srgbClr val="41A575">
+                  <a:lumMod val="40000"/>
+                  <a:lumOff val="60000"/>
+                </a:srgbClr>
+              </a:gs>
+              <a:gs pos="100000">
+                <a:srgbClr val="3F9D73">
+                  <a:lumMod val="56000"/>
+                </a:srgbClr>
+              </a:gs>
+              <a:gs pos="66000">
+                <a:srgbClr val="71C5A3">
+                  <a:lumMod val="72000"/>
+                </a:srgbClr>
+              </a:gs>
+            </a:gsLst>
+            <a:path path="circle">
+              <a:fillToRect l="50000" t="50000" r="50000" b="50000"/>
+            </a:path>
+            <a:tileRect/>
+          </a:gradFill>
+          <a:ln w="9525">
+            <a:solidFill>
+              <a:srgbClr val="357B6A"/>
+            </a:solidFill>
+          </a:ln>
+          <a:effectLst/>
+          <a:scene3d>
+            <a:camera prst="orthographicFront"/>
+            <a:lightRig rig="threePt" dir="t"/>
+          </a:scene3d>
+          <a:sp3d>
+            <a:bevelT w="38100" h="38100" prst="angle"/>
+          </a:sp3d>
+        </p:spPr>
+        <p:style>
+          <a:lnRef idx="1">
+            <a:schemeClr val="accent3"/>
+          </a:lnRef>
+          <a:fillRef idx="2">
+            <a:schemeClr val="accent3"/>
+          </a:fillRef>
+          <a:effectRef idx="1">
+            <a:schemeClr val="accent3"/>
+          </a:effectRef>
+          <a:fontRef idx="minor">
+            <a:schemeClr val="dk1"/>
+          </a:fontRef>
+        </p:style>
+        <p:txBody>
+          <a:bodyPr rtlCol="0" anchor="ctr"/>
+          <a:lstStyle/>
+          <a:p>
+            <a:pPr algn="ctr"/>
+            <a:endParaRPr lang="en-US"/>
+          </a:p>
+        </p:txBody>
+      </p:sp>
+      <p:sp>
+        <p:nvSpPr>
+          <p:cNvPr id="83" name="Sun 82"/>
+          <p:cNvSpPr/>
+          <p:nvPr/>
+        </p:nvSpPr>
+        <p:spPr>
+          <a:xfrm>
+            <a:off x="2648454" y="2662544"/>
+            <a:ext cx="1121882" cy="1121881"/>
+          </a:xfrm>
+          <a:prstGeom prst="sun">
+            <a:avLst>
+              <a:gd name="adj" fmla="val 12500"/>
+            </a:avLst>
+          </a:prstGeom>
+          <a:gradFill flip="none" rotWithShape="1">
+            <a:gsLst>
+              <a:gs pos="100000">
+                <a:srgbClr val="A1D7FF">
+                  <a:lumMod val="58000"/>
+                </a:srgbClr>
+              </a:gs>
+              <a:gs pos="73000">
+                <a:srgbClr val="A1D7FF">
+                  <a:lumMod val="90000"/>
+                </a:srgbClr>
+              </a:gs>
+              <a:gs pos="0">
+                <a:srgbClr val="A1D7FF">
+                  <a:lumMod val="38000"/>
+                  <a:lumOff val="62000"/>
+                </a:srgbClr>
+              </a:gs>
+            </a:gsLst>
+            <a:path path="circle">
+              <a:fillToRect l="50000" t="50000" r="50000" b="50000"/>
+            </a:path>
+            <a:tileRect/>
+          </a:gradFill>
+          <a:ln w="9525"/>
+          <a:effectLst/>
+          <a:scene3d>
+            <a:camera prst="orthographicFront"/>
+            <a:lightRig rig="threePt" dir="t"/>
+          </a:scene3d>
+          <a:sp3d>
+            <a:bevelT w="38100" h="38100" prst="angle"/>
+          </a:sp3d>
+        </p:spPr>
+        <p:style>
+          <a:lnRef idx="1">
+            <a:schemeClr val="accent5"/>
+          </a:lnRef>
+          <a:fillRef idx="2">
+            <a:schemeClr val="accent5"/>
+          </a:fillRef>
+          <a:effectRef idx="1">
+            <a:schemeClr val="accent5"/>
+          </a:effectRef>
+          <a:fontRef idx="minor">
+            <a:schemeClr val="dk1"/>
+          </a:fontRef>
+        </p:style>
+        <p:txBody>
+          <a:bodyPr rtlCol="0" anchor="ctr"/>
+          <a:lstStyle/>
+          <a:p>
+            <a:pPr algn="ctr"/>
+            <a:endParaRPr lang="en-US"/>
+          </a:p>
+        </p:txBody>
+      </p:sp>
+      <p:sp>
+        <p:nvSpPr>
+          <p:cNvPr id="84" name="Sun 83"/>
+          <p:cNvSpPr/>
+          <p:nvPr/>
+        </p:nvSpPr>
+        <p:spPr>
+          <a:xfrm>
+            <a:off x="3916105" y="2662544"/>
+            <a:ext cx="1121882" cy="1121881"/>
+          </a:xfrm>
+          <a:prstGeom prst="sun">
+            <a:avLst>
+              <a:gd name="adj" fmla="val 12500"/>
+            </a:avLst>
+          </a:prstGeom>
+          <a:gradFill flip="none" rotWithShape="1">
+            <a:gsLst>
+              <a:gs pos="100000">
+                <a:srgbClr val="F7E38D">
+                  <a:lumMod val="68000"/>
+                </a:srgbClr>
+              </a:gs>
+              <a:gs pos="69000">
+                <a:srgbClr val="F8E48F">
+                  <a:lumMod val="84000"/>
+                </a:srgbClr>
+              </a:gs>
+              <a:gs pos="0">
+                <a:srgbClr val="F8E490">
+                  <a:lumMod val="26000"/>
+                  <a:lumOff val="74000"/>
+                </a:srgbClr>
+              </a:gs>
+            </a:gsLst>
+            <a:path path="circle">
+              <a:fillToRect l="50000" t="50000" r="50000" b="50000"/>
+            </a:path>
+            <a:tileRect/>
+          </a:gradFill>
+          <a:ln w="9525">
+            <a:solidFill>
+              <a:srgbClr val="F5DA67"/>
+            </a:solidFill>
+          </a:ln>
+          <a:effectLst/>
+          <a:scene3d>
+            <a:camera prst="orthographicFront"/>
+            <a:lightRig rig="threePt" dir="t"/>
+          </a:scene3d>
+          <a:sp3d>
+            <a:bevelT w="38100" h="38100" prst="angle"/>
+          </a:sp3d>
+        </p:spPr>
+        <p:style>
+          <a:lnRef idx="1">
+            <a:schemeClr val="accent6"/>
+          </a:lnRef>
+          <a:fillRef idx="2">
+            <a:schemeClr val="accent6"/>
+          </a:fillRef>
+          <a:effectRef idx="1">
+            <a:schemeClr val="accent6"/>
+          </a:effectRef>
+          <a:fontRef idx="minor">
+            <a:schemeClr val="dk1"/>
+          </a:fontRef>
+        </p:style>
+        <p:txBody>
+          <a:bodyPr rtlCol="0" anchor="ctr"/>
+          <a:lstStyle/>
+          <a:p>
+            <a:pPr algn="ctr"/>
+            <a:endParaRPr lang="en-US"/>
+          </a:p>
+        </p:txBody>
+      </p:sp>
+      <p:sp>
+        <p:nvSpPr>
+          <p:cNvPr id="85" name="Sun 84"/>
+          <p:cNvSpPr/>
+          <p:nvPr/>
+        </p:nvSpPr>
+        <p:spPr>
+          <a:xfrm>
+            <a:off x="5183756" y="2665341"/>
+            <a:ext cx="1121882" cy="1121881"/>
+          </a:xfrm>
+          <a:prstGeom prst="sun">
+            <a:avLst>
+              <a:gd name="adj" fmla="val 12500"/>
+            </a:avLst>
+          </a:prstGeom>
+          <a:gradFill flip="none" rotWithShape="1">
+            <a:gsLst>
+              <a:gs pos="100000">
+                <a:schemeClr val="accent1">
+                  <a:tint val="50000"/>
+                  <a:satMod val="300000"/>
+                  <a:lumMod val="64000"/>
+                </a:schemeClr>
+              </a:gs>
+              <a:gs pos="75000">
+                <a:schemeClr val="accent1">
+                  <a:tint val="37000"/>
+                  <a:satMod val="300000"/>
+                  <a:lumMod val="74000"/>
+                </a:schemeClr>
+              </a:gs>
+              <a:gs pos="0">
+                <a:schemeClr val="accent1">
+                  <a:tint val="15000"/>
+                  <a:satMod val="350000"/>
+                  <a:lumMod val="40000"/>
+                  <a:lumOff val="60000"/>
+                </a:schemeClr>
+              </a:gs>
+            </a:gsLst>
+            <a:path path="circle">
+              <a:fillToRect l="50000" t="50000" r="50000" b="50000"/>
+            </a:path>
+            <a:tileRect/>
+          </a:gradFill>
+          <a:ln w="9525"/>
+          <a:effectLst/>
+          <a:scene3d>
+            <a:camera prst="orthographicFront"/>
+            <a:lightRig rig="threePt" dir="t"/>
+          </a:scene3d>
+          <a:sp3d>
+            <a:bevelT w="38100" h="38100" prst="angle"/>
+          </a:sp3d>
+        </p:spPr>
+        <p:style>
+          <a:lnRef idx="1">
+            <a:schemeClr val="accent1"/>
+          </a:lnRef>
+          <a:fillRef idx="2">
+            <a:schemeClr val="accent1"/>
+          </a:fillRef>
+          <a:effectRef idx="1">
+            <a:schemeClr val="accent1"/>
+          </a:effectRef>
+          <a:fontRef idx="minor">
+            <a:schemeClr val="dk1"/>
+          </a:fontRef>
+        </p:style>
+        <p:txBody>
+          <a:bodyPr rtlCol="0" anchor="ctr"/>
+          <a:lstStyle/>
+          <a:p>
+            <a:pPr algn="ctr"/>
+            <a:endParaRPr lang="en-US"/>
+          </a:p>
+        </p:txBody>
+      </p:sp>
+      <p:sp>
+        <p:nvSpPr>
+          <p:cNvPr id="86" name="Sun 85"/>
+          <p:cNvSpPr/>
+          <p:nvPr/>
+        </p:nvSpPr>
+        <p:spPr>
+          <a:xfrm>
+            <a:off x="6451407" y="2662544"/>
+            <a:ext cx="1121882" cy="1121881"/>
+          </a:xfrm>
+          <a:prstGeom prst="sun">
+            <a:avLst>
+              <a:gd name="adj" fmla="val 12500"/>
+            </a:avLst>
+          </a:prstGeom>
+          <a:gradFill flip="none" rotWithShape="1">
+            <a:gsLst>
+              <a:gs pos="100000">
+                <a:schemeClr val="accent6">
+                  <a:tint val="50000"/>
+                  <a:satMod val="300000"/>
+                  <a:lumMod val="43000"/>
+                </a:schemeClr>
+              </a:gs>
+              <a:gs pos="75000">
+                <a:schemeClr val="accent6">
+                  <a:tint val="37000"/>
+                  <a:satMod val="300000"/>
+                  <a:lumMod val="72000"/>
+                </a:schemeClr>
+              </a:gs>
+              <a:gs pos="0">
+                <a:schemeClr val="accent6">
+                  <a:tint val="15000"/>
+                  <a:satMod val="350000"/>
+                  <a:lumMod val="86000"/>
+                  <a:lumOff val="14000"/>
+                </a:schemeClr>
+              </a:gs>
+            </a:gsLst>
+            <a:path path="circle">
+              <a:fillToRect l="50000" t="50000" r="50000" b="50000"/>
+            </a:path>
+            <a:tileRect/>
+          </a:gradFill>
+          <a:ln w="9525"/>
+          <a:effectLst/>
+          <a:scene3d>
+            <a:camera prst="orthographicFront"/>
+            <a:lightRig rig="threePt" dir="t"/>
+          </a:scene3d>
+          <a:sp3d>
+            <a:bevelT w="38100" h="38100" prst="angle"/>
+          </a:sp3d>
+        </p:spPr>
+        <p:style>
+          <a:lnRef idx="1">
+            <a:schemeClr val="accent6"/>
+          </a:lnRef>
+          <a:fillRef idx="2">
+            <a:schemeClr val="accent6"/>
+          </a:fillRef>
+          <a:effectRef idx="1">
+            <a:schemeClr val="accent6"/>
+          </a:effectRef>
+          <a:fontRef idx="minor">
+            <a:schemeClr val="dk1"/>
+          </a:fontRef>
+        </p:style>
+        <p:txBody>
+          <a:bodyPr rtlCol="0" anchor="ctr"/>
+          <a:lstStyle/>
+          <a:p>
+            <a:pPr algn="ctr"/>
+            <a:endParaRPr lang="en-US"/>
+          </a:p>
+        </p:txBody>
+      </p:sp>
+      <p:sp>
+        <p:nvSpPr>
+          <p:cNvPr id="87" name="Sun 86"/>
+          <p:cNvSpPr/>
+          <p:nvPr/>
+        </p:nvSpPr>
+        <p:spPr>
+          <a:xfrm>
+            <a:off x="7719061" y="2662544"/>
+            <a:ext cx="1121882" cy="1121881"/>
+          </a:xfrm>
+          <a:prstGeom prst="sun">
+            <a:avLst>
+              <a:gd name="adj" fmla="val 12500"/>
+            </a:avLst>
+          </a:prstGeom>
+          <a:gradFill flip="none" rotWithShape="1">
+            <a:gsLst>
+              <a:gs pos="100000">
+                <a:srgbClr val="FFFF00">
+                  <a:lumMod val="96000"/>
+                </a:srgbClr>
+              </a:gs>
+              <a:gs pos="75000">
+                <a:srgbClr val="FFFF00">
+                  <a:lumMod val="84000"/>
+                  <a:lumOff val="16000"/>
+                </a:srgbClr>
+              </a:gs>
+              <a:gs pos="0">
+                <a:srgbClr val="FFFF00">
+                  <a:lumMod val="14000"/>
+                  <a:lumOff val="86000"/>
+                </a:srgbClr>
+              </a:gs>
+            </a:gsLst>
+            <a:path path="circle">
+              <a:fillToRect l="50000" t="50000" r="50000" b="50000"/>
+            </a:path>
+            <a:tileRect/>
+          </a:gradFill>
+          <a:ln w="9525">
+            <a:solidFill>
+              <a:srgbClr val="FFFF00"/>
+            </a:solidFill>
+          </a:ln>
+          <a:effectLst/>
+          <a:scene3d>
+            <a:camera prst="orthographicFront"/>
+            <a:lightRig rig="threePt" dir="t"/>
+          </a:scene3d>
+          <a:sp3d>
+            <a:bevelT w="38100" h="38100" prst="angle"/>
+          </a:sp3d>
+        </p:spPr>
+        <p:style>
+          <a:lnRef idx="1">
+            <a:schemeClr val="accent3"/>
+          </a:lnRef>
+          <a:fillRef idx="2">
+            <a:schemeClr val="accent3"/>
+          </a:fillRef>
+          <a:effectRef idx="1">
+            <a:schemeClr val="accent3"/>
+          </a:effectRef>
+          <a:fontRef idx="minor">
+            <a:schemeClr val="dk1"/>
+          </a:fontRef>
+        </p:style>
+        <p:txBody>
+          <a:bodyPr rtlCol="0" anchor="ctr"/>
+          <a:lstStyle/>
+          <a:p>
+            <a:pPr algn="ctr"/>
+            <a:endParaRPr lang="en-US"/>
+          </a:p>
+        </p:txBody>
+      </p:sp>
+      <p:sp>
+        <p:nvSpPr>
+          <p:cNvPr id="4" name="Rounded Rectangle 3"/>
+          <p:cNvSpPr/>
+          <p:nvPr/>
+        </p:nvSpPr>
+        <p:spPr>
+          <a:xfrm>
+            <a:off x="101889" y="98396"/>
+            <a:ext cx="1121882" cy="1121881"/>
+          </a:xfrm>
+          <a:prstGeom prst="roundRect">
+            <a:avLst>
+              <a:gd name="adj" fmla="val 37467"/>
+            </a:avLst>
+          </a:prstGeom>
+          <a:ln w="9525"/>
+          <a:effectLst/>
+          <a:scene3d>
+            <a:camera prst="orthographicFront"/>
+            <a:lightRig rig="threePt" dir="t"/>
+          </a:scene3d>
+          <a:sp3d>
+            <a:bevelT prst="angle"/>
+          </a:sp3d>
+        </p:spPr>
+        <p:style>
+          <a:lnRef idx="1">
+            <a:schemeClr val="accent3"/>
+          </a:lnRef>
+          <a:fillRef idx="2">
+            <a:schemeClr val="accent3"/>
+          </a:fillRef>
+          <a:effectRef idx="1">
+            <a:schemeClr val="accent3"/>
+          </a:effectRef>
+          <a:fontRef idx="minor">
+            <a:schemeClr val="dk1"/>
+          </a:fontRef>
+        </p:style>
+        <p:txBody>
+          <a:bodyPr rtlCol="0" anchor="ctr"/>
+          <a:lstStyle/>
+          <a:p>
+            <a:pPr algn="ctr"/>
+            <a:endParaRPr lang="en-US"/>
+          </a:p>
+        </p:txBody>
+      </p:sp>
+      <p:sp>
+        <p:nvSpPr>
+          <p:cNvPr id="5" name="Rounded Rectangle 4"/>
+          <p:cNvSpPr/>
+          <p:nvPr/>
+        </p:nvSpPr>
+        <p:spPr>
+          <a:xfrm>
+            <a:off x="1372688" y="98396"/>
+            <a:ext cx="1121882" cy="1127512"/>
+          </a:xfrm>
+          <a:prstGeom prst="roundRect">
+            <a:avLst>
+              <a:gd name="adj" fmla="val 36933"/>
+            </a:avLst>
+          </a:prstGeom>
+          <a:gradFill>
+            <a:gsLst>
+              <a:gs pos="37000">
+                <a:srgbClr val="41A575"/>
+              </a:gs>
+              <a:gs pos="0">
+                <a:srgbClr val="3F9D73">
+                  <a:lumMod val="82000"/>
+                </a:srgbClr>
+              </a:gs>
+              <a:gs pos="100000">
+                <a:srgbClr val="71C5A3"/>
+              </a:gs>
+            </a:gsLst>
+          </a:gradFill>
+          <a:ln w="9525">
+            <a:solidFill>
+              <a:srgbClr val="357B6A"/>
+            </a:solidFill>
+          </a:ln>
+          <a:effectLst/>
+          <a:scene3d>
+            <a:camera prst="orthographicFront"/>
+            <a:lightRig rig="threePt" dir="t"/>
+          </a:scene3d>
+          <a:sp3d>
+            <a:bevelT prst="angle"/>
+          </a:sp3d>
+        </p:spPr>
+        <p:style>
+          <a:lnRef idx="1">
+            <a:schemeClr val="accent3"/>
+          </a:lnRef>
+          <a:fillRef idx="2">
+            <a:schemeClr val="accent3"/>
+          </a:fillRef>
+          <a:effectRef idx="1">
+            <a:schemeClr val="accent3"/>
+          </a:effectRef>
+          <a:fontRef idx="minor">
+            <a:schemeClr val="dk1"/>
+          </a:fontRef>
+        </p:style>
+        <p:txBody>
+          <a:bodyPr rtlCol="0" anchor="ctr"/>
+          <a:lstStyle/>
+          <a:p>
+            <a:pPr algn="ctr"/>
+            <a:endParaRPr lang="en-US"/>
+          </a:p>
+        </p:txBody>
+      </p:sp>
+      <p:sp>
+        <p:nvSpPr>
+          <p:cNvPr id="6" name="Rounded Rectangle 5"/>
+          <p:cNvSpPr/>
+          <p:nvPr/>
+        </p:nvSpPr>
+        <p:spPr>
+          <a:xfrm>
+            <a:off x="2643487" y="98396"/>
+            <a:ext cx="1121882" cy="1121881"/>
+          </a:xfrm>
+          <a:prstGeom prst="roundRect">
+            <a:avLst>
+              <a:gd name="adj" fmla="val 38534"/>
+            </a:avLst>
+          </a:prstGeom>
+          <a:gradFill>
+            <a:gsLst>
+              <a:gs pos="0">
+                <a:srgbClr val="A1D7FF">
+                  <a:lumMod val="88000"/>
+                </a:srgbClr>
+              </a:gs>
+              <a:gs pos="35000">
+                <a:srgbClr val="A1D7FF"/>
+              </a:gs>
+              <a:gs pos="100000">
+                <a:srgbClr val="A1D7FF">
+                  <a:lumMod val="38000"/>
+                  <a:lumOff val="62000"/>
+                </a:srgbClr>
+              </a:gs>
+            </a:gsLst>
+          </a:gradFill>
+          <a:ln w="9525"/>
+          <a:effectLst/>
+          <a:scene3d>
+            <a:camera prst="orthographicFront"/>
+            <a:lightRig rig="threePt" dir="t"/>
+          </a:scene3d>
+          <a:sp3d>
+            <a:bevelT prst="angle"/>
+          </a:sp3d>
+        </p:spPr>
+        <p:style>
+          <a:lnRef idx="1">
+            <a:schemeClr val="accent5"/>
+          </a:lnRef>
+          <a:fillRef idx="2">
+            <a:schemeClr val="accent5"/>
+          </a:fillRef>
+          <a:effectRef idx="1">
+            <a:schemeClr val="accent5"/>
+          </a:effectRef>
+          <a:fontRef idx="minor">
+            <a:schemeClr val="dk1"/>
+          </a:fontRef>
+        </p:style>
+        <p:txBody>
+          <a:bodyPr rtlCol="0" anchor="ctr"/>
+          <a:lstStyle/>
+          <a:p>
+            <a:pPr algn="ctr"/>
+            <a:endParaRPr lang="en-US"/>
+          </a:p>
+        </p:txBody>
+      </p:sp>
+      <p:sp>
+        <p:nvSpPr>
+          <p:cNvPr id="7" name="Rounded Rectangle 6"/>
+          <p:cNvSpPr/>
+          <p:nvPr/>
+        </p:nvSpPr>
+        <p:spPr>
+          <a:xfrm>
+            <a:off x="3914286" y="98396"/>
+            <a:ext cx="1121882" cy="1121881"/>
+          </a:xfrm>
+          <a:prstGeom prst="roundRect">
+            <a:avLst>
+              <a:gd name="adj" fmla="val 39599"/>
+            </a:avLst>
+          </a:prstGeom>
+          <a:gradFill>
+            <a:gsLst>
+              <a:gs pos="0">
+                <a:srgbClr val="F7E38D">
+                  <a:lumMod val="92000"/>
+                </a:srgbClr>
+              </a:gs>
+              <a:gs pos="36000">
+                <a:srgbClr val="F8E48F">
+                  <a:lumMod val="96000"/>
+                  <a:lumOff val="4000"/>
+                </a:srgbClr>
+              </a:gs>
+              <a:gs pos="100000">
+                <a:srgbClr val="F8E490">
+                  <a:lumMod val="66000"/>
+                  <a:lumOff val="34000"/>
+                </a:srgbClr>
+              </a:gs>
+            </a:gsLst>
+          </a:gradFill>
+          <a:ln w="9525">
+            <a:solidFill>
+              <a:srgbClr val="F5DA67"/>
+            </a:solidFill>
+          </a:ln>
+          <a:effectLst/>
+          <a:scene3d>
+            <a:camera prst="orthographicFront"/>
+            <a:lightRig rig="threePt" dir="t"/>
+          </a:scene3d>
+          <a:sp3d>
+            <a:bevelT prst="angle"/>
+          </a:sp3d>
+        </p:spPr>
+        <p:style>
+          <a:lnRef idx="1">
+            <a:schemeClr val="accent6"/>
+          </a:lnRef>
+          <a:fillRef idx="2">
+            <a:schemeClr val="accent6"/>
+          </a:fillRef>
+          <a:effectRef idx="1">
+            <a:schemeClr val="accent6"/>
+          </a:effectRef>
+          <a:fontRef idx="minor">
+            <a:schemeClr val="dk1"/>
+          </a:fontRef>
+        </p:style>
+        <p:txBody>
+          <a:bodyPr rtlCol="0" anchor="ctr"/>
+          <a:lstStyle/>
+          <a:p>
+            <a:pPr algn="ctr"/>
+            <a:endParaRPr lang="en-US"/>
+          </a:p>
+        </p:txBody>
+      </p:sp>
+      <p:sp>
+        <p:nvSpPr>
+          <p:cNvPr id="8" name="Rounded Rectangle 7"/>
+          <p:cNvSpPr/>
+          <p:nvPr/>
+        </p:nvSpPr>
+        <p:spPr>
+          <a:xfrm>
+            <a:off x="5185085" y="104027"/>
+            <a:ext cx="1121882" cy="1121881"/>
+          </a:xfrm>
+          <a:prstGeom prst="roundRect">
+            <a:avLst>
+              <a:gd name="adj" fmla="val 38534"/>
+            </a:avLst>
+          </a:prstGeom>
+          <a:gradFill>
+            <a:gsLst>
+              <a:gs pos="0">
+                <a:schemeClr val="accent1">
+                  <a:tint val="50000"/>
+                  <a:satMod val="300000"/>
+                  <a:lumMod val="86000"/>
+                </a:schemeClr>
+              </a:gs>
+              <a:gs pos="35000">
+                <a:schemeClr val="accent1">
+                  <a:tint val="37000"/>
+                  <a:satMod val="300000"/>
+                  <a:lumMod val="84000"/>
+                </a:schemeClr>
+              </a:gs>
+              <a:gs pos="100000">
+                <a:schemeClr val="accent1">
+                  <a:tint val="15000"/>
+                  <a:satMod val="350000"/>
+                  <a:lumMod val="92000"/>
+                </a:schemeClr>
+              </a:gs>
+            </a:gsLst>
+          </a:gradFill>
+          <a:ln w="9525"/>
+          <a:effectLst/>
+          <a:scene3d>
+            <a:camera prst="orthographicFront"/>
+            <a:lightRig rig="threePt" dir="t"/>
+          </a:scene3d>
+          <a:sp3d>
+            <a:bevelT prst="angle"/>
+          </a:sp3d>
+        </p:spPr>
+        <p:style>
+          <a:lnRef idx="1">
+            <a:schemeClr val="accent1"/>
+          </a:lnRef>
+          <a:fillRef idx="2">
+            <a:schemeClr val="accent1"/>
+          </a:fillRef>
+          <a:effectRef idx="1">
+            <a:schemeClr val="accent1"/>
+          </a:effectRef>
+          <a:fontRef idx="minor">
+            <a:schemeClr val="dk1"/>
+          </a:fontRef>
+        </p:style>
+        <p:txBody>
+          <a:bodyPr rtlCol="0" anchor="ctr"/>
+          <a:lstStyle/>
+          <a:p>
+            <a:pPr algn="ctr"/>
+            <a:endParaRPr lang="en-US"/>
+          </a:p>
+        </p:txBody>
+      </p:sp>
+      <p:sp>
+        <p:nvSpPr>
+          <p:cNvPr id="9" name="Rounded Rectangle 8"/>
+          <p:cNvSpPr/>
+          <p:nvPr/>
+        </p:nvSpPr>
+        <p:spPr>
+          <a:xfrm>
+            <a:off x="6455884" y="98396"/>
+            <a:ext cx="1121882" cy="1121881"/>
+          </a:xfrm>
+          <a:prstGeom prst="roundRect">
+            <a:avLst>
+              <a:gd name="adj" fmla="val 39600"/>
+            </a:avLst>
+          </a:prstGeom>
+          <a:gradFill>
+            <a:gsLst>
+              <a:gs pos="0">
+                <a:schemeClr val="accent6">
+                  <a:tint val="50000"/>
+                  <a:satMod val="300000"/>
+                  <a:lumMod val="85000"/>
+                </a:schemeClr>
+              </a:gs>
+              <a:gs pos="35000">
+                <a:schemeClr val="accent6">
+                  <a:tint val="37000"/>
+                  <a:satMod val="300000"/>
+                  <a:lumMod val="92000"/>
+                </a:schemeClr>
+              </a:gs>
+              <a:gs pos="100000">
+                <a:schemeClr val="accent6">
+                  <a:tint val="15000"/>
+                  <a:satMod val="350000"/>
+                  <a:lumMod val="92000"/>
+                </a:schemeClr>
+              </a:gs>
+            </a:gsLst>
+          </a:gradFill>
+          <a:ln w="9525"/>
+          <a:effectLst/>
+          <a:scene3d>
+            <a:camera prst="orthographicFront"/>
+            <a:lightRig rig="threePt" dir="t"/>
+          </a:scene3d>
+          <a:sp3d>
+            <a:bevelT prst="angle"/>
+          </a:sp3d>
+        </p:spPr>
+        <p:style>
+          <a:lnRef idx="1">
+            <a:schemeClr val="accent6"/>
+          </a:lnRef>
+          <a:fillRef idx="2">
+            <a:schemeClr val="accent6"/>
+          </a:fillRef>
+          <a:effectRef idx="1">
+            <a:schemeClr val="accent6"/>
+          </a:effectRef>
+          <a:fontRef idx="minor">
+            <a:schemeClr val="dk1"/>
+          </a:fontRef>
+        </p:style>
+        <p:txBody>
+          <a:bodyPr rtlCol="0" anchor="ctr"/>
+          <a:lstStyle/>
+          <a:p>
+            <a:pPr algn="ctr"/>
+            <a:endParaRPr lang="en-US"/>
+          </a:p>
+        </p:txBody>
+      </p:sp>
+      <p:sp>
+        <p:nvSpPr>
+          <p:cNvPr id="10" name="Rounded Rectangle 9"/>
+          <p:cNvSpPr/>
+          <p:nvPr/>
+        </p:nvSpPr>
+        <p:spPr>
+          <a:xfrm>
+            <a:off x="7726681" y="98396"/>
+            <a:ext cx="1121882" cy="1121881"/>
+          </a:xfrm>
+          <a:prstGeom prst="roundRect">
+            <a:avLst>
+              <a:gd name="adj" fmla="val 39601"/>
+            </a:avLst>
+          </a:prstGeom>
+          <a:gradFill>
+            <a:gsLst>
+              <a:gs pos="0">
+                <a:srgbClr val="FFFF00">
+                  <a:lumMod val="70000"/>
+                  <a:lumOff val="30000"/>
+                </a:srgbClr>
+              </a:gs>
+              <a:gs pos="44000">
+                <a:srgbClr val="FFFF00">
+                  <a:lumMod val="40000"/>
+                  <a:lumOff val="60000"/>
+                </a:srgbClr>
+              </a:gs>
+              <a:gs pos="100000">
+                <a:srgbClr val="FFFF00">
+                  <a:lumMod val="20000"/>
+                  <a:lumOff val="80000"/>
+                </a:srgbClr>
+              </a:gs>
+            </a:gsLst>
+          </a:gradFill>
+          <a:ln w="9525">
+            <a:solidFill>
+              <a:srgbClr val="FFFF00"/>
+            </a:solidFill>
+          </a:ln>
+          <a:effectLst/>
+          <a:scene3d>
+            <a:camera prst="orthographicFront"/>
+            <a:lightRig rig="threePt" dir="t"/>
+          </a:scene3d>
+          <a:sp3d>
+            <a:bevelT prst="angle"/>
+          </a:sp3d>
+        </p:spPr>
+        <p:style>
+          <a:lnRef idx="1">
+            <a:schemeClr val="accent3"/>
+          </a:lnRef>
+          <a:fillRef idx="2">
+            <a:schemeClr val="accent3"/>
+          </a:fillRef>
+          <a:effectRef idx="1">
+            <a:schemeClr val="accent3"/>
+          </a:effectRef>
+          <a:fontRef idx="minor">
+            <a:schemeClr val="dk1"/>
+          </a:fontRef>
+        </p:style>
+        <p:txBody>
+          <a:bodyPr rtlCol="0" anchor="ctr"/>
+          <a:lstStyle/>
+          <a:p>
+            <a:pPr algn="ctr"/>
+            <a:endParaRPr lang="en-US"/>
+          </a:p>
+        </p:txBody>
+      </p:sp>
       <p:pic>
         <p:nvPicPr>
-          <p:cNvPr id="2058" name="Picture 10"/>
+          <p:cNvPr id="1026" name="Picture 2" descr="File:001Bulbasaur.png"/>
+          <p:cNvPicPr>
+            <a:picLocks noChangeAspect="1" noChangeArrowheads="1"/>
+          </p:cNvPicPr>
+          <p:nvPr/>
+        </p:nvPicPr>
+        <p:blipFill rotWithShape="1">
+          <a:blip r:embed="rId2" cstate="print">
+            <a:extLst>
+              <a:ext uri="{28A0092B-C50C-407E-A947-70E740481C1C}">
+                <a14:useLocalDpi xmlns:a14="http://schemas.microsoft.com/office/drawing/2010/main" val="0"/>
+              </a:ext>
+            </a:extLst>
+          </a:blip>
+          <a:srcRect t="-80"/>
+          <a:stretch/>
+        </p:blipFill>
+        <p:spPr bwMode="auto">
+          <a:xfrm>
+            <a:off x="1566380" y="276463"/>
+            <a:ext cx="765748" cy="765747"/>
+          </a:xfrm>
+          <a:prstGeom prst="rect">
+            <a:avLst/>
+          </a:prstGeom>
+          <a:noFill/>
+          <a:effectLst/>
+          <a:extLst>
+            <a:ext uri="{909E8E84-426E-40DD-AFC4-6F175D3DCCD1}">
+              <a14:hiddenFill xmlns:a14="http://schemas.microsoft.com/office/drawing/2010/main">
+                <a:solidFill>
+                  <a:srgbClr val="FFFFFF"/>
+                </a:solidFill>
+              </a14:hiddenFill>
+            </a:ext>
+          </a:extLst>
+        </p:spPr>
+      </p:pic>
+      <p:pic>
+        <p:nvPicPr>
+          <p:cNvPr id="1028" name="Picture 4" descr="http://archives.bulbagarden.net/media/upload/archive/a/ae/20101021130744%21003Venusaur.png"/>
           <p:cNvPicPr>
             <a:picLocks noChangeAspect="1" noChangeArrowheads="1"/>
           </p:cNvPicPr>
           <p:nvPr/>
         </p:nvPicPr>
         <p:blipFill>
-          <a:blip r:embed="rId3">
+          <a:blip r:embed="rId3" cstate="print">
+            <a:extLst>
+              <a:ext uri="{28A0092B-C50C-407E-A947-70E740481C1C}">
+                <a14:useLocalDpi xmlns:a14="http://schemas.microsoft.com/office/drawing/2010/main" val="0"/>
+              </a:ext>
+            </a:extLst>
+          </a:blip>
+          <a:srcRect/>
+          <a:stretch>
+            <a:fillRect/>
+          </a:stretch>
+        </p:blipFill>
+        <p:spPr bwMode="auto">
+          <a:xfrm>
+            <a:off x="1578138" y="2868067"/>
+            <a:ext cx="735870" cy="728397"/>
+          </a:xfrm>
+          <a:prstGeom prst="rect">
+            <a:avLst/>
+          </a:prstGeom>
+          <a:noFill/>
+          <a:effectLst/>
+          <a:extLst>
+            <a:ext uri="{909E8E84-426E-40DD-AFC4-6F175D3DCCD1}">
+              <a14:hiddenFill xmlns:a14="http://schemas.microsoft.com/office/drawing/2010/main">
+                <a:solidFill>
+                  <a:srgbClr val="FFFFFF"/>
+                </a:solidFill>
+              </a14:hiddenFill>
+            </a:ext>
+          </a:extLst>
+        </p:spPr>
+      </p:pic>
+      <p:pic>
+        <p:nvPicPr>
+          <p:cNvPr id="1030" name="Picture 6" descr="File:002Ivysaur.png"/>
+          <p:cNvPicPr>
+            <a:picLocks noChangeAspect="1" noChangeArrowheads="1"/>
+          </p:cNvPicPr>
+          <p:nvPr/>
+        </p:nvPicPr>
+        <p:blipFill>
+          <a:blip r:embed="rId4" cstate="print">
+            <a:extLst>
+              <a:ext uri="{28A0092B-C50C-407E-A947-70E740481C1C}">
+                <a14:useLocalDpi xmlns:a14="http://schemas.microsoft.com/office/drawing/2010/main" val="0"/>
+              </a:ext>
+            </a:extLst>
+          </a:blip>
+          <a:srcRect/>
+          <a:stretch>
+            <a:fillRect/>
+          </a:stretch>
+        </p:blipFill>
+        <p:spPr bwMode="auto">
+          <a:xfrm>
+            <a:off x="1504923" y="1500288"/>
+            <a:ext cx="845863" cy="838882"/>
+          </a:xfrm>
+          <a:prstGeom prst="rect">
+            <a:avLst/>
+          </a:prstGeom>
+          <a:noFill/>
+          <a:effectLst/>
+          <a:extLst>
+            <a:ext uri="{909E8E84-426E-40DD-AFC4-6F175D3DCCD1}">
+              <a14:hiddenFill xmlns:a14="http://schemas.microsoft.com/office/drawing/2010/main">
+                <a:solidFill>
+                  <a:srgbClr val="FFFFFF"/>
+                </a:solidFill>
+              </a14:hiddenFill>
+            </a:ext>
+          </a:extLst>
+        </p:spPr>
+      </p:pic>
+      <p:pic>
+        <p:nvPicPr>
+          <p:cNvPr id="1034" name="Picture 10" descr="File:159Croconaw.png"/>
+          <p:cNvPicPr>
+            <a:picLocks noChangeAspect="1" noChangeArrowheads="1"/>
+          </p:cNvPicPr>
+          <p:nvPr/>
+        </p:nvPicPr>
+        <p:blipFill>
+          <a:blip r:embed="rId5" cstate="print">
+            <a:extLst>
+              <a:ext uri="{28A0092B-C50C-407E-A947-70E740481C1C}">
+                <a14:useLocalDpi xmlns:a14="http://schemas.microsoft.com/office/drawing/2010/main" val="0"/>
+              </a:ext>
+            </a:extLst>
+          </a:blip>
+          <a:srcRect/>
+          <a:stretch>
+            <a:fillRect/>
+          </a:stretch>
+        </p:blipFill>
+        <p:spPr bwMode="auto">
+          <a:xfrm>
+            <a:off x="2824392" y="1514044"/>
+            <a:ext cx="835970" cy="847271"/>
+          </a:xfrm>
+          <a:prstGeom prst="rect">
+            <a:avLst/>
+          </a:prstGeom>
+          <a:noFill/>
+          <a:effectLst/>
+          <a:extLst>
+            <a:ext uri="{909E8E84-426E-40DD-AFC4-6F175D3DCCD1}">
+              <a14:hiddenFill xmlns:a14="http://schemas.microsoft.com/office/drawing/2010/main">
+                <a:solidFill>
+                  <a:srgbClr val="FFFFFF"/>
+                </a:solidFill>
+              </a14:hiddenFill>
+            </a:ext>
+          </a:extLst>
+        </p:spPr>
+      </p:pic>
+      <p:pic>
+        <p:nvPicPr>
+          <p:cNvPr id="1036" name="Picture 12" descr="File:160Feraligatr.png"/>
+          <p:cNvPicPr>
+            <a:picLocks noChangeAspect="1" noChangeArrowheads="1"/>
+          </p:cNvPicPr>
+          <p:nvPr/>
+        </p:nvPicPr>
+        <p:blipFill>
+          <a:blip r:embed="rId6" cstate="print">
+            <a:extLst>
+              <a:ext uri="{28A0092B-C50C-407E-A947-70E740481C1C}">
+                <a14:useLocalDpi xmlns:a14="http://schemas.microsoft.com/office/drawing/2010/main" val="0"/>
+              </a:ext>
+            </a:extLst>
+          </a:blip>
+          <a:srcRect/>
+          <a:stretch>
+            <a:fillRect/>
+          </a:stretch>
+        </p:blipFill>
+        <p:spPr bwMode="auto">
+          <a:xfrm>
+            <a:off x="2832923" y="2843859"/>
+            <a:ext cx="685113" cy="693044"/>
+          </a:xfrm>
+          <a:prstGeom prst="rect">
+            <a:avLst/>
+          </a:prstGeom>
+          <a:noFill/>
+          <a:effectLst/>
+          <a:extLst>
+            <a:ext uri="{909E8E84-426E-40DD-AFC4-6F175D3DCCD1}">
+              <a14:hiddenFill xmlns:a14="http://schemas.microsoft.com/office/drawing/2010/main">
+                <a:solidFill>
+                  <a:srgbClr val="FFFFFF"/>
+                </a:solidFill>
+              </a14:hiddenFill>
+            </a:ext>
+          </a:extLst>
+        </p:spPr>
+      </p:pic>
+      <p:pic>
+        <p:nvPicPr>
+          <p:cNvPr id="1038" name="Picture 14" descr="157Typhlosion.png"/>
+          <p:cNvPicPr>
+            <a:picLocks noChangeAspect="1" noChangeArrowheads="1"/>
+          </p:cNvPicPr>
+          <p:nvPr/>
+        </p:nvPicPr>
+        <p:blipFill>
+          <a:blip r:embed="rId7" cstate="print">
+            <a:extLst>
+              <a:ext uri="{28A0092B-C50C-407E-A947-70E740481C1C}">
+                <a14:useLocalDpi xmlns:a14="http://schemas.microsoft.com/office/drawing/2010/main" val="0"/>
+              </a:ext>
+            </a:extLst>
+          </a:blip>
+          <a:srcRect/>
+          <a:stretch>
+            <a:fillRect/>
+          </a:stretch>
+        </p:blipFill>
+        <p:spPr bwMode="auto">
+          <a:xfrm>
+            <a:off x="4214030" y="2884611"/>
+            <a:ext cx="549282" cy="659408"/>
+          </a:xfrm>
+          <a:prstGeom prst="rect">
+            <a:avLst/>
+          </a:prstGeom>
+          <a:noFill/>
+          <a:effectLst/>
+          <a:extLst>
+            <a:ext uri="{909E8E84-426E-40DD-AFC4-6F175D3DCCD1}">
+              <a14:hiddenFill xmlns:a14="http://schemas.microsoft.com/office/drawing/2010/main">
+                <a:solidFill>
+                  <a:srgbClr val="FFFFFF"/>
+                </a:solidFill>
+              </a14:hiddenFill>
+            </a:ext>
+          </a:extLst>
+        </p:spPr>
+      </p:pic>
+      <p:pic>
+        <p:nvPicPr>
+          <p:cNvPr id="1040" name="Picture 16" descr="156Quilava.png"/>
+          <p:cNvPicPr>
+            <a:picLocks noChangeAspect="1" noChangeArrowheads="1"/>
+          </p:cNvPicPr>
+          <p:nvPr/>
+        </p:nvPicPr>
+        <p:blipFill>
+          <a:blip r:embed="rId8">
+            <a:extLst>
+              <a:ext uri="{28A0092B-C50C-407E-A947-70E740481C1C}">
+                <a14:useLocalDpi xmlns:a14="http://schemas.microsoft.com/office/drawing/2010/main" val="0"/>
+              </a:ext>
+            </a:extLst>
+          </a:blip>
+          <a:srcRect/>
+          <a:stretch>
+            <a:fillRect/>
+          </a:stretch>
+        </p:blipFill>
+        <p:spPr bwMode="auto">
+          <a:xfrm>
+            <a:off x="4186704" y="1459324"/>
+            <a:ext cx="725763" cy="872944"/>
+          </a:xfrm>
+          <a:prstGeom prst="rect">
+            <a:avLst/>
+          </a:prstGeom>
+          <a:noFill/>
+          <a:effectLst/>
+          <a:extLst>
+            <a:ext uri="{909E8E84-426E-40DD-AFC4-6F175D3DCCD1}">
+              <a14:hiddenFill xmlns:a14="http://schemas.microsoft.com/office/drawing/2010/main">
+                <a:solidFill>
+                  <a:srgbClr val="FFFFFF"/>
+                </a:solidFill>
+              </a14:hiddenFill>
+            </a:ext>
+          </a:extLst>
+        </p:spPr>
+      </p:pic>
+      <p:pic>
+        <p:nvPicPr>
+          <p:cNvPr id="1042" name="Picture 18" descr="155Cyndaquil.png"/>
+          <p:cNvPicPr>
+            <a:picLocks noChangeAspect="1" noChangeArrowheads="1"/>
+          </p:cNvPicPr>
+          <p:nvPr/>
+        </p:nvPicPr>
+        <p:blipFill>
+          <a:blip r:embed="rId9">
+            <a:extLst>
+              <a:ext uri="{28A0092B-C50C-407E-A947-70E740481C1C}">
+                <a14:useLocalDpi xmlns:a14="http://schemas.microsoft.com/office/drawing/2010/main" val="0"/>
+              </a:ext>
+            </a:extLst>
+          </a:blip>
+          <a:srcRect/>
+          <a:stretch>
+            <a:fillRect/>
+          </a:stretch>
+        </p:blipFill>
+        <p:spPr bwMode="auto">
+          <a:xfrm>
+            <a:off x="4048568" y="262584"/>
+            <a:ext cx="855374" cy="793506"/>
+          </a:xfrm>
+          <a:prstGeom prst="rect">
+            <a:avLst/>
+          </a:prstGeom>
+          <a:noFill/>
+          <a:effectLst/>
+          <a:extLst>
+            <a:ext uri="{909E8E84-426E-40DD-AFC4-6F175D3DCCD1}">
+              <a14:hiddenFill xmlns:a14="http://schemas.microsoft.com/office/drawing/2010/main">
+                <a:solidFill>
+                  <a:srgbClr val="FFFFFF"/>
+                </a:solidFill>
+              </a14:hiddenFill>
+            </a:ext>
+          </a:extLst>
+        </p:spPr>
+      </p:pic>
+      <p:pic>
+        <p:nvPicPr>
+          <p:cNvPr id="1044" name="Picture 20" descr="154Meganium.png"/>
+          <p:cNvPicPr>
+            <a:picLocks noChangeAspect="1" noChangeArrowheads="1"/>
+          </p:cNvPicPr>
+          <p:nvPr/>
+        </p:nvPicPr>
+        <p:blipFill>
+          <a:blip r:embed="rId10" cstate="print">
+            <a:extLst>
+              <a:ext uri="{28A0092B-C50C-407E-A947-70E740481C1C}">
+                <a14:useLocalDpi xmlns:a14="http://schemas.microsoft.com/office/drawing/2010/main" val="0"/>
+              </a:ext>
+            </a:extLst>
+          </a:blip>
+          <a:srcRect/>
+          <a:stretch>
+            <a:fillRect/>
+          </a:stretch>
+        </p:blipFill>
+        <p:spPr bwMode="auto">
+          <a:xfrm>
+            <a:off x="414100" y="2846518"/>
+            <a:ext cx="517280" cy="735115"/>
+          </a:xfrm>
+          <a:prstGeom prst="rect">
+            <a:avLst/>
+          </a:prstGeom>
+          <a:noFill/>
+          <a:effectLst/>
+          <a:extLst>
+            <a:ext uri="{909E8E84-426E-40DD-AFC4-6F175D3DCCD1}">
+              <a14:hiddenFill xmlns:a14="http://schemas.microsoft.com/office/drawing/2010/main">
+                <a:solidFill>
+                  <a:srgbClr val="FFFFFF"/>
+                </a:solidFill>
+              </a14:hiddenFill>
+            </a:ext>
+          </a:extLst>
+        </p:spPr>
+      </p:pic>
+      <p:pic>
+        <p:nvPicPr>
+          <p:cNvPr id="1046" name="Picture 22" descr="153Bayleef.png"/>
+          <p:cNvPicPr>
+            <a:picLocks noChangeAspect="1" noChangeArrowheads="1"/>
+          </p:cNvPicPr>
+          <p:nvPr/>
+        </p:nvPicPr>
+        <p:blipFill>
+          <a:blip r:embed="rId11">
+            <a:extLst>
+              <a:ext uri="{28A0092B-C50C-407E-A947-70E740481C1C}">
+                <a14:useLocalDpi xmlns:a14="http://schemas.microsoft.com/office/drawing/2010/main" val="0"/>
+              </a:ext>
+            </a:extLst>
+          </a:blip>
+          <a:srcRect/>
+          <a:stretch>
+            <a:fillRect/>
+          </a:stretch>
+        </p:blipFill>
+        <p:spPr bwMode="auto">
+          <a:xfrm>
+            <a:off x="325102" y="1487105"/>
+            <a:ext cx="652145" cy="902910"/>
+          </a:xfrm>
+          <a:prstGeom prst="rect">
+            <a:avLst/>
+          </a:prstGeom>
+          <a:noFill/>
+          <a:effectLst/>
+          <a:extLst>
+            <a:ext uri="{909E8E84-426E-40DD-AFC4-6F175D3DCCD1}">
+              <a14:hiddenFill xmlns:a14="http://schemas.microsoft.com/office/drawing/2010/main">
+                <a:solidFill>
+                  <a:srgbClr val="FFFFFF"/>
+                </a:solidFill>
+              </a14:hiddenFill>
+            </a:ext>
+          </a:extLst>
+        </p:spPr>
+      </p:pic>
+      <p:pic>
+        <p:nvPicPr>
+          <p:cNvPr id="1054" name="Picture 30" descr="007Squirtle.png"/>
+          <p:cNvPicPr>
+            <a:picLocks noChangeAspect="1" noChangeArrowheads="1"/>
+          </p:cNvPicPr>
+          <p:nvPr/>
+        </p:nvPicPr>
+        <p:blipFill>
+          <a:blip r:embed="rId12">
+            <a:extLst>
+              <a:ext uri="{28A0092B-C50C-407E-A947-70E740481C1C}">
+                <a14:useLocalDpi xmlns:a14="http://schemas.microsoft.com/office/drawing/2010/main" val="0"/>
+              </a:ext>
+            </a:extLst>
+          </a:blip>
+          <a:srcRect/>
+          <a:stretch>
+            <a:fillRect/>
+          </a:stretch>
+        </p:blipFill>
+        <p:spPr bwMode="auto">
+          <a:xfrm>
+            <a:off x="5365648" y="264861"/>
+            <a:ext cx="767085" cy="788951"/>
+          </a:xfrm>
+          <a:prstGeom prst="rect">
+            <a:avLst/>
+          </a:prstGeom>
+          <a:noFill/>
+          <a:effectLst/>
+          <a:extLst>
+            <a:ext uri="{909E8E84-426E-40DD-AFC4-6F175D3DCCD1}">
+              <a14:hiddenFill xmlns:a14="http://schemas.microsoft.com/office/drawing/2010/main">
+                <a:solidFill>
+                  <a:srgbClr val="FFFFFF"/>
+                </a:solidFill>
+              </a14:hiddenFill>
+            </a:ext>
+          </a:extLst>
+        </p:spPr>
+      </p:pic>
+      <p:pic>
+        <p:nvPicPr>
+          <p:cNvPr id="1056" name="Picture 32" descr="008Wartortle.png"/>
+          <p:cNvPicPr>
+            <a:picLocks noChangeAspect="1" noChangeArrowheads="1"/>
+          </p:cNvPicPr>
+          <p:nvPr/>
+        </p:nvPicPr>
+        <p:blipFill>
+          <a:blip r:embed="rId13">
+            <a:extLst>
+              <a:ext uri="{28A0092B-C50C-407E-A947-70E740481C1C}">
+                <a14:useLocalDpi xmlns:a14="http://schemas.microsoft.com/office/drawing/2010/main" val="0"/>
+              </a:ext>
+            </a:extLst>
+          </a:blip>
+          <a:srcRect/>
+          <a:stretch>
+            <a:fillRect/>
+          </a:stretch>
+        </p:blipFill>
+        <p:spPr bwMode="auto">
+          <a:xfrm>
+            <a:off x="5349966" y="1544453"/>
+            <a:ext cx="806214" cy="822353"/>
+          </a:xfrm>
+          <a:prstGeom prst="rect">
+            <a:avLst/>
+          </a:prstGeom>
+          <a:noFill/>
+          <a:effectLst/>
+          <a:extLst>
+            <a:ext uri="{909E8E84-426E-40DD-AFC4-6F175D3DCCD1}">
+              <a14:hiddenFill xmlns:a14="http://schemas.microsoft.com/office/drawing/2010/main">
+                <a:solidFill>
+                  <a:srgbClr val="FFFFFF"/>
+                </a:solidFill>
+              </a14:hiddenFill>
+            </a:ext>
+          </a:extLst>
+        </p:spPr>
+      </p:pic>
+      <p:pic>
+        <p:nvPicPr>
+          <p:cNvPr id="1058" name="Picture 34" descr="009Blastoise.png"/>
+          <p:cNvPicPr>
+            <a:picLocks noChangeAspect="1" noChangeArrowheads="1"/>
+          </p:cNvPicPr>
+          <p:nvPr/>
+        </p:nvPicPr>
+        <p:blipFill>
+          <a:blip r:embed="rId14" cstate="print">
+            <a:extLst>
+              <a:ext uri="{28A0092B-C50C-407E-A947-70E740481C1C}">
+                <a14:useLocalDpi xmlns:a14="http://schemas.microsoft.com/office/drawing/2010/main" val="0"/>
+              </a:ext>
+            </a:extLst>
+          </a:blip>
+          <a:srcRect/>
+          <a:stretch>
+            <a:fillRect/>
+          </a:stretch>
+        </p:blipFill>
+        <p:spPr bwMode="auto">
+          <a:xfrm>
+            <a:off x="5477898" y="2891108"/>
+            <a:ext cx="634948" cy="646415"/>
+          </a:xfrm>
+          <a:prstGeom prst="rect">
+            <a:avLst/>
+          </a:prstGeom>
+          <a:noFill/>
+          <a:effectLst/>
+          <a:extLst>
+            <a:ext uri="{909E8E84-426E-40DD-AFC4-6F175D3DCCD1}">
+              <a14:hiddenFill xmlns:a14="http://schemas.microsoft.com/office/drawing/2010/main">
+                <a:solidFill>
+                  <a:srgbClr val="FFFFFF"/>
+                </a:solidFill>
+              </a14:hiddenFill>
+            </a:ext>
+          </a:extLst>
+        </p:spPr>
+      </p:pic>
+      <p:pic>
+        <p:nvPicPr>
+          <p:cNvPr id="1060" name="Picture 36" descr="File:004Charmander.png"/>
+          <p:cNvPicPr>
+            <a:picLocks noChangeAspect="1" noChangeArrowheads="1"/>
+          </p:cNvPicPr>
+          <p:nvPr/>
+        </p:nvPicPr>
+        <p:blipFill rotWithShape="1">
+          <a:blip r:embed="rId15" cstate="print">
+            <a:extLst>
+              <a:ext uri="{28A0092B-C50C-407E-A947-70E740481C1C}">
+                <a14:useLocalDpi xmlns:a14="http://schemas.microsoft.com/office/drawing/2010/main" val="0"/>
+              </a:ext>
+            </a:extLst>
+          </a:blip>
+          <a:srcRect l="15317" t="6759" r="11291"/>
+          <a:stretch/>
+        </p:blipFill>
+        <p:spPr bwMode="auto">
+          <a:xfrm>
+            <a:off x="6687534" y="256933"/>
+            <a:ext cx="699976" cy="804808"/>
+          </a:xfrm>
+          <a:prstGeom prst="rect">
+            <a:avLst/>
+          </a:prstGeom>
+          <a:noFill/>
+          <a:effectLst/>
+          <a:extLst>
+            <a:ext uri="{909E8E84-426E-40DD-AFC4-6F175D3DCCD1}">
+              <a14:hiddenFill xmlns:a14="http://schemas.microsoft.com/office/drawing/2010/main">
+                <a:solidFill>
+                  <a:srgbClr val="FFFFFF"/>
+                </a:solidFill>
+              </a14:hiddenFill>
+            </a:ext>
+          </a:extLst>
+        </p:spPr>
+      </p:pic>
+      <p:pic>
+        <p:nvPicPr>
+          <p:cNvPr id="1062" name="Picture 38" descr="File:005Charmeleon.png"/>
+          <p:cNvPicPr>
+            <a:picLocks noChangeAspect="1" noChangeArrowheads="1"/>
+          </p:cNvPicPr>
+          <p:nvPr/>
+        </p:nvPicPr>
+        <p:blipFill rotWithShape="1">
+          <a:blip r:embed="rId16">
+            <a:extLst>
+              <a:ext uri="{28A0092B-C50C-407E-A947-70E740481C1C}">
+                <a14:useLocalDpi xmlns:a14="http://schemas.microsoft.com/office/drawing/2010/main" val="0"/>
+              </a:ext>
+            </a:extLst>
+          </a:blip>
+          <a:srcRect l="12235" r="11294"/>
+          <a:stretch/>
+        </p:blipFill>
+        <p:spPr bwMode="auto">
+          <a:xfrm>
+            <a:off x="6647609" y="1496093"/>
+            <a:ext cx="854323" cy="847271"/>
+          </a:xfrm>
+          <a:prstGeom prst="rect">
+            <a:avLst/>
+          </a:prstGeom>
+          <a:noFill/>
+          <a:effectLst/>
+          <a:extLst>
+            <a:ext uri="{909E8E84-426E-40DD-AFC4-6F175D3DCCD1}">
+              <a14:hiddenFill xmlns:a14="http://schemas.microsoft.com/office/drawing/2010/main">
+                <a:solidFill>
+                  <a:srgbClr val="FFFFFF"/>
+                </a:solidFill>
+              </a14:hiddenFill>
+            </a:ext>
+          </a:extLst>
+        </p:spPr>
+      </p:pic>
+      <p:pic>
+        <p:nvPicPr>
+          <p:cNvPr id="1064" name="Picture 40" descr="File:006Charizard.png"/>
+          <p:cNvPicPr>
+            <a:picLocks noChangeAspect="1" noChangeArrowheads="1"/>
+          </p:cNvPicPr>
+          <p:nvPr/>
+        </p:nvPicPr>
+        <p:blipFill>
+          <a:blip r:embed="rId17" cstate="print">
+            <a:extLst>
+              <a:ext uri="{28A0092B-C50C-407E-A947-70E740481C1C}">
+                <a14:useLocalDpi xmlns:a14="http://schemas.microsoft.com/office/drawing/2010/main" val="0"/>
+              </a:ext>
+            </a:extLst>
+          </a:blip>
+          <a:srcRect/>
+          <a:stretch>
+            <a:fillRect/>
+          </a:stretch>
+        </p:blipFill>
+        <p:spPr bwMode="auto">
+          <a:xfrm>
+            <a:off x="6655773" y="2886588"/>
+            <a:ext cx="739206" cy="679388"/>
+          </a:xfrm>
+          <a:prstGeom prst="rect">
+            <a:avLst/>
+          </a:prstGeom>
+          <a:noFill/>
+          <a:effectLst/>
+          <a:extLst>
+            <a:ext uri="{909E8E84-426E-40DD-AFC4-6F175D3DCCD1}">
+              <a14:hiddenFill xmlns:a14="http://schemas.microsoft.com/office/drawing/2010/main">
+                <a:solidFill>
+                  <a:srgbClr val="FFFFFF"/>
+                </a:solidFill>
+              </a14:hiddenFill>
+            </a:ext>
+          </a:extLst>
+        </p:spPr>
+      </p:pic>
+      <p:pic>
+        <p:nvPicPr>
+          <p:cNvPr id="1066" name="Picture 42" descr="File:025Pikachu.png"/>
+          <p:cNvPicPr>
+            <a:picLocks noChangeAspect="1" noChangeArrowheads="1"/>
+          </p:cNvPicPr>
+          <p:nvPr/>
+        </p:nvPicPr>
+        <p:blipFill>
+          <a:blip r:embed="rId18" cstate="print">
+            <a:extLst>
+              <a:ext uri="{28A0092B-C50C-407E-A947-70E740481C1C}">
+                <a14:useLocalDpi xmlns:a14="http://schemas.microsoft.com/office/drawing/2010/main" val="0"/>
+              </a:ext>
+            </a:extLst>
+          </a:blip>
+          <a:srcRect/>
+          <a:stretch>
+            <a:fillRect/>
+          </a:stretch>
+        </p:blipFill>
+        <p:spPr bwMode="auto">
+          <a:xfrm>
+            <a:off x="7852613" y="1561910"/>
+            <a:ext cx="829678" cy="847271"/>
+          </a:xfrm>
+          <a:prstGeom prst="rect">
+            <a:avLst/>
+          </a:prstGeom>
+          <a:noFill/>
+          <a:effectLst/>
+          <a:extLst>
+            <a:ext uri="{909E8E84-426E-40DD-AFC4-6F175D3DCCD1}">
+              <a14:hiddenFill xmlns:a14="http://schemas.microsoft.com/office/drawing/2010/main">
+                <a:solidFill>
+                  <a:srgbClr val="FFFFFF"/>
+                </a:solidFill>
+              </a14:hiddenFill>
+            </a:ext>
+          </a:extLst>
+        </p:spPr>
+      </p:pic>
+      <p:pic>
+        <p:nvPicPr>
+          <p:cNvPr id="1070" name="Picture 46" descr="File:172Pichu.png"/>
+          <p:cNvPicPr>
+            <a:picLocks noChangeAspect="1" noChangeArrowheads="1"/>
+          </p:cNvPicPr>
+          <p:nvPr/>
+        </p:nvPicPr>
+        <p:blipFill>
+          <a:blip r:embed="rId19" cstate="print">
+            <a:extLst>
+              <a:ext uri="{28A0092B-C50C-407E-A947-70E740481C1C}">
+                <a14:useLocalDpi xmlns:a14="http://schemas.microsoft.com/office/drawing/2010/main" val="0"/>
+              </a:ext>
+            </a:extLst>
+          </a:blip>
+          <a:srcRect/>
+          <a:stretch>
+            <a:fillRect/>
+          </a:stretch>
+        </p:blipFill>
+        <p:spPr bwMode="auto">
+          <a:xfrm>
+            <a:off x="7973481" y="284490"/>
+            <a:ext cx="662048" cy="771838"/>
+          </a:xfrm>
+          <a:prstGeom prst="rect">
+            <a:avLst/>
+          </a:prstGeom>
+          <a:noFill/>
+          <a:effectLst/>
+          <a:extLst>
+            <a:ext uri="{909E8E84-426E-40DD-AFC4-6F175D3DCCD1}">
+              <a14:hiddenFill xmlns:a14="http://schemas.microsoft.com/office/drawing/2010/main">
+                <a:solidFill>
+                  <a:srgbClr val="FFFFFF"/>
+                </a:solidFill>
+              </a14:hiddenFill>
+            </a:ext>
+          </a:extLst>
+        </p:spPr>
+      </p:pic>
+      <p:pic>
+        <p:nvPicPr>
+          <p:cNvPr id="1074" name="Picture 50"/>
+          <p:cNvPicPr>
+            <a:picLocks noChangeAspect="1" noChangeArrowheads="1"/>
+          </p:cNvPicPr>
+          <p:nvPr/>
+        </p:nvPicPr>
+        <p:blipFill>
+          <a:blip r:embed="rId20" cstate="print">
+            <a:clrChange>
+              <a:clrFrom>
+                <a:srgbClr val="FFFFFF"/>
+              </a:clrFrom>
+              <a:clrTo>
+                <a:srgbClr val="FFFFFF">
+                  <a:alpha val="0"/>
+                </a:srgbClr>
+              </a:clrTo>
+            </a:clrChange>
+            <a:extLst>
+              <a:ext uri="{28A0092B-C50C-407E-A947-70E740481C1C}">
+                <a14:useLocalDpi xmlns:a14="http://schemas.microsoft.com/office/drawing/2010/main" val="0"/>
+              </a:ext>
+            </a:extLst>
+          </a:blip>
+          <a:srcRect/>
+          <a:stretch>
+            <a:fillRect/>
+          </a:stretch>
+        </p:blipFill>
+        <p:spPr bwMode="auto">
+          <a:xfrm>
+            <a:off x="7968508" y="2935743"/>
+            <a:ext cx="687730" cy="652879"/>
+          </a:xfrm>
+          <a:prstGeom prst="rect">
+            <a:avLst/>
+          </a:prstGeom>
+          <a:noFill/>
+          <a:ln>
+            <a:noFill/>
+          </a:ln>
+          <a:effectLst/>
+          <a:extLst>
+            <a:ext uri="{909E8E84-426E-40DD-AFC4-6F175D3DCCD1}">
+              <a14:hiddenFill xmlns:a14="http://schemas.microsoft.com/office/drawing/2010/main">
+                <a:solidFill>
+                  <a:schemeClr val="accent1"/>
+                </a:solidFill>
+              </a14:hiddenFill>
+            </a:ext>
+            <a:ext uri="{91240B29-F687-4F45-9708-019B960494DF}">
+              <a14:hiddenLine xmlns:a14="http://schemas.microsoft.com/office/drawing/2010/main" w="9525">
+                <a:solidFill>
+                  <a:schemeClr val="tx1"/>
+                </a:solidFill>
+                <a:miter lim="800000"/>
+                <a:headEnd/>
+                <a:tailEnd/>
+              </a14:hiddenLine>
+            </a:ext>
+          </a:extLst>
+        </p:spPr>
+      </p:pic>
+      <p:pic>
+        <p:nvPicPr>
+          <p:cNvPr id="1076" name="Picture 52" descr="158Totodile.png"/>
+          <p:cNvPicPr>
+            <a:picLocks noChangeAspect="1" noChangeArrowheads="1"/>
+          </p:cNvPicPr>
+          <p:nvPr/>
+        </p:nvPicPr>
+        <p:blipFill>
+          <a:blip r:embed="rId21">
+            <a:extLst>
+              <a:ext uri="{28A0092B-C50C-407E-A947-70E740481C1C}">
+                <a14:useLocalDpi xmlns:a14="http://schemas.microsoft.com/office/drawing/2010/main" val="0"/>
+              </a:ext>
+            </a:extLst>
+          </a:blip>
+          <a:srcRect/>
+          <a:stretch>
+            <a:fillRect/>
+          </a:stretch>
+        </p:blipFill>
+        <p:spPr bwMode="auto">
+          <a:xfrm>
+            <a:off x="2914197" y="260916"/>
+            <a:ext cx="661626" cy="796841"/>
+          </a:xfrm>
+          <a:prstGeom prst="rect">
+            <a:avLst/>
+          </a:prstGeom>
+          <a:noFill/>
+          <a:effectLst/>
+          <a:extLst>
+            <a:ext uri="{909E8E84-426E-40DD-AFC4-6F175D3DCCD1}">
+              <a14:hiddenFill xmlns:a14="http://schemas.microsoft.com/office/drawing/2010/main">
+                <a:solidFill>
+                  <a:srgbClr val="FFFFFF"/>
+                </a:solidFill>
+              </a14:hiddenFill>
+            </a:ext>
+          </a:extLst>
+        </p:spPr>
+      </p:pic>
+      <p:pic>
+        <p:nvPicPr>
+          <p:cNvPr id="1081" name="Picture 57"/>
+          <p:cNvPicPr>
+            <a:picLocks noChangeAspect="1" noChangeArrowheads="1"/>
+          </p:cNvPicPr>
+          <p:nvPr/>
+        </p:nvPicPr>
+        <p:blipFill rotWithShape="1">
+          <a:blip r:embed="rId22" cstate="print">
+            <a:extLst>
+              <a:ext uri="{28A0092B-C50C-407E-A947-70E740481C1C}">
+                <a14:useLocalDpi xmlns:a14="http://schemas.microsoft.com/office/drawing/2010/main" val="0"/>
+              </a:ext>
+            </a:extLst>
+          </a:blip>
+          <a:srcRect r="17546"/>
+          <a:stretch/>
+        </p:blipFill>
+        <p:spPr bwMode="auto">
+          <a:xfrm>
+            <a:off x="354890" y="264861"/>
+            <a:ext cx="657082" cy="788951"/>
+          </a:xfrm>
+          <a:prstGeom prst="rect">
+            <a:avLst/>
+          </a:prstGeom>
+          <a:noFill/>
+          <a:ln>
+            <a:noFill/>
+          </a:ln>
+          <a:effectLst/>
+          <a:extLst>
+            <a:ext uri="{909E8E84-426E-40DD-AFC4-6F175D3DCCD1}">
+              <a14:hiddenFill xmlns:a14="http://schemas.microsoft.com/office/drawing/2010/main">
+                <a:solidFill>
+                  <a:schemeClr val="accent1"/>
+                </a:solidFill>
+              </a14:hiddenFill>
+            </a:ext>
+            <a:ext uri="{91240B29-F687-4F45-9708-019B960494DF}">
+              <a14:hiddenLine xmlns:a14="http://schemas.microsoft.com/office/drawing/2010/main" w="9525">
+                <a:solidFill>
+                  <a:schemeClr val="tx1"/>
+                </a:solidFill>
+                <a:miter lim="800000"/>
+                <a:headEnd/>
+                <a:tailEnd/>
+              </a14:hiddenLine>
+            </a:ext>
+          </a:extLst>
+        </p:spPr>
+      </p:pic>
+      <p:sp>
+        <p:nvSpPr>
+          <p:cNvPr id="67" name="Oval 66"/>
+          <p:cNvSpPr/>
+          <p:nvPr/>
+        </p:nvSpPr>
+        <p:spPr>
+          <a:xfrm>
+            <a:off x="109096" y="3941865"/>
+            <a:ext cx="1121882" cy="1121881"/>
+          </a:xfrm>
+          <a:prstGeom prst="ellipse">
+            <a:avLst/>
+          </a:prstGeom>
+          <a:gradFill>
+            <a:gsLst>
+              <a:gs pos="22000">
+                <a:srgbClr val="FFA8B4"/>
+              </a:gs>
+              <a:gs pos="100000">
+                <a:srgbClr val="FFA1AF">
+                  <a:lumMod val="66000"/>
+                  <a:lumOff val="34000"/>
+                </a:srgbClr>
+              </a:gs>
+              <a:gs pos="0">
+                <a:srgbClr val="FFA2AF"/>
+              </a:gs>
+            </a:gsLst>
+          </a:gradFill>
+          <a:ln w="9525">
+            <a:solidFill>
+              <a:srgbClr val="FF99A3"/>
+            </a:solidFill>
+          </a:ln>
+          <a:effectLst/>
+          <a:scene3d>
+            <a:camera prst="orthographicFront"/>
+            <a:lightRig rig="threePt" dir="t"/>
+          </a:scene3d>
+          <a:sp3d>
+            <a:bevelT prst="angle"/>
+          </a:sp3d>
+        </p:spPr>
+        <p:style>
+          <a:lnRef idx="1">
+            <a:schemeClr val="accent3"/>
+          </a:lnRef>
+          <a:fillRef idx="2">
+            <a:schemeClr val="accent3"/>
+          </a:fillRef>
+          <a:effectRef idx="1">
+            <a:schemeClr val="accent3"/>
+          </a:effectRef>
+          <a:fontRef idx="minor">
+            <a:schemeClr val="dk1"/>
+          </a:fontRef>
+        </p:style>
+        <p:txBody>
+          <a:bodyPr rtlCol="0" anchor="ctr"/>
+          <a:lstStyle/>
+          <a:p>
+            <a:pPr algn="ctr"/>
+            <a:endParaRPr lang="en-US"/>
+          </a:p>
+        </p:txBody>
+      </p:sp>
+      <p:pic>
+        <p:nvPicPr>
+          <p:cNvPr id="68" name="Picture 60" descr="File:132Ditto.png"/>
+          <p:cNvPicPr>
+            <a:picLocks noChangeAspect="1" noChangeArrowheads="1"/>
+          </p:cNvPicPr>
+          <p:nvPr/>
+        </p:nvPicPr>
+        <p:blipFill>
+          <a:blip r:embed="rId23">
+            <a:duotone>
+              <a:prstClr val="black"/>
+              <a:schemeClr val="accent2">
+                <a:tint val="45000"/>
+                <a:satMod val="400000"/>
+              </a:schemeClr>
+            </a:duotone>
+            <a:extLst>
+              <a:ext uri="{BEBA8EAE-BF5A-486C-A8C5-ECC9F3942E4B}">
+                <a14:imgProps xmlns:a14="http://schemas.microsoft.com/office/drawing/2010/main">
+                  <a14:imgLayer r:embed="rId24">
+                    <a14:imgEffect>
+                      <a14:colorTemperature colorTemp="1500"/>
+                    </a14:imgEffect>
+                    <a14:imgEffect>
+                      <a14:saturation sat="400000"/>
+                    </a14:imgEffect>
+                    <a14:imgEffect>
+                      <a14:brightnessContrast bright="4000" contrast="83000"/>
+                    </a14:imgEffect>
+                  </a14:imgLayer>
+                </a14:imgProps>
+              </a:ext>
+              <a:ext uri="{28A0092B-C50C-407E-A947-70E740481C1C}">
+                <a14:useLocalDpi xmlns:a14="http://schemas.microsoft.com/office/drawing/2010/main" val="0"/>
+              </a:ext>
+            </a:extLst>
+          </a:blip>
+          <a:srcRect/>
+          <a:stretch>
+            <a:fillRect/>
+          </a:stretch>
+        </p:blipFill>
+        <p:spPr bwMode="auto">
+          <a:xfrm>
+            <a:off x="240223" y="4046324"/>
+            <a:ext cx="849111" cy="829195"/>
+          </a:xfrm>
+          <a:prstGeom prst="rect">
+            <a:avLst/>
+          </a:prstGeom>
+          <a:noFill/>
+          <a:effectLst/>
+          <a:extLst>
+            <a:ext uri="{909E8E84-426E-40DD-AFC4-6F175D3DCCD1}">
+              <a14:hiddenFill xmlns:a14="http://schemas.microsoft.com/office/drawing/2010/main">
+                <a:solidFill>
+                  <a:srgbClr val="FFFFFF"/>
+                </a:solidFill>
+              </a14:hiddenFill>
+            </a:ext>
+          </a:extLst>
+        </p:spPr>
+      </p:pic>
+      <p:pic>
+        <p:nvPicPr>
+          <p:cNvPr id="48" name="Picture 10"/>
+          <p:cNvPicPr>
+            <a:picLocks noChangeAspect="1" noChangeArrowheads="1"/>
+          </p:cNvPicPr>
+          <p:nvPr/>
+        </p:nvPicPr>
+        <p:blipFill>
+          <a:blip r:embed="rId25">
             <a:extLst>
               <a:ext uri="{28A0092B-C50C-407E-A947-70E740481C1C}">
                 <a14:useLocalDpi xmlns:a14="http://schemas.microsoft.com/office/drawing/2010/main" val="0"/>
@@ -7151,7 +7135,7 @@
     </p:spTree>
     <p:extLst>
       <p:ext uri="{BB962C8B-B14F-4D97-AF65-F5344CB8AC3E}">
-        <p14:creationId xmlns:p14="http://schemas.microsoft.com/office/powerpoint/2010/main" val="3091493123"/>
+        <p14:creationId xmlns:p14="http://schemas.microsoft.com/office/powerpoint/2010/main" val="2347144634"/>
       </p:ext>
     </p:extLst>
   </p:cSld>
